--- a/ComiCall Presentation.pptx
+++ b/ComiCall Presentation.pptx
@@ -9,8 +9,11 @@
     <p:sldId id="257" r:id="rId3"/>
     <p:sldId id="258" r:id="rId4"/>
     <p:sldId id="261" r:id="rId5"/>
-    <p:sldId id="259" r:id="rId6"/>
-    <p:sldId id="260" r:id="rId7"/>
+    <p:sldId id="260" r:id="rId6"/>
+    <p:sldId id="259" r:id="rId7"/>
+    <p:sldId id="263" r:id="rId8"/>
+    <p:sldId id="264" r:id="rId9"/>
+    <p:sldId id="262" r:id="rId10"/>
   </p:sldIdLst>
   <p:sldSz cx="12192000" cy="6858000"/>
   <p:notesSz cx="6858000" cy="9144000"/>
@@ -109,6 +112,11 @@
       </a:defRPr>
     </a:lvl9pPr>
   </p:defaultTextStyle>
+  <p:extLst>
+    <p:ext uri="{EFAFB233-063F-42B5-8137-9DF3F51BA10A}">
+      <p15:sldGuideLst xmlns:p15="http://schemas.microsoft.com/office/powerpoint/2012/main"/>
+    </p:ext>
+  </p:extLst>
 </p:presentation>
 </file>
 
@@ -4388,7 +4396,7 @@
           <a:p>
             <a:fld id="{48A87A34-81AB-432B-8DAE-1953F412C126}" type="datetimeFigureOut">
               <a:rPr lang="en-US" dirty="0"/>
-              <a:t>1/17/2020</a:t>
+              <a:t>1/18/2020</a:t>
             </a:fld>
             <a:endParaRPr lang="en-US" dirty="0"/>
           </a:p>
@@ -4650,7 +4658,7 @@
           <a:p>
             <a:fld id="{48A87A34-81AB-432B-8DAE-1953F412C126}" type="datetimeFigureOut">
               <a:rPr lang="en-US" dirty="0"/>
-              <a:t>1/17/2020</a:t>
+              <a:t>1/18/2020</a:t>
             </a:fld>
             <a:endParaRPr lang="en-US" dirty="0"/>
           </a:p>
@@ -4841,7 +4849,7 @@
           <a:p>
             <a:fld id="{48A87A34-81AB-432B-8DAE-1953F412C126}" type="datetimeFigureOut">
               <a:rPr lang="en-US" dirty="0"/>
-              <a:t>1/17/2020</a:t>
+              <a:t>1/18/2020</a:t>
             </a:fld>
             <a:endParaRPr lang="en-US" dirty="0"/>
           </a:p>
@@ -5099,7 +5107,7 @@
           <a:p>
             <a:fld id="{48A87A34-81AB-432B-8DAE-1953F412C126}" type="datetimeFigureOut">
               <a:rPr lang="en-US" dirty="0"/>
-              <a:t>1/17/2020</a:t>
+              <a:t>1/18/2020</a:t>
             </a:fld>
             <a:endParaRPr lang="en-US" dirty="0"/>
           </a:p>
@@ -5528,7 +5536,7 @@
           <a:p>
             <a:fld id="{48A87A34-81AB-432B-8DAE-1953F412C126}" type="datetimeFigureOut">
               <a:rPr lang="en-US" dirty="0"/>
-              <a:t>1/17/2020</a:t>
+              <a:t>1/18/2020</a:t>
             </a:fld>
             <a:endParaRPr lang="en-US" dirty="0"/>
           </a:p>
@@ -6069,7 +6077,7 @@
           <a:p>
             <a:fld id="{48A87A34-81AB-432B-8DAE-1953F412C126}" type="datetimeFigureOut">
               <a:rPr lang="en-US" dirty="0"/>
-              <a:t>1/17/2020</a:t>
+              <a:t>1/18/2020</a:t>
             </a:fld>
             <a:endParaRPr lang="en-US" dirty="0"/>
           </a:p>
@@ -6784,7 +6792,7 @@
           <a:p>
             <a:fld id="{48A87A34-81AB-432B-8DAE-1953F412C126}" type="datetimeFigureOut">
               <a:rPr lang="en-US" dirty="0"/>
-              <a:t>1/17/2020</a:t>
+              <a:t>1/18/2020</a:t>
             </a:fld>
             <a:endParaRPr lang="en-US" dirty="0"/>
           </a:p>
@@ -6949,7 +6957,7 @@
           <a:p>
             <a:fld id="{48A87A34-81AB-432B-8DAE-1953F412C126}" type="datetimeFigureOut">
               <a:rPr lang="en-US" dirty="0"/>
-              <a:t>1/17/2020</a:t>
+              <a:t>1/18/2020</a:t>
             </a:fld>
             <a:endParaRPr lang="en-US" dirty="0"/>
           </a:p>
@@ -7124,7 +7132,7 @@
           <a:p>
             <a:fld id="{48A87A34-81AB-432B-8DAE-1953F412C126}" type="datetimeFigureOut">
               <a:rPr lang="en-US" dirty="0"/>
-              <a:t>1/17/2020</a:t>
+              <a:t>1/18/2020</a:t>
             </a:fld>
             <a:endParaRPr lang="en-US" dirty="0"/>
           </a:p>
@@ -7289,7 +7297,7 @@
           <a:p>
             <a:fld id="{48A87A34-81AB-432B-8DAE-1953F412C126}" type="datetimeFigureOut">
               <a:rPr lang="en-US" dirty="0"/>
-              <a:t>1/17/2020</a:t>
+              <a:t>1/18/2020</a:t>
             </a:fld>
             <a:endParaRPr lang="en-US" dirty="0"/>
           </a:p>
@@ -7534,7 +7542,7 @@
           <a:p>
             <a:fld id="{48A87A34-81AB-432B-8DAE-1953F412C126}" type="datetimeFigureOut">
               <a:rPr lang="en-US" dirty="0"/>
-              <a:t>1/17/2020</a:t>
+              <a:t>1/18/2020</a:t>
             </a:fld>
             <a:endParaRPr lang="en-US" dirty="0"/>
           </a:p>
@@ -7761,7 +7769,7 @@
           <a:p>
             <a:fld id="{48A87A34-81AB-432B-8DAE-1953F412C126}" type="datetimeFigureOut">
               <a:rPr lang="en-US" dirty="0"/>
-              <a:t>1/17/2020</a:t>
+              <a:t>1/18/2020</a:t>
             </a:fld>
             <a:endParaRPr lang="en-US" dirty="0"/>
           </a:p>
@@ -8137,7 +8145,7 @@
           <a:p>
             <a:fld id="{48A87A34-81AB-432B-8DAE-1953F412C126}" type="datetimeFigureOut">
               <a:rPr lang="en-US" dirty="0"/>
-              <a:t>1/17/2020</a:t>
+              <a:t>1/18/2020</a:t>
             </a:fld>
             <a:endParaRPr lang="en-US" dirty="0"/>
           </a:p>
@@ -8250,7 +8258,7 @@
           <a:p>
             <a:fld id="{48A87A34-81AB-432B-8DAE-1953F412C126}" type="datetimeFigureOut">
               <a:rPr lang="en-US" dirty="0"/>
-              <a:t>1/17/2020</a:t>
+              <a:t>1/18/2020</a:t>
             </a:fld>
             <a:endParaRPr lang="en-US" dirty="0"/>
           </a:p>
@@ -8340,7 +8348,7 @@
           <a:p>
             <a:fld id="{48A87A34-81AB-432B-8DAE-1953F412C126}" type="datetimeFigureOut">
               <a:rPr lang="en-US" dirty="0"/>
-              <a:t>1/17/2020</a:t>
+              <a:t>1/18/2020</a:t>
             </a:fld>
             <a:endParaRPr lang="en-US" dirty="0"/>
           </a:p>
@@ -8584,7 +8592,7 @@
           <a:p>
             <a:fld id="{48A87A34-81AB-432B-8DAE-1953F412C126}" type="datetimeFigureOut">
               <a:rPr lang="en-US" dirty="0"/>
-              <a:t>1/17/2020</a:t>
+              <a:t>1/18/2020</a:t>
             </a:fld>
             <a:endParaRPr lang="en-US" dirty="0"/>
           </a:p>
@@ -8859,7 +8867,7 @@
           <a:p>
             <a:fld id="{48A87A34-81AB-432B-8DAE-1953F412C126}" type="datetimeFigureOut">
               <a:rPr lang="en-US" dirty="0"/>
-              <a:t>1/17/2020</a:t>
+              <a:t>1/18/2020</a:t>
             </a:fld>
             <a:endParaRPr lang="en-US" dirty="0"/>
           </a:p>
@@ -11932,7 +11940,7 @@
             <a:fld id="{48A87A34-81AB-432B-8DAE-1953F412C126}" type="datetimeFigureOut">
               <a:rPr lang="en-US" dirty="0"/>
               <a:pPr/>
-              <a:t>1/17/2020</a:t>
+              <a:t>1/18/2020</a:t>
             </a:fld>
             <a:endParaRPr lang="en-US" dirty="0"/>
           </a:p>
@@ -12455,6 +12463,53 @@
           </a:p>
         </p:txBody>
       </p:sp>
+      <p:pic>
+        <p:nvPicPr>
+          <p:cNvPr id="6146" name="Picture 2" descr="Image result for drawn comics coders">
+            <a:extLst>
+              <a:ext uri="{FF2B5EF4-FFF2-40B4-BE49-F238E27FC236}">
+                <a16:creationId xmlns:a16="http://schemas.microsoft.com/office/drawing/2014/main" id="{7F04AB39-1E59-4B43-BE09-AF2C75628FDC}"/>
+              </a:ext>
+            </a:extLst>
+          </p:cNvPr>
+          <p:cNvPicPr>
+            <a:picLocks noChangeAspect="1" noChangeArrowheads="1"/>
+          </p:cNvPicPr>
+          <p:nvPr/>
+        </p:nvPicPr>
+        <p:blipFill>
+          <a:blip r:embed="rId2">
+            <a:extLst>
+              <a:ext uri="{28A0092B-C50C-407E-A947-70E740481C1C}">
+                <a14:useLocalDpi xmlns:a14="http://schemas.microsoft.com/office/drawing/2010/main" val="0"/>
+              </a:ext>
+            </a:extLst>
+          </a:blip>
+          <a:srcRect/>
+          <a:stretch>
+            <a:fillRect/>
+          </a:stretch>
+        </p:blipFill>
+        <p:spPr bwMode="auto">
+          <a:xfrm>
+            <a:off x="7923299" y="2341412"/>
+            <a:ext cx="2072040" cy="3237329"/>
+          </a:xfrm>
+          <a:prstGeom prst="rect">
+            <a:avLst/>
+          </a:prstGeom>
+          <a:noFill/>
+          <a:extLst>
+            <a:ext uri="{909E8E84-426E-40DD-AFC4-6F175D3DCCD1}">
+              <a14:hiddenFill xmlns:a14="http://schemas.microsoft.com/office/drawing/2010/main">
+                <a:solidFill>
+                  <a:srgbClr val="FFFFFF"/>
+                </a:solidFill>
+              </a14:hiddenFill>
+            </a:ext>
+          </a:extLst>
+        </p:spPr>
+      </p:pic>
     </p:spTree>
     <p:extLst>
       <p:ext uri="{BB962C8B-B14F-4D97-AF65-F5344CB8AC3E}">
@@ -12675,7 +12730,11 @@
               <a:rPr lang="en-US" dirty="0"/>
             </a:br>
             <a:r>
-              <a:rPr lang="en-US" dirty="0"/>
+              <a:rPr lang="en-US" dirty="0">
+                <a:solidFill>
+                  <a:srgbClr val="FFC000"/>
+                </a:solidFill>
+              </a:rPr>
               <a:t>As a user, I would like to…</a:t>
             </a:r>
           </a:p>
@@ -12719,24 +12778,6 @@
       </p:sp>
       <p:sp>
         <p:nvSpPr>
-          <p:cNvPr id="4" name="Picture Placeholder 3">
-            <a:extLst>
-              <a:ext uri="{FF2B5EF4-FFF2-40B4-BE49-F238E27FC236}">
-                <a16:creationId xmlns:a16="http://schemas.microsoft.com/office/drawing/2014/main" id="{906DE3ED-74CB-4A7B-B74F-33139E3D4146}"/>
-              </a:ext>
-            </a:extLst>
-          </p:cNvPr>
-          <p:cNvSpPr>
-            <a:spLocks noGrp="1"/>
-          </p:cNvSpPr>
-          <p:nvPr>
-            <p:ph type="pic" idx="15"/>
-          </p:nvPr>
-        </p:nvSpPr>
-        <p:spPr/>
-      </p:sp>
-      <p:sp>
-        <p:nvSpPr>
           <p:cNvPr id="5" name="Text Placeholder 4">
             <a:extLst>
               <a:ext uri="{FF2B5EF4-FFF2-40B4-BE49-F238E27FC236}">
@@ -12759,7 +12800,7 @@
             <a:pPr algn="ctr"/>
             <a:r>
               <a:rPr lang="en-US" dirty="0"/>
-              <a:t>by character, title, or publisher</a:t>
+              <a:t>by character or title</a:t>
             </a:r>
           </a:p>
         </p:txBody>
@@ -12802,24 +12843,6 @@
       </p:sp>
       <p:sp>
         <p:nvSpPr>
-          <p:cNvPr id="7" name="Picture Placeholder 6">
-            <a:extLst>
-              <a:ext uri="{FF2B5EF4-FFF2-40B4-BE49-F238E27FC236}">
-                <a16:creationId xmlns:a16="http://schemas.microsoft.com/office/drawing/2014/main" id="{AE708D00-B3F1-418E-9DC9-7B0DAF35C2BA}"/>
-              </a:ext>
-            </a:extLst>
-          </p:cNvPr>
-          <p:cNvSpPr>
-            <a:spLocks noGrp="1"/>
-          </p:cNvSpPr>
-          <p:nvPr>
-            <p:ph type="pic" idx="21"/>
-          </p:nvPr>
-        </p:nvSpPr>
-        <p:spPr/>
-      </p:sp>
-      <p:sp>
-        <p:nvSpPr>
           <p:cNvPr id="8" name="Text Placeholder 7">
             <a:extLst>
               <a:ext uri="{FF2B5EF4-FFF2-40B4-BE49-F238E27FC236}">
@@ -12885,24 +12908,6 @@
       </p:sp>
       <p:sp>
         <p:nvSpPr>
-          <p:cNvPr id="10" name="Picture Placeholder 9">
-            <a:extLst>
-              <a:ext uri="{FF2B5EF4-FFF2-40B4-BE49-F238E27FC236}">
-                <a16:creationId xmlns:a16="http://schemas.microsoft.com/office/drawing/2014/main" id="{A542644A-7E29-4F86-BCEC-44B78B08D957}"/>
-              </a:ext>
-            </a:extLst>
-          </p:cNvPr>
-          <p:cNvSpPr>
-            <a:spLocks noGrp="1"/>
-          </p:cNvSpPr>
-          <p:nvPr>
-            <p:ph type="pic" idx="22"/>
-          </p:nvPr>
-        </p:nvSpPr>
-        <p:spPr/>
-      </p:sp>
-      <p:sp>
-        <p:nvSpPr>
           <p:cNvPr id="11" name="Text Placeholder 10">
             <a:extLst>
               <a:ext uri="{FF2B5EF4-FFF2-40B4-BE49-F238E27FC236}">
@@ -12930,6 +12935,153 @@
           </a:p>
         </p:txBody>
       </p:sp>
+      <p:pic>
+        <p:nvPicPr>
+          <p:cNvPr id="4098" name="Picture 2" descr="Image result for searching internet comic">
+            <a:extLst>
+              <a:ext uri="{FF2B5EF4-FFF2-40B4-BE49-F238E27FC236}">
+                <a16:creationId xmlns:a16="http://schemas.microsoft.com/office/drawing/2014/main" id="{DAF72DC3-6CE2-4AD7-9E86-1ED3187F8338}"/>
+              </a:ext>
+            </a:extLst>
+          </p:cNvPr>
+          <p:cNvPicPr>
+            <a:picLocks noGrp="1" noChangeAspect="1" noChangeArrowheads="1"/>
+          </p:cNvPicPr>
+          <p:nvPr>
+            <p:ph type="pic" idx="15"/>
+          </p:nvPr>
+        </p:nvPicPr>
+        <p:blipFill>
+          <a:blip r:embed="rId2">
+            <a:extLst>
+              <a:ext uri="{28A0092B-C50C-407E-A947-70E740481C1C}">
+                <a14:useLocalDpi xmlns:a14="http://schemas.microsoft.com/office/drawing/2010/main" val="0"/>
+              </a:ext>
+            </a:extLst>
+          </a:blip>
+          <a:srcRect l="1790" r="1790"/>
+          <a:stretch>
+            <a:fillRect/>
+          </a:stretch>
+        </p:blipFill>
+        <p:spPr bwMode="auto">
+          <a:xfrm>
+            <a:off x="1843695" y="2292074"/>
+            <a:ext cx="1815203" cy="2242628"/>
+          </a:xfrm>
+          <a:prstGeom prst="rect">
+            <a:avLst/>
+          </a:prstGeom>
+          <a:noFill/>
+          <a:extLst>
+            <a:ext uri="{909E8E84-426E-40DD-AFC4-6F175D3DCCD1}">
+              <a14:hiddenFill xmlns:a14="http://schemas.microsoft.com/office/drawing/2010/main">
+                <a:solidFill>
+                  <a:srgbClr val="FFFFFF"/>
+                </a:solidFill>
+              </a14:hiddenFill>
+            </a:ext>
+          </a:extLst>
+        </p:spPr>
+      </p:pic>
+      <p:pic>
+        <p:nvPicPr>
+          <p:cNvPr id="4100" name="Picture 4" descr="Image result for wish list comic">
+            <a:extLst>
+              <a:ext uri="{FF2B5EF4-FFF2-40B4-BE49-F238E27FC236}">
+                <a16:creationId xmlns:a16="http://schemas.microsoft.com/office/drawing/2014/main" id="{76968FFE-A695-4DB2-AADA-63CFC80FEBB9}"/>
+              </a:ext>
+            </a:extLst>
+          </p:cNvPr>
+          <p:cNvPicPr>
+            <a:picLocks noGrp="1" noChangeAspect="1" noChangeArrowheads="1"/>
+          </p:cNvPicPr>
+          <p:nvPr>
+            <p:ph type="pic" idx="21"/>
+          </p:nvPr>
+        </p:nvPicPr>
+        <p:blipFill>
+          <a:blip r:embed="rId3">
+            <a:extLst>
+              <a:ext uri="{28A0092B-C50C-407E-A947-70E740481C1C}">
+                <a14:useLocalDpi xmlns:a14="http://schemas.microsoft.com/office/drawing/2010/main" val="0"/>
+              </a:ext>
+            </a:extLst>
+          </a:blip>
+          <a:srcRect l="6174" r="6174"/>
+          <a:stretch>
+            <a:fillRect/>
+          </a:stretch>
+        </p:blipFill>
+        <p:spPr bwMode="auto">
+          <a:xfrm>
+            <a:off x="5236981" y="2292074"/>
+            <a:ext cx="1785431" cy="2263023"/>
+          </a:xfrm>
+          <a:prstGeom prst="rect">
+            <a:avLst/>
+          </a:prstGeom>
+          <a:noFill/>
+          <a:extLst>
+            <a:ext uri="{909E8E84-426E-40DD-AFC4-6F175D3DCCD1}">
+              <a14:hiddenFill xmlns:a14="http://schemas.microsoft.com/office/drawing/2010/main">
+                <a:solidFill>
+                  <a:srgbClr val="FFFFFF"/>
+                </a:solidFill>
+              </a14:hiddenFill>
+            </a:ext>
+          </a:extLst>
+        </p:spPr>
+      </p:pic>
+      <p:pic>
+        <p:nvPicPr>
+          <p:cNvPr id="4102" name="Picture 6" descr="Image result for comic reading a map">
+            <a:extLst>
+              <a:ext uri="{FF2B5EF4-FFF2-40B4-BE49-F238E27FC236}">
+                <a16:creationId xmlns:a16="http://schemas.microsoft.com/office/drawing/2014/main" id="{30F83768-9F3D-452E-A9F7-27BCAA89AEDA}"/>
+              </a:ext>
+            </a:extLst>
+          </p:cNvPr>
+          <p:cNvPicPr>
+            <a:picLocks noGrp="1" noChangeAspect="1" noChangeArrowheads="1"/>
+          </p:cNvPicPr>
+          <p:nvPr>
+            <p:ph type="pic" idx="22"/>
+          </p:nvPr>
+        </p:nvPicPr>
+        <p:blipFill>
+          <a:blip r:embed="rId4">
+            <a:extLst>
+              <a:ext uri="{28A0092B-C50C-407E-A947-70E740481C1C}">
+                <a14:useLocalDpi xmlns:a14="http://schemas.microsoft.com/office/drawing/2010/main" val="0"/>
+              </a:ext>
+            </a:extLst>
+          </a:blip>
+          <a:srcRect l="1500" r="1500"/>
+          <a:stretch>
+            <a:fillRect/>
+          </a:stretch>
+        </p:blipFill>
+        <p:spPr bwMode="auto">
+          <a:xfrm>
+            <a:off x="8492712" y="2292073"/>
+            <a:ext cx="1862981" cy="2299523"/>
+          </a:xfrm>
+          <a:prstGeom prst="rect">
+            <a:avLst/>
+          </a:prstGeom>
+          <a:noFill/>
+          <a:extLst>
+            <a:ext uri="{909E8E84-426E-40DD-AFC4-6F175D3DCCD1}">
+              <a14:hiddenFill xmlns:a14="http://schemas.microsoft.com/office/drawing/2010/main">
+                <a:solidFill>
+                  <a:srgbClr val="FFFFFF"/>
+                </a:solidFill>
+              </a14:hiddenFill>
+            </a:ext>
+          </a:extLst>
+        </p:spPr>
+      </p:pic>
     </p:spTree>
     <p:extLst>
       <p:ext uri="{BB962C8B-B14F-4D97-AF65-F5344CB8AC3E}">
@@ -13041,39 +13193,6 @@
       </p:sp>
       <p:sp>
         <p:nvSpPr>
-          <p:cNvPr id="4" name="Content Placeholder 3">
-            <a:extLst>
-              <a:ext uri="{FF2B5EF4-FFF2-40B4-BE49-F238E27FC236}">
-                <a16:creationId xmlns:a16="http://schemas.microsoft.com/office/drawing/2014/main" id="{F3CCE80E-0107-43F5-A6A8-EA61731DB2B3}"/>
-              </a:ext>
-            </a:extLst>
-          </p:cNvPr>
-          <p:cNvSpPr>
-            <a:spLocks noGrp="1"/>
-          </p:cNvSpPr>
-          <p:nvPr>
-            <p:ph sz="half" idx="2"/>
-          </p:nvPr>
-        </p:nvSpPr>
-        <p:spPr>
-          <a:xfrm>
-            <a:off x="1423708" y="2393398"/>
-            <a:ext cx="4878391" cy="3397800"/>
-          </a:xfrm>
-        </p:spPr>
-        <p:txBody>
-          <a:bodyPr/>
-          <a:lstStyle/>
-          <a:p>
-            <a:r>
-              <a:rPr lang="en-US" dirty="0"/>
-              <a:t>Image of I Hate Fairyland</a:t>
-            </a:r>
-          </a:p>
-        </p:txBody>
-      </p:sp>
-      <p:sp>
-        <p:nvSpPr>
           <p:cNvPr id="5" name="Text Placeholder 4">
             <a:extLst>
               <a:ext uri="{FF2B5EF4-FFF2-40B4-BE49-F238E27FC236}">
@@ -13114,39 +13233,104 @@
           </a:p>
         </p:txBody>
       </p:sp>
-      <p:sp>
-        <p:nvSpPr>
-          <p:cNvPr id="6" name="Content Placeholder 5">
+      <p:pic>
+        <p:nvPicPr>
+          <p:cNvPr id="3074" name="Picture 2" descr="Image result for crowded bookshop">
             <a:extLst>
               <a:ext uri="{FF2B5EF4-FFF2-40B4-BE49-F238E27FC236}">
-                <a16:creationId xmlns:a16="http://schemas.microsoft.com/office/drawing/2014/main" id="{C85C7ACA-4403-4940-AD95-2018A81CE0CA}"/>
+                <a16:creationId xmlns:a16="http://schemas.microsoft.com/office/drawing/2014/main" id="{DDF43E66-B904-45AB-A5A2-ED73AB05CE2A}"/>
               </a:ext>
             </a:extLst>
           </p:cNvPr>
-          <p:cNvSpPr>
-            <a:spLocks noGrp="1"/>
-          </p:cNvSpPr>
+          <p:cNvPicPr>
+            <a:picLocks noGrp="1" noChangeAspect="1" noChangeArrowheads="1"/>
+          </p:cNvPicPr>
           <p:nvPr>
             <p:ph sz="quarter" idx="4"/>
           </p:nvPr>
-        </p:nvSpPr>
-        <p:spPr>
+        </p:nvPicPr>
+        <p:blipFill>
+          <a:blip r:embed="rId2">
+            <a:extLst>
+              <a:ext uri="{28A0092B-C50C-407E-A947-70E740481C1C}">
+                <a14:useLocalDpi xmlns:a14="http://schemas.microsoft.com/office/drawing/2010/main" val="0"/>
+              </a:ext>
+            </a:extLst>
+          </a:blip>
+          <a:srcRect/>
+          <a:stretch>
+            <a:fillRect/>
+          </a:stretch>
+        </p:blipFill>
+        <p:spPr bwMode="auto">
           <a:xfrm>
-            <a:off x="6302099" y="2442491"/>
-            <a:ext cx="4875210" cy="3348707"/>
+            <a:off x="6302376" y="2493737"/>
+            <a:ext cx="4868620" cy="3242500"/>
           </a:xfrm>
+          <a:prstGeom prst="rect">
+            <a:avLst/>
+          </a:prstGeom>
+          <a:noFill/>
+          <a:extLst>
+            <a:ext uri="{909E8E84-426E-40DD-AFC4-6F175D3DCCD1}">
+              <a14:hiddenFill xmlns:a14="http://schemas.microsoft.com/office/drawing/2010/main">
+                <a:solidFill>
+                  <a:srgbClr val="FFFFFF"/>
+                </a:solidFill>
+              </a14:hiddenFill>
+            </a:ext>
+          </a:extLst>
         </p:spPr>
-        <p:txBody>
-          <a:bodyPr/>
-          <a:lstStyle/>
-          <a:p>
-            <a:r>
-              <a:rPr lang="en-US" dirty="0"/>
-              <a:t>Marvel comic that’s busy</a:t>
-            </a:r>
-          </a:p>
-        </p:txBody>
-      </p:sp>
+      </p:pic>
+      <p:pic>
+        <p:nvPicPr>
+          <p:cNvPr id="3076" name="Picture 4" descr="Image result for surfing the web">
+            <a:extLst>
+              <a:ext uri="{FF2B5EF4-FFF2-40B4-BE49-F238E27FC236}">
+                <a16:creationId xmlns:a16="http://schemas.microsoft.com/office/drawing/2014/main" id="{AC73D8CD-7C43-43A7-B53E-AB0ED19E2DF2}"/>
+              </a:ext>
+            </a:extLst>
+          </p:cNvPr>
+          <p:cNvPicPr>
+            <a:picLocks noGrp="1" noChangeAspect="1" noChangeArrowheads="1"/>
+          </p:cNvPicPr>
+          <p:nvPr>
+            <p:ph sz="half" idx="2"/>
+          </p:nvPr>
+        </p:nvPicPr>
+        <p:blipFill>
+          <a:blip r:embed="rId3">
+            <a:extLst>
+              <a:ext uri="{28A0092B-C50C-407E-A947-70E740481C1C}">
+                <a14:useLocalDpi xmlns:a14="http://schemas.microsoft.com/office/drawing/2010/main" val="0"/>
+              </a:ext>
+            </a:extLst>
+          </a:blip>
+          <a:srcRect/>
+          <a:stretch>
+            <a:fillRect/>
+          </a:stretch>
+        </p:blipFill>
+        <p:spPr bwMode="auto">
+          <a:xfrm>
+            <a:off x="1423989" y="2792749"/>
+            <a:ext cx="4672012" cy="2673754"/>
+          </a:xfrm>
+          <a:prstGeom prst="rect">
+            <a:avLst/>
+          </a:prstGeom>
+          <a:noFill/>
+          <a:extLst>
+            <a:ext uri="{909E8E84-426E-40DD-AFC4-6F175D3DCCD1}">
+              <a14:hiddenFill xmlns:a14="http://schemas.microsoft.com/office/drawing/2010/main">
+                <a:solidFill>
+                  <a:srgbClr val="FFFFFF"/>
+                </a:solidFill>
+              </a14:hiddenFill>
+            </a:ext>
+          </a:extLst>
+        </p:spPr>
+      </p:pic>
     </p:spTree>
     <p:extLst>
       <p:ext uri="{BB962C8B-B14F-4D97-AF65-F5344CB8AC3E}">
@@ -13161,6 +13345,223 @@
 </file>
 
 <file path=ppt/slides/slide5.xml><?xml version="1.0" encoding="utf-8"?>
+<p:sld xmlns:a="http://schemas.openxmlformats.org/drawingml/2006/main" xmlns:r="http://schemas.openxmlformats.org/officeDocument/2006/relationships" xmlns:p="http://schemas.openxmlformats.org/presentationml/2006/main">
+  <p:cSld>
+    <p:spTree>
+      <p:nvGrpSpPr>
+        <p:cNvPr id="1" name=""/>
+        <p:cNvGrpSpPr/>
+        <p:nvPr/>
+      </p:nvGrpSpPr>
+      <p:grpSpPr>
+        <a:xfrm>
+          <a:off x="0" y="0"/>
+          <a:ext cx="0" cy="0"/>
+          <a:chOff x="0" y="0"/>
+          <a:chExt cx="0" cy="0"/>
+        </a:xfrm>
+      </p:grpSpPr>
+      <p:sp>
+        <p:nvSpPr>
+          <p:cNvPr id="2" name="Title 1">
+            <a:extLst>
+              <a:ext uri="{FF2B5EF4-FFF2-40B4-BE49-F238E27FC236}">
+                <a16:creationId xmlns:a16="http://schemas.microsoft.com/office/drawing/2014/main" id="{AF1EB6F7-ECA8-4412-95B5-F15EC8A4475C}"/>
+              </a:ext>
+            </a:extLst>
+          </p:cNvPr>
+          <p:cNvSpPr>
+            <a:spLocks noGrp="1"/>
+          </p:cNvSpPr>
+          <p:nvPr>
+            <p:ph type="title"/>
+          </p:nvPr>
+        </p:nvSpPr>
+        <p:spPr>
+          <a:xfrm>
+            <a:off x="1141364" y="3215742"/>
+            <a:ext cx="9912355" cy="877579"/>
+          </a:xfrm>
+        </p:spPr>
+        <p:txBody>
+          <a:bodyPr/>
+          <a:lstStyle/>
+          <a:p>
+            <a:pPr algn="ctr"/>
+            <a:r>
+              <a:rPr lang="en-US" dirty="0"/>
+              <a:t>Find</a:t>
+            </a:r>
+            <a:r>
+              <a:rPr lang="en-US" dirty="0">
+                <a:solidFill>
+                  <a:schemeClr val="accent2">
+                    <a:lumMod val="60000"/>
+                    <a:lumOff val="40000"/>
+                  </a:schemeClr>
+                </a:solidFill>
+              </a:rPr>
+              <a:t> </a:t>
+            </a:r>
+            <a:r>
+              <a:rPr lang="en-US" dirty="0" err="1">
+                <a:solidFill>
+                  <a:schemeClr val="accent2">
+                    <a:lumMod val="60000"/>
+                    <a:lumOff val="40000"/>
+                  </a:schemeClr>
+                </a:solidFill>
+              </a:rPr>
+              <a:t>Comicall</a:t>
+            </a:r>
+            <a:r>
+              <a:rPr lang="en-US" dirty="0">
+                <a:solidFill>
+                  <a:schemeClr val="accent2">
+                    <a:lumMod val="60000"/>
+                    <a:lumOff val="40000"/>
+                  </a:schemeClr>
+                </a:solidFill>
+              </a:rPr>
+              <a:t> </a:t>
+            </a:r>
+            <a:r>
+              <a:rPr lang="en-US" dirty="0"/>
+              <a:t>via:</a:t>
+            </a:r>
+          </a:p>
+        </p:txBody>
+      </p:sp>
+      <p:sp>
+        <p:nvSpPr>
+          <p:cNvPr id="4" name="Text Placeholder 3">
+            <a:extLst>
+              <a:ext uri="{FF2B5EF4-FFF2-40B4-BE49-F238E27FC236}">
+                <a16:creationId xmlns:a16="http://schemas.microsoft.com/office/drawing/2014/main" id="{F91FBB57-8D78-48A3-97FA-0C30DA231F48}"/>
+              </a:ext>
+            </a:extLst>
+          </p:cNvPr>
+          <p:cNvSpPr>
+            <a:spLocks noGrp="1"/>
+          </p:cNvSpPr>
+          <p:nvPr>
+            <p:ph type="body" sz="half" idx="2"/>
+          </p:nvPr>
+        </p:nvSpPr>
+        <p:spPr>
+          <a:xfrm>
+            <a:off x="1142859" y="4253366"/>
+            <a:ext cx="9910859" cy="1351093"/>
+          </a:xfrm>
+        </p:spPr>
+        <p:txBody>
+          <a:bodyPr>
+            <a:normAutofit/>
+          </a:bodyPr>
+          <a:lstStyle/>
+          <a:p>
+            <a:pPr algn="ctr"/>
+            <a:r>
+              <a:rPr lang="en-US" dirty="0"/>
+              <a:t> https://maximilianc88.github.io/ComiCall/</a:t>
+            </a:r>
+          </a:p>
+          <a:p>
+            <a:pPr algn="ctr"/>
+            <a:r>
+              <a:rPr lang="en-US" dirty="0">
+                <a:solidFill>
+                  <a:schemeClr val="accent2">
+                    <a:lumMod val="60000"/>
+                    <a:lumOff val="40000"/>
+                  </a:schemeClr>
+                </a:solidFill>
+              </a:rPr>
+              <a:t>AND</a:t>
+            </a:r>
+          </a:p>
+          <a:p>
+            <a:pPr algn="ctr"/>
+            <a:r>
+              <a:rPr lang="en-US" dirty="0">
+                <a:hlinkClick r:id="rId2"/>
+              </a:rPr>
+              <a:t>https://github.com/maximilianc88/ComiCall</a:t>
+            </a:r>
+            <a:endParaRPr lang="en-US" dirty="0">
+              <a:solidFill>
+                <a:schemeClr val="accent2">
+                  <a:lumMod val="60000"/>
+                  <a:lumOff val="40000"/>
+                </a:schemeClr>
+              </a:solidFill>
+            </a:endParaRPr>
+          </a:p>
+        </p:txBody>
+      </p:sp>
+      <p:pic>
+        <p:nvPicPr>
+          <p:cNvPr id="1028" name="Picture 4" descr="Image result for the yellow brick road">
+            <a:extLst>
+              <a:ext uri="{FF2B5EF4-FFF2-40B4-BE49-F238E27FC236}">
+                <a16:creationId xmlns:a16="http://schemas.microsoft.com/office/drawing/2014/main" id="{B60F6355-CE6C-41BF-BA26-FFA42419523D}"/>
+              </a:ext>
+            </a:extLst>
+          </p:cNvPr>
+          <p:cNvPicPr>
+            <a:picLocks noGrp="1" noChangeAspect="1" noChangeArrowheads="1"/>
+          </p:cNvPicPr>
+          <p:nvPr>
+            <p:ph type="pic" idx="1"/>
+          </p:nvPr>
+        </p:nvPicPr>
+        <p:blipFill>
+          <a:blip r:embed="rId3">
+            <a:extLst>
+              <a:ext uri="{28A0092B-C50C-407E-A947-70E740481C1C}">
+                <a14:useLocalDpi xmlns:a14="http://schemas.microsoft.com/office/drawing/2010/main" val="0"/>
+              </a:ext>
+            </a:extLst>
+          </a:blip>
+          <a:srcRect t="25567" b="25567"/>
+          <a:stretch>
+            <a:fillRect/>
+          </a:stretch>
+        </p:blipFill>
+        <p:spPr bwMode="auto">
+          <a:xfrm>
+            <a:off x="2026302" y="1159530"/>
+            <a:ext cx="8139395" cy="1976189"/>
+          </a:xfrm>
+          <a:prstGeom prst="rect">
+            <a:avLst/>
+          </a:prstGeom>
+          <a:noFill/>
+          <a:extLst>
+            <a:ext uri="{909E8E84-426E-40DD-AFC4-6F175D3DCCD1}">
+              <a14:hiddenFill xmlns:a14="http://schemas.microsoft.com/office/drawing/2010/main">
+                <a:solidFill>
+                  <a:srgbClr val="FFFFFF"/>
+                </a:solidFill>
+              </a14:hiddenFill>
+            </a:ext>
+          </a:extLst>
+        </p:spPr>
+      </p:pic>
+    </p:spTree>
+    <p:extLst>
+      <p:ext uri="{BB962C8B-B14F-4D97-AF65-F5344CB8AC3E}">
+        <p14:creationId xmlns:p14="http://schemas.microsoft.com/office/powerpoint/2010/main" val="996229845"/>
+      </p:ext>
+    </p:extLst>
+  </p:cSld>
+  <p:clrMapOvr>
+    <a:masterClrMapping/>
+  </p:clrMapOvr>
+</p:sld>
+</file>
+
+<file path=ppt/slides/slide6.xml><?xml version="1.0" encoding="utf-8"?>
 <p:sld xmlns:a="http://schemas.openxmlformats.org/drawingml/2006/main" xmlns:r="http://schemas.openxmlformats.org/officeDocument/2006/relationships" xmlns:p="http://schemas.openxmlformats.org/presentationml/2006/main">
   <p:cSld>
     <p:spTree>
@@ -13219,38 +13620,15 @@
             </a:r>
             <a:r>
               <a:rPr lang="en-US" sz="1400" dirty="0"/>
-              <a:t>Richie Norton (</a:t>
+              <a:t>Richie Norton </a:t>
             </a:r>
             <a:r>
               <a:rPr lang="en-US" sz="800" dirty="0"/>
-              <a:t>whoever that is)</a:t>
+              <a:t>(whoever that is)</a:t>
             </a:r>
             <a:endParaRPr lang="en-US" dirty="0"/>
           </a:p>
         </p:txBody>
-      </p:sp>
-      <p:sp>
-        <p:nvSpPr>
-          <p:cNvPr id="3" name="Picture Placeholder 2">
-            <a:extLst>
-              <a:ext uri="{FF2B5EF4-FFF2-40B4-BE49-F238E27FC236}">
-                <a16:creationId xmlns:a16="http://schemas.microsoft.com/office/drawing/2014/main" id="{BDCBD923-E789-43B3-81BB-69CD86A4821E}"/>
-              </a:ext>
-            </a:extLst>
-          </p:cNvPr>
-          <p:cNvSpPr>
-            <a:spLocks noGrp="1"/>
-          </p:cNvSpPr>
-          <p:nvPr>
-            <p:ph type="pic" idx="1"/>
-          </p:nvPr>
-        </p:nvSpPr>
-        <p:spPr>
-          <a:xfrm>
-            <a:off x="7380721" y="699607"/>
-            <a:ext cx="3666690" cy="5091593"/>
-          </a:xfrm>
-        </p:spPr>
       </p:sp>
       <p:sp>
         <p:nvSpPr>
@@ -13296,7 +13674,7 @@
             </a:pPr>
             <a:r>
               <a:rPr lang="en-US" sz="1400" dirty="0"/>
-              <a:t>Inline styling galore</a:t>
+              <a:t>Inline styling galore (not ideal)</a:t>
             </a:r>
           </a:p>
           <a:p>
@@ -13368,6 +13746,55 @@
           </a:p>
         </p:txBody>
       </p:sp>
+      <p:pic>
+        <p:nvPicPr>
+          <p:cNvPr id="2052" name="Picture 4" descr="Image result for calvin and hobbes">
+            <a:extLst>
+              <a:ext uri="{FF2B5EF4-FFF2-40B4-BE49-F238E27FC236}">
+                <a16:creationId xmlns:a16="http://schemas.microsoft.com/office/drawing/2014/main" id="{07466E95-27F0-4806-A7C9-48260A0874EE}"/>
+              </a:ext>
+            </a:extLst>
+          </p:cNvPr>
+          <p:cNvPicPr>
+            <a:picLocks noGrp="1" noChangeAspect="1" noChangeArrowheads="1"/>
+          </p:cNvPicPr>
+          <p:nvPr>
+            <p:ph type="pic" idx="1"/>
+          </p:nvPr>
+        </p:nvPicPr>
+        <p:blipFill>
+          <a:blip r:embed="rId2">
+            <a:extLst>
+              <a:ext uri="{28A0092B-C50C-407E-A947-70E740481C1C}">
+                <a14:useLocalDpi xmlns:a14="http://schemas.microsoft.com/office/drawing/2010/main" val="0"/>
+              </a:ext>
+            </a:extLst>
+          </a:blip>
+          <a:srcRect l="1587" r="1587"/>
+          <a:stretch>
+            <a:fillRect/>
+          </a:stretch>
+        </p:blipFill>
+        <p:spPr bwMode="auto">
+          <a:xfrm>
+            <a:off x="6679677" y="1407284"/>
+            <a:ext cx="4293123" cy="4146934"/>
+          </a:xfrm>
+          <a:prstGeom prst="rect">
+            <a:avLst/>
+          </a:prstGeom>
+          <a:noFill/>
+          <a:extLst>
+            <a:ext uri="{909E8E84-426E-40DD-AFC4-6F175D3DCCD1}">
+              <a14:hiddenFill xmlns:a14="http://schemas.microsoft.com/office/drawing/2010/main">
+                <a:solidFill>
+                  <a:srgbClr val="FFFFFF"/>
+                </a:solidFill>
+              </a14:hiddenFill>
+            </a:ext>
+          </a:extLst>
+        </p:spPr>
+      </p:pic>
     </p:spTree>
     <p:extLst>
       <p:ext uri="{BB962C8B-B14F-4D97-AF65-F5344CB8AC3E}">
@@ -13381,7 +13808,7 @@
 </p:sld>
 </file>
 
-<file path=ppt/slides/slide6.xml><?xml version="1.0" encoding="utf-8"?>
+<file path=ppt/slides/slide7.xml><?xml version="1.0" encoding="utf-8"?>
 <p:sld xmlns:a="http://schemas.openxmlformats.org/drawingml/2006/main" xmlns:r="http://schemas.openxmlformats.org/officeDocument/2006/relationships" xmlns:p="http://schemas.openxmlformats.org/presentationml/2006/main">
   <p:cSld>
     <p:spTree>
@@ -13403,7 +13830,7 @@
           <p:cNvPr id="2" name="Title 1">
             <a:extLst>
               <a:ext uri="{FF2B5EF4-FFF2-40B4-BE49-F238E27FC236}">
-                <a16:creationId xmlns:a16="http://schemas.microsoft.com/office/drawing/2014/main" id="{AF1EB6F7-ECA8-4412-95B5-F15EC8A4475C}"/>
+                <a16:creationId xmlns:a16="http://schemas.microsoft.com/office/drawing/2014/main" id="{B745FB4D-0249-49F6-A649-005F04A9A87F}"/>
               </a:ext>
             </a:extLst>
           </p:cNvPr>
@@ -13416,88 +13843,63 @@
         </p:nvSpPr>
         <p:spPr>
           <a:xfrm>
-            <a:off x="1141364" y="3215742"/>
-            <a:ext cx="9912355" cy="877579"/>
+            <a:off x="1146705" y="348974"/>
+            <a:ext cx="3856037" cy="1440069"/>
           </a:xfrm>
         </p:spPr>
         <p:txBody>
           <a:bodyPr/>
           <a:lstStyle/>
           <a:p>
-            <a:pPr algn="ctr"/>
-            <a:r>
-              <a:rPr lang="en-US" dirty="0"/>
-              <a:t>Find</a:t>
-            </a:r>
             <a:r>
               <a:rPr lang="en-US" dirty="0">
                 <a:solidFill>
-                  <a:schemeClr val="accent2">
-                    <a:lumMod val="60000"/>
-                    <a:lumOff val="40000"/>
-                  </a:schemeClr>
+                  <a:srgbClr val="FFC000"/>
                 </a:solidFill>
               </a:rPr>
-              <a:t> </a:t>
-            </a:r>
-            <a:r>
-              <a:rPr lang="en-US" dirty="0" err="1">
-                <a:solidFill>
-                  <a:schemeClr val="accent2">
-                    <a:lumMod val="60000"/>
-                    <a:lumOff val="40000"/>
-                  </a:schemeClr>
-                </a:solidFill>
-              </a:rPr>
-              <a:t>Comicall</a:t>
-            </a:r>
-            <a:r>
-              <a:rPr lang="en-US" dirty="0">
-                <a:solidFill>
-                  <a:schemeClr val="accent2">
-                    <a:lumMod val="60000"/>
-                    <a:lumOff val="40000"/>
-                  </a:schemeClr>
-                </a:solidFill>
-              </a:rPr>
-              <a:t> </a:t>
-            </a:r>
-            <a:r>
-              <a:rPr lang="en-US" dirty="0"/>
-              <a:t>via:</a:t>
+              <a:t>What Worked for us as a team?</a:t>
             </a:r>
           </a:p>
         </p:txBody>
       </p:sp>
-      <p:sp>
-        <p:nvSpPr>
-          <p:cNvPr id="3" name="Picture Placeholder 2">
+      <p:pic>
+        <p:nvPicPr>
+          <p:cNvPr id="5" name="Content Placeholder 4">
             <a:extLst>
               <a:ext uri="{FF2B5EF4-FFF2-40B4-BE49-F238E27FC236}">
-                <a16:creationId xmlns:a16="http://schemas.microsoft.com/office/drawing/2014/main" id="{E8D77892-6902-4184-BCA6-DFA195EABE4F}"/>
+                <a16:creationId xmlns:a16="http://schemas.microsoft.com/office/drawing/2014/main" id="{477AD909-D1CE-49EF-B0F3-8F9DBBBE4C7B}"/>
               </a:ext>
             </a:extLst>
           </p:cNvPr>
-          <p:cNvSpPr>
-            <a:spLocks noGrp="1"/>
-          </p:cNvSpPr>
+          <p:cNvPicPr>
+            <a:picLocks noGrp="1" noChangeAspect="1"/>
+          </p:cNvPicPr>
           <p:nvPr>
-            <p:ph type="pic" idx="1"/>
+            <p:ph idx="1"/>
           </p:nvPr>
-        </p:nvSpPr>
+        </p:nvPicPr>
+        <p:blipFill>
+          <a:blip r:embed="rId2"/>
+          <a:stretch>
+            <a:fillRect/>
+          </a:stretch>
+        </p:blipFill>
         <p:spPr>
           <a:xfrm>
-            <a:off x="1141364" y="624837"/>
-            <a:ext cx="9912354" cy="2406798"/>
+            <a:off x="5634458" y="1066800"/>
+            <a:ext cx="4483529" cy="4150535"/>
           </a:xfrm>
+          <a:prstGeom prst="rect">
+            <a:avLst/>
+          </a:prstGeom>
         </p:spPr>
-      </p:sp>
+      </p:pic>
       <p:sp>
         <p:nvSpPr>
           <p:cNvPr id="4" name="Text Placeholder 3">
             <a:extLst>
               <a:ext uri="{FF2B5EF4-FFF2-40B4-BE49-F238E27FC236}">
-                <a16:creationId xmlns:a16="http://schemas.microsoft.com/office/drawing/2014/main" id="{F91FBB57-8D78-48A3-97FA-0C30DA231F48}"/>
+                <a16:creationId xmlns:a16="http://schemas.microsoft.com/office/drawing/2014/main" id="{0AC3A984-AAE7-465E-9C3D-417E7B634F13}"/>
               </a:ext>
             </a:extLst>
           </p:cNvPr>
@@ -13510,47 +13912,5575 @@
         </p:nvSpPr>
         <p:spPr>
           <a:xfrm>
-            <a:off x="1142859" y="4253366"/>
-            <a:ext cx="9910859" cy="1351093"/>
+            <a:off x="1146705" y="1932402"/>
+            <a:ext cx="5109953" cy="3858798"/>
           </a:xfrm>
         </p:spPr>
         <p:txBody>
           <a:bodyPr/>
           <a:lstStyle/>
           <a:p>
-            <a:pPr algn="ctr"/>
+            <a:pPr marL="285750" indent="-285750">
+              <a:buFont typeface="Arial" panose="020B0604020202020204" pitchFamily="34" charset="0"/>
+              <a:buChar char="•"/>
+            </a:pPr>
             <a:r>
               <a:rPr lang="en-US" dirty="0"/>
-              <a:t>Link 1</a:t>
+              <a:t>Regular stand-ups</a:t>
             </a:r>
           </a:p>
           <a:p>
-            <a:pPr algn="ctr"/>
-            <a:r>
-              <a:rPr lang="en-US" dirty="0">
-                <a:solidFill>
-                  <a:schemeClr val="accent2">
-                    <a:lumMod val="60000"/>
-                    <a:lumOff val="40000"/>
-                  </a:schemeClr>
-                </a:solidFill>
-              </a:rPr>
-              <a:t>AND</a:t>
-            </a:r>
-          </a:p>
-          <a:p>
-            <a:pPr algn="ctr"/>
+            <a:pPr marL="285750" indent="-285750">
+              <a:buFont typeface="Arial" panose="020B0604020202020204" pitchFamily="34" charset="0"/>
+              <a:buChar char="•"/>
+            </a:pPr>
             <a:r>
               <a:rPr lang="en-US" dirty="0"/>
-              <a:t>Link 2</a:t>
+              <a:t>Utilizing partner-coding </a:t>
             </a:r>
+          </a:p>
+          <a:p>
+            <a:pPr marL="285750" indent="-285750">
+              <a:buFont typeface="Arial" panose="020B0604020202020204" pitchFamily="34" charset="0"/>
+              <a:buChar char="•"/>
+            </a:pPr>
+            <a:r>
+              <a:rPr lang="en-US" dirty="0"/>
+              <a:t>Video chats</a:t>
+            </a:r>
+          </a:p>
+          <a:p>
+            <a:pPr marL="285750" indent="-285750">
+              <a:buFont typeface="Arial" panose="020B0604020202020204" pitchFamily="34" charset="0"/>
+              <a:buChar char="•"/>
+            </a:pPr>
+            <a:r>
+              <a:rPr lang="en-US" dirty="0"/>
+              <a:t>Divided up front-end tasks</a:t>
+            </a:r>
+          </a:p>
+          <a:p>
+            <a:pPr marL="285750" indent="-285750">
+              <a:buFont typeface="Arial" panose="020B0604020202020204" pitchFamily="34" charset="0"/>
+              <a:buChar char="•"/>
+            </a:pPr>
+            <a:r>
+              <a:rPr lang="en-US" dirty="0" err="1"/>
+              <a:t>Pseudocoding</a:t>
+            </a:r>
+            <a:r>
+              <a:rPr lang="en-US" dirty="0"/>
+              <a:t> (white boards)</a:t>
+            </a:r>
+          </a:p>
+          <a:p>
+            <a:pPr marL="285750" indent="-285750">
+              <a:buFont typeface="Arial" panose="020B0604020202020204" pitchFamily="34" charset="0"/>
+              <a:buChar char="•"/>
+            </a:pPr>
+            <a:r>
+              <a:rPr lang="en-US" dirty="0"/>
+              <a:t>Back-end planned together </a:t>
+            </a:r>
+          </a:p>
+          <a:p>
+            <a:pPr marL="285750" indent="-285750">
+              <a:buFont typeface="Arial" panose="020B0604020202020204" pitchFamily="34" charset="0"/>
+              <a:buChar char="•"/>
+            </a:pPr>
+            <a:r>
+              <a:rPr lang="en-US" dirty="0"/>
+              <a:t>Broke early </a:t>
+            </a:r>
+          </a:p>
+          <a:p>
+            <a:pPr marL="285750" indent="-285750">
+              <a:buFont typeface="Arial" panose="020B0604020202020204" pitchFamily="34" charset="0"/>
+              <a:buChar char="•"/>
+            </a:pPr>
+            <a:r>
+              <a:rPr lang="en-US" dirty="0"/>
+              <a:t>Asked for help </a:t>
+            </a:r>
+          </a:p>
+          <a:p>
+            <a:pPr marL="285750" indent="-285750">
+              <a:buFont typeface="Arial" panose="020B0604020202020204" pitchFamily="34" charset="0"/>
+              <a:buChar char="•"/>
+            </a:pPr>
+            <a:endParaRPr lang="en-US" dirty="0"/>
+          </a:p>
+          <a:p>
+            <a:pPr marL="285750" indent="-285750">
+              <a:buFont typeface="Arial" panose="020B0604020202020204" pitchFamily="34" charset="0"/>
+              <a:buChar char="•"/>
+            </a:pPr>
+            <a:endParaRPr lang="en-US" dirty="0"/>
           </a:p>
         </p:txBody>
       </p:sp>
     </p:spTree>
     <p:extLst>
       <p:ext uri="{BB962C8B-B14F-4D97-AF65-F5344CB8AC3E}">
-        <p14:creationId xmlns:p14="http://schemas.microsoft.com/office/powerpoint/2010/main" val="996229845"/>
+        <p14:creationId xmlns:p14="http://schemas.microsoft.com/office/powerpoint/2010/main" val="1803244101"/>
+      </p:ext>
+    </p:extLst>
+  </p:cSld>
+  <p:clrMapOvr>
+    <a:masterClrMapping/>
+  </p:clrMapOvr>
+</p:sld>
+</file>
+
+<file path=ppt/slides/slide8.xml><?xml version="1.0" encoding="utf-8"?>
+<p:sld xmlns:a="http://schemas.openxmlformats.org/drawingml/2006/main" xmlns:r="http://schemas.openxmlformats.org/officeDocument/2006/relationships" xmlns:p="http://schemas.openxmlformats.org/presentationml/2006/main">
+  <p:cSld>
+    <p:spTree>
+      <p:nvGrpSpPr>
+        <p:cNvPr id="1" name=""/>
+        <p:cNvGrpSpPr/>
+        <p:nvPr/>
+      </p:nvGrpSpPr>
+      <p:grpSpPr>
+        <a:xfrm>
+          <a:off x="0" y="0"/>
+          <a:ext cx="0" cy="0"/>
+          <a:chOff x="0" y="0"/>
+          <a:chExt cx="0" cy="0"/>
+        </a:xfrm>
+      </p:grpSpPr>
+      <p:sp>
+        <p:nvSpPr>
+          <p:cNvPr id="2" name="Title 1">
+            <a:extLst>
+              <a:ext uri="{FF2B5EF4-FFF2-40B4-BE49-F238E27FC236}">
+                <a16:creationId xmlns:a16="http://schemas.microsoft.com/office/drawing/2014/main" id="{B5FA43B9-EEAD-452B-A7AA-7A4EDD15BA78}"/>
+              </a:ext>
+            </a:extLst>
+          </p:cNvPr>
+          <p:cNvSpPr>
+            <a:spLocks noGrp="1"/>
+          </p:cNvSpPr>
+          <p:nvPr>
+            <p:ph type="title"/>
+          </p:nvPr>
+        </p:nvSpPr>
+        <p:spPr>
+          <a:xfrm>
+            <a:off x="1141413" y="609600"/>
+            <a:ext cx="5934508" cy="883478"/>
+          </a:xfrm>
+        </p:spPr>
+        <p:txBody>
+          <a:bodyPr/>
+          <a:lstStyle/>
+          <a:p>
+            <a:r>
+              <a:rPr lang="en-US" dirty="0">
+                <a:solidFill>
+                  <a:srgbClr val="FFC000"/>
+                </a:solidFill>
+              </a:rPr>
+              <a:t>What Did We learn?</a:t>
+            </a:r>
+          </a:p>
+        </p:txBody>
+      </p:sp>
+      <p:sp>
+        <p:nvSpPr>
+          <p:cNvPr id="4" name="Text Placeholder 3">
+            <a:extLst>
+              <a:ext uri="{FF2B5EF4-FFF2-40B4-BE49-F238E27FC236}">
+                <a16:creationId xmlns:a16="http://schemas.microsoft.com/office/drawing/2014/main" id="{D296E98B-1BCC-4A5A-8788-A96F7F588EFE}"/>
+              </a:ext>
+            </a:extLst>
+          </p:cNvPr>
+          <p:cNvSpPr>
+            <a:spLocks noGrp="1"/>
+          </p:cNvSpPr>
+          <p:nvPr>
+            <p:ph type="body" sz="half" idx="2"/>
+          </p:nvPr>
+        </p:nvSpPr>
+        <p:spPr>
+          <a:xfrm>
+            <a:off x="1141410" y="1559339"/>
+            <a:ext cx="5934511" cy="4231861"/>
+          </a:xfrm>
+        </p:spPr>
+        <p:txBody>
+          <a:bodyPr/>
+          <a:lstStyle/>
+          <a:p>
+            <a:pPr marL="285750" indent="-285750">
+              <a:buFont typeface="Arial" panose="020B0604020202020204" pitchFamily="34" charset="0"/>
+              <a:buChar char="•"/>
+            </a:pPr>
+            <a:r>
+              <a:rPr lang="en-US" dirty="0"/>
+              <a:t>Planning phase = incredibly important</a:t>
+            </a:r>
+          </a:p>
+          <a:p>
+            <a:pPr marL="742950" lvl="1" indent="-285750">
+              <a:buFont typeface="Arial" panose="020B0604020202020204" pitchFamily="34" charset="0"/>
+              <a:buChar char="•"/>
+            </a:pPr>
+            <a:r>
+              <a:rPr lang="en-US" dirty="0"/>
+              <a:t>Research API</a:t>
+            </a:r>
+          </a:p>
+          <a:p>
+            <a:pPr marL="742950" lvl="1" indent="-285750">
+              <a:buFont typeface="Arial" panose="020B0604020202020204" pitchFamily="34" charset="0"/>
+              <a:buChar char="•"/>
+            </a:pPr>
+            <a:r>
+              <a:rPr lang="en-US" dirty="0"/>
+              <a:t>Front-end = less hands in the kitchen is best</a:t>
+            </a:r>
+          </a:p>
+          <a:p>
+            <a:pPr marL="285750" indent="-285750">
+              <a:buFont typeface="Arial" panose="020B0604020202020204" pitchFamily="34" charset="0"/>
+              <a:buChar char="•"/>
+            </a:pPr>
+            <a:r>
+              <a:rPr lang="en-US" dirty="0"/>
+              <a:t>Execution phase = incredible important</a:t>
+            </a:r>
+          </a:p>
+          <a:p>
+            <a:pPr marL="742950" lvl="1" indent="-285750">
+              <a:buFont typeface="Arial" panose="020B0604020202020204" pitchFamily="34" charset="0"/>
+              <a:buChar char="•"/>
+            </a:pPr>
+            <a:r>
+              <a:rPr lang="en-US" dirty="0"/>
+              <a:t>Break early and often</a:t>
+            </a:r>
+          </a:p>
+          <a:p>
+            <a:pPr marL="742950" lvl="1" indent="-285750">
+              <a:buFont typeface="Arial" panose="020B0604020202020204" pitchFamily="34" charset="0"/>
+              <a:buChar char="•"/>
+            </a:pPr>
+            <a:r>
+              <a:rPr lang="en-US" dirty="0"/>
+              <a:t>Source in the console </a:t>
+            </a:r>
+          </a:p>
+          <a:p>
+            <a:pPr marL="742950" lvl="1" indent="-285750">
+              <a:buFont typeface="Arial" panose="020B0604020202020204" pitchFamily="34" charset="0"/>
+              <a:buChar char="•"/>
+            </a:pPr>
+            <a:r>
+              <a:rPr lang="en-US" dirty="0"/>
+              <a:t>Postman</a:t>
+            </a:r>
+          </a:p>
+          <a:p>
+            <a:pPr marL="742950" lvl="1" indent="-285750">
+              <a:buFont typeface="Arial" panose="020B0604020202020204" pitchFamily="34" charset="0"/>
+              <a:buChar char="•"/>
+            </a:pPr>
+            <a:r>
+              <a:rPr lang="en-US" dirty="0"/>
+              <a:t>Work-arounds for APIs</a:t>
+            </a:r>
+          </a:p>
+          <a:p>
+            <a:pPr marL="285750" indent="-285750">
+              <a:buFont typeface="Arial" panose="020B0604020202020204" pitchFamily="34" charset="0"/>
+              <a:buChar char="•"/>
+            </a:pPr>
+            <a:r>
+              <a:rPr lang="en-US" dirty="0"/>
+              <a:t>Focus on our MVP (minimum viable product)</a:t>
+            </a:r>
+          </a:p>
+          <a:p>
+            <a:pPr marL="742950" lvl="1" indent="-285750">
+              <a:buFont typeface="Arial" panose="020B0604020202020204" pitchFamily="34" charset="0"/>
+              <a:buChar char="•"/>
+            </a:pPr>
+            <a:r>
+              <a:rPr lang="en-US" dirty="0"/>
+              <a:t>Prioritized realistic features</a:t>
+            </a:r>
+          </a:p>
+          <a:p>
+            <a:pPr marL="285750" indent="-285750">
+              <a:buFont typeface="Arial" panose="020B0604020202020204" pitchFamily="34" charset="0"/>
+              <a:buChar char="•"/>
+            </a:pPr>
+            <a:r>
+              <a:rPr lang="en-US" dirty="0"/>
+              <a:t>Git-</a:t>
+            </a:r>
+            <a:r>
+              <a:rPr lang="en-US" dirty="0" err="1"/>
+              <a:t>ing</a:t>
+            </a:r>
+            <a:r>
+              <a:rPr lang="en-US" dirty="0"/>
+              <a:t> it done</a:t>
+            </a:r>
+          </a:p>
+          <a:p>
+            <a:pPr marL="742950" lvl="1" indent="-285750">
+              <a:buFont typeface="Arial" panose="020B0604020202020204" pitchFamily="34" charset="0"/>
+              <a:buChar char="•"/>
+            </a:pPr>
+            <a:endParaRPr lang="en-US" dirty="0"/>
+          </a:p>
+        </p:txBody>
+      </p:sp>
+      <p:pic>
+        <p:nvPicPr>
+          <p:cNvPr id="1026" name="Picture 2" descr="Image result for batman comic confused">
+            <a:extLst>
+              <a:ext uri="{FF2B5EF4-FFF2-40B4-BE49-F238E27FC236}">
+                <a16:creationId xmlns:a16="http://schemas.microsoft.com/office/drawing/2014/main" id="{B534B437-08F4-4268-9345-0ADDD5A99C74}"/>
+              </a:ext>
+            </a:extLst>
+          </p:cNvPr>
+          <p:cNvPicPr>
+            <a:picLocks noChangeAspect="1" noChangeArrowheads="1"/>
+          </p:cNvPicPr>
+          <p:nvPr/>
+        </p:nvPicPr>
+        <p:blipFill>
+          <a:blip r:embed="rId2">
+            <a:extLst>
+              <a:ext uri="{28A0092B-C50C-407E-A947-70E740481C1C}">
+                <a14:useLocalDpi xmlns:a14="http://schemas.microsoft.com/office/drawing/2010/main" val="0"/>
+              </a:ext>
+            </a:extLst>
+          </a:blip>
+          <a:srcRect/>
+          <a:stretch>
+            <a:fillRect/>
+          </a:stretch>
+        </p:blipFill>
+        <p:spPr bwMode="auto">
+          <a:xfrm>
+            <a:off x="6224583" y="537529"/>
+            <a:ext cx="3602550" cy="5668012"/>
+          </a:xfrm>
+          <a:prstGeom prst="rect">
+            <a:avLst/>
+          </a:prstGeom>
+          <a:noFill/>
+          <a:extLst>
+            <a:ext uri="{909E8E84-426E-40DD-AFC4-6F175D3DCCD1}">
+              <a14:hiddenFill xmlns:a14="http://schemas.microsoft.com/office/drawing/2010/main">
+                <a:solidFill>
+                  <a:srgbClr val="FFFFFF"/>
+                </a:solidFill>
+              </a14:hiddenFill>
+            </a:ext>
+          </a:extLst>
+        </p:spPr>
+      </p:pic>
+    </p:spTree>
+    <p:extLst>
+      <p:ext uri="{BB962C8B-B14F-4D97-AF65-F5344CB8AC3E}">
+        <p14:creationId xmlns:p14="http://schemas.microsoft.com/office/powerpoint/2010/main" val="2993787446"/>
+      </p:ext>
+    </p:extLst>
+  </p:cSld>
+  <p:clrMapOvr>
+    <a:masterClrMapping/>
+  </p:clrMapOvr>
+</p:sld>
+</file>
+
+<file path=ppt/slides/slide9.xml><?xml version="1.0" encoding="utf-8"?>
+<p:sld xmlns:a="http://schemas.openxmlformats.org/drawingml/2006/main" xmlns:r="http://schemas.openxmlformats.org/officeDocument/2006/relationships" xmlns:p="http://schemas.openxmlformats.org/presentationml/2006/main">
+  <p:cSld>
+    <p:bg>
+      <p:bgPr>
+        <a:blipFill>
+          <a:blip r:embed="rId2">
+            <a:duotone>
+              <a:schemeClr val="bg2">
+                <a:shade val="88000"/>
+                <a:hueMod val="106000"/>
+                <a:satMod val="140000"/>
+                <a:lumMod val="54000"/>
+              </a:schemeClr>
+              <a:schemeClr val="bg2">
+                <a:tint val="98000"/>
+                <a:hueMod val="90000"/>
+                <a:satMod val="150000"/>
+                <a:lumMod val="160000"/>
+              </a:schemeClr>
+            </a:duotone>
+          </a:blip>
+          <a:stretch/>
+        </a:blipFill>
+        <a:effectLst/>
+      </p:bgPr>
+    </p:bg>
+    <p:spTree>
+      <p:nvGrpSpPr>
+        <p:cNvPr id="1" name=""/>
+        <p:cNvGrpSpPr/>
+        <p:nvPr/>
+      </p:nvGrpSpPr>
+      <p:grpSpPr>
+        <a:xfrm>
+          <a:off x="0" y="0"/>
+          <a:ext cx="0" cy="0"/>
+          <a:chOff x="0" y="0"/>
+          <a:chExt cx="0" cy="0"/>
+        </a:xfrm>
+      </p:grpSpPr>
+      <p:pic>
+        <p:nvPicPr>
+          <p:cNvPr id="71" name="Picture 2">
+            <a:extLst>
+              <a:ext uri="{FF2B5EF4-FFF2-40B4-BE49-F238E27FC236}">
+                <a16:creationId xmlns:a16="http://schemas.microsoft.com/office/drawing/2014/main" id="{50C065C3-0FE3-4452-B765-CB05BBB2A983}"/>
+              </a:ext>
+              <a:ext uri="{C183D7F6-B498-43B3-948B-1728B52AA6E4}">
+                <adec:decorative xmlns:adec="http://schemas.microsoft.com/office/drawing/2017/decorative" val="1"/>
+              </a:ext>
+            </a:extLst>
+          </p:cNvPr>
+          <p:cNvPicPr>
+            <a:picLocks noGrp="1" noRot="1" noChangeAspect="1" noMove="1" noResize="1" noEditPoints="1" noAdjustHandles="1" noChangeArrowheads="1" noChangeShapeType="1" noCrop="1"/>
+          </p:cNvPicPr>
+          <p:nvPr>
+            <p:extLst>
+              <p:ext uri="{386F3935-93C4-4BCD-93E2-E3B085C9AB24}">
+                <p16:designElem xmlns:p16="http://schemas.microsoft.com/office/powerpoint/2015/main" val="1"/>
+              </p:ext>
+            </p:extLst>
+          </p:nvPr>
+        </p:nvPicPr>
+        <p:blipFill>
+          <a:blip r:embed="rId3">
+            <a:alphaModFix amt="30000"/>
+            <a:extLst>
+              <a:ext uri="{28A0092B-C50C-407E-A947-70E740481C1C}">
+                <a14:useLocalDpi xmlns:a14="http://schemas.microsoft.com/office/drawing/2010/main" val="0"/>
+              </a:ext>
+            </a:extLst>
+          </a:blip>
+          <a:srcRect/>
+          <a:stretch>
+            <a:fillRect/>
+          </a:stretch>
+        </p:blipFill>
+        <p:spPr bwMode="auto">
+          <a:xfrm>
+            <a:off x="0" y="0"/>
+            <a:ext cx="12192003" cy="6858001"/>
+          </a:xfrm>
+          <a:prstGeom prst="rect">
+            <a:avLst/>
+          </a:prstGeom>
+          <a:noFill/>
+          <a:extLst>
+            <a:ext uri="{909E8E84-426E-40dd-AFC4-6F175D3DCCD1}">
+              <a14:hiddenFill xmlns="" xmlns:a16="http://schemas.microsoft.com/office/drawing/2014/main" xmlns:a14="http://schemas.microsoft.com/office/drawing/2010/main" xmlns:p14="http://schemas.microsoft.com/office/powerpoint/2010/main">
+                <a:solidFill>
+                  <a:srgbClr val="FFFFFF"/>
+                </a:solidFill>
+              </a14:hiddenFill>
+            </a:ext>
+          </a:extLst>
+        </p:spPr>
+      </p:pic>
+      <p:grpSp>
+        <p:nvGrpSpPr>
+          <p:cNvPr id="73" name="Group 72">
+            <a:extLst>
+              <a:ext uri="{FF2B5EF4-FFF2-40B4-BE49-F238E27FC236}">
+                <a16:creationId xmlns:a16="http://schemas.microsoft.com/office/drawing/2014/main" id="{9795E515-5F57-431F-9A0D-3A0419DF7572}"/>
+              </a:ext>
+              <a:ext uri="{C183D7F6-B498-43B3-948B-1728B52AA6E4}">
+                <adec:decorative xmlns:adec="http://schemas.microsoft.com/office/drawing/2017/decorative" val="1"/>
+              </a:ext>
+            </a:extLst>
+          </p:cNvPr>
+          <p:cNvGrpSpPr>
+            <a:grpSpLocks noGrp="1" noUngrp="1" noRot="1" noChangeAspect="1" noMove="1" noResize="1"/>
+          </p:cNvGrpSpPr>
+          <p:nvPr>
+            <p:extLst>
+              <p:ext uri="{386F3935-93C4-4BCD-93E2-E3B085C9AB24}">
+                <p16:designElem xmlns:p16="http://schemas.microsoft.com/office/powerpoint/2015/main" val="1"/>
+              </p:ext>
+            </p:extLst>
+          </p:nvPr>
+        </p:nvGrpSpPr>
+        <p:grpSpPr>
+          <a:xfrm>
+            <a:off x="0" y="0"/>
+            <a:ext cx="2305051" cy="6858001"/>
+            <a:chOff x="0" y="0"/>
+            <a:chExt cx="2305051" cy="6858001"/>
+          </a:xfrm>
+          <a:gradFill flip="none" rotWithShape="1">
+            <a:gsLst>
+              <a:gs pos="0">
+                <a:schemeClr val="tx2"/>
+              </a:gs>
+              <a:gs pos="100000">
+                <a:schemeClr val="bg2">
+                  <a:lumMod val="60000"/>
+                  <a:lumOff val="40000"/>
+                </a:schemeClr>
+              </a:gs>
+            </a:gsLst>
+            <a:lin ang="5400000" scaled="0"/>
+            <a:tileRect/>
+          </a:gradFill>
+        </p:grpSpPr>
+        <p:sp>
+          <p:nvSpPr>
+            <p:cNvPr id="74" name="Rectangle 5">
+              <a:extLst>
+                <a:ext uri="{FF2B5EF4-FFF2-40B4-BE49-F238E27FC236}">
+                  <a16:creationId xmlns:a16="http://schemas.microsoft.com/office/drawing/2014/main" id="{D45BCBFE-0478-4767-BF2E-FC2C548BA62F}"/>
+                </a:ext>
+                <a:ext uri="{C183D7F6-B498-43B3-948B-1728B52AA6E4}">
+                  <adec:decorative xmlns:adec="http://schemas.microsoft.com/office/drawing/2017/decorative" val="1"/>
+                </a:ext>
+              </a:extLst>
+            </p:cNvPr>
+            <p:cNvSpPr>
+              <a:spLocks noChangeArrowheads="1"/>
+            </p:cNvSpPr>
+            <p:nvPr>
+              <p:extLst>
+                <p:ext uri="{386F3935-93C4-4BCD-93E2-E3B085C9AB24}">
+                  <p16:designElem xmlns:p16="http://schemas.microsoft.com/office/powerpoint/2015/main" val="1"/>
+                </p:ext>
+              </p:extLst>
+            </p:nvPr>
+          </p:nvSpPr>
+          <p:spPr bwMode="auto">
+            <a:xfrm>
+              <a:off x="1209675" y="4763"/>
+              <a:ext cx="23813" cy="2181225"/>
+            </a:xfrm>
+            <a:prstGeom prst="rect">
+              <a:avLst/>
+            </a:prstGeom>
+            <a:grpFill/>
+            <a:ln>
+              <a:noFill/>
+            </a:ln>
+            <a:extLst>
+              <a:ext uri="{91240B29-F687-4f45-9708-019B960494DF}">
+                <a14:hiddenLine xmlns="" xmlns:a16="http://schemas.microsoft.com/office/drawing/2014/main" xmlns:a14="http://schemas.microsoft.com/office/drawing/2010/main" xmlns:p14="http://schemas.microsoft.com/office/powerpoint/2010/main" w="9525">
+                  <a:solidFill>
+                    <a:srgbClr val="000000"/>
+                  </a:solidFill>
+                  <a:miter lim="800000"/>
+                  <a:headEnd/>
+                  <a:tailEnd/>
+                </a14:hiddenLine>
+              </a:ext>
+            </a:extLst>
+          </p:spPr>
+        </p:sp>
+        <p:sp>
+          <p:nvSpPr>
+            <p:cNvPr id="75" name="Freeform 6">
+              <a:extLst>
+                <a:ext uri="{FF2B5EF4-FFF2-40B4-BE49-F238E27FC236}">
+                  <a16:creationId xmlns:a16="http://schemas.microsoft.com/office/drawing/2014/main" id="{E903928F-F6DA-470C-81A0-CF7D9DE03418}"/>
+                </a:ext>
+                <a:ext uri="{C183D7F6-B498-43B3-948B-1728B52AA6E4}">
+                  <adec:decorative xmlns:adec="http://schemas.microsoft.com/office/drawing/2017/decorative" val="1"/>
+                </a:ext>
+              </a:extLst>
+            </p:cNvPr>
+            <p:cNvSpPr>
+              <a:spLocks noEditPoints="1"/>
+            </p:cNvSpPr>
+            <p:nvPr>
+              <p:extLst>
+                <p:ext uri="{386F3935-93C4-4BCD-93E2-E3B085C9AB24}">
+                  <p16:designElem xmlns:p16="http://schemas.microsoft.com/office/powerpoint/2015/main" val="1"/>
+                </p:ext>
+              </p:extLst>
+            </p:nvPr>
+          </p:nvSpPr>
+          <p:spPr bwMode="auto">
+            <a:xfrm>
+              <a:off x="1128713" y="2176463"/>
+              <a:ext cx="190500" cy="190500"/>
+            </a:xfrm>
+            <a:custGeom>
+              <a:avLst/>
+              <a:gdLst/>
+              <a:ahLst/>
+              <a:cxnLst/>
+              <a:rect l="0" t="0" r="r" b="b"/>
+              <a:pathLst>
+                <a:path w="40" h="40">
+                  <a:moveTo>
+                    <a:pt x="20" y="40"/>
+                  </a:moveTo>
+                  <a:cubicBezTo>
+                    <a:pt x="9" y="40"/>
+                    <a:pt x="0" y="31"/>
+                    <a:pt x="0" y="20"/>
+                  </a:cubicBezTo>
+                  <a:cubicBezTo>
+                    <a:pt x="0" y="9"/>
+                    <a:pt x="9" y="0"/>
+                    <a:pt x="20" y="0"/>
+                  </a:cubicBezTo>
+                  <a:cubicBezTo>
+                    <a:pt x="31" y="0"/>
+                    <a:pt x="40" y="9"/>
+                    <a:pt x="40" y="20"/>
+                  </a:cubicBezTo>
+                  <a:cubicBezTo>
+                    <a:pt x="40" y="31"/>
+                    <a:pt x="31" y="40"/>
+                    <a:pt x="20" y="40"/>
+                  </a:cubicBezTo>
+                  <a:close/>
+                  <a:moveTo>
+                    <a:pt x="20" y="4"/>
+                  </a:moveTo>
+                  <a:cubicBezTo>
+                    <a:pt x="11" y="4"/>
+                    <a:pt x="4" y="11"/>
+                    <a:pt x="4" y="20"/>
+                  </a:cubicBezTo>
+                  <a:cubicBezTo>
+                    <a:pt x="4" y="29"/>
+                    <a:pt x="11" y="36"/>
+                    <a:pt x="20" y="36"/>
+                  </a:cubicBezTo>
+                  <a:cubicBezTo>
+                    <a:pt x="28" y="36"/>
+                    <a:pt x="36" y="29"/>
+                    <a:pt x="36" y="20"/>
+                  </a:cubicBezTo>
+                  <a:cubicBezTo>
+                    <a:pt x="36" y="11"/>
+                    <a:pt x="28" y="4"/>
+                    <a:pt x="20" y="4"/>
+                  </a:cubicBezTo>
+                  <a:close/>
+                </a:path>
+              </a:pathLst>
+            </a:custGeom>
+            <a:grpFill/>
+            <a:ln>
+              <a:noFill/>
+            </a:ln>
+            <a:extLst>
+              <a:ext uri="{91240B29-F687-4f45-9708-019B960494DF}">
+                <a14:hiddenLine xmlns="" xmlns:a16="http://schemas.microsoft.com/office/drawing/2014/main" xmlns:a14="http://schemas.microsoft.com/office/drawing/2010/main" xmlns:p14="http://schemas.microsoft.com/office/powerpoint/2010/main" w="9525">
+                  <a:solidFill>
+                    <a:srgbClr val="000000"/>
+                  </a:solidFill>
+                  <a:round/>
+                  <a:headEnd/>
+                  <a:tailEnd/>
+                </a14:hiddenLine>
+              </a:ext>
+            </a:extLst>
+          </p:spPr>
+        </p:sp>
+        <p:sp>
+          <p:nvSpPr>
+            <p:cNvPr id="76" name="Freeform 7">
+              <a:extLst>
+                <a:ext uri="{FF2B5EF4-FFF2-40B4-BE49-F238E27FC236}">
+                  <a16:creationId xmlns:a16="http://schemas.microsoft.com/office/drawing/2014/main" id="{ADA095F6-E326-4450-A2D6-DB2BF989B877}"/>
+                </a:ext>
+                <a:ext uri="{C183D7F6-B498-43B3-948B-1728B52AA6E4}">
+                  <adec:decorative xmlns:adec="http://schemas.microsoft.com/office/drawing/2017/decorative" val="1"/>
+                </a:ext>
+              </a:extLst>
+            </p:cNvPr>
+            <p:cNvSpPr>
+              <a:spLocks noEditPoints="1"/>
+            </p:cNvSpPr>
+            <p:nvPr>
+              <p:extLst>
+                <p:ext uri="{386F3935-93C4-4BCD-93E2-E3B085C9AB24}">
+                  <p16:designElem xmlns:p16="http://schemas.microsoft.com/office/powerpoint/2015/main" val="1"/>
+                </p:ext>
+              </p:extLst>
+            </p:nvPr>
+          </p:nvSpPr>
+          <p:spPr bwMode="auto">
+            <a:xfrm>
+              <a:off x="1123950" y="4021138"/>
+              <a:ext cx="190500" cy="188913"/>
+            </a:xfrm>
+            <a:custGeom>
+              <a:avLst/>
+              <a:gdLst/>
+              <a:ahLst/>
+              <a:cxnLst/>
+              <a:rect l="0" t="0" r="r" b="b"/>
+              <a:pathLst>
+                <a:path w="40" h="40">
+                  <a:moveTo>
+                    <a:pt x="20" y="40"/>
+                  </a:moveTo>
+                  <a:cubicBezTo>
+                    <a:pt x="9" y="40"/>
+                    <a:pt x="0" y="31"/>
+                    <a:pt x="0" y="20"/>
+                  </a:cubicBezTo>
+                  <a:cubicBezTo>
+                    <a:pt x="0" y="9"/>
+                    <a:pt x="9" y="0"/>
+                    <a:pt x="20" y="0"/>
+                  </a:cubicBezTo>
+                  <a:cubicBezTo>
+                    <a:pt x="31" y="0"/>
+                    <a:pt x="40" y="9"/>
+                    <a:pt x="40" y="20"/>
+                  </a:cubicBezTo>
+                  <a:cubicBezTo>
+                    <a:pt x="40" y="31"/>
+                    <a:pt x="31" y="40"/>
+                    <a:pt x="20" y="40"/>
+                  </a:cubicBezTo>
+                  <a:close/>
+                  <a:moveTo>
+                    <a:pt x="20" y="4"/>
+                  </a:moveTo>
+                  <a:cubicBezTo>
+                    <a:pt x="11" y="4"/>
+                    <a:pt x="4" y="11"/>
+                    <a:pt x="4" y="20"/>
+                  </a:cubicBezTo>
+                  <a:cubicBezTo>
+                    <a:pt x="4" y="29"/>
+                    <a:pt x="11" y="36"/>
+                    <a:pt x="20" y="36"/>
+                  </a:cubicBezTo>
+                  <a:cubicBezTo>
+                    <a:pt x="29" y="36"/>
+                    <a:pt x="36" y="29"/>
+                    <a:pt x="36" y="20"/>
+                  </a:cubicBezTo>
+                  <a:cubicBezTo>
+                    <a:pt x="36" y="11"/>
+                    <a:pt x="29" y="4"/>
+                    <a:pt x="20" y="4"/>
+                  </a:cubicBezTo>
+                  <a:close/>
+                </a:path>
+              </a:pathLst>
+            </a:custGeom>
+            <a:grpFill/>
+            <a:ln>
+              <a:noFill/>
+            </a:ln>
+            <a:extLst>
+              <a:ext uri="{91240B29-F687-4f45-9708-019B960494DF}">
+                <a14:hiddenLine xmlns="" xmlns:a16="http://schemas.microsoft.com/office/drawing/2014/main" xmlns:a14="http://schemas.microsoft.com/office/drawing/2010/main" xmlns:p14="http://schemas.microsoft.com/office/powerpoint/2010/main" w="9525">
+                  <a:solidFill>
+                    <a:srgbClr val="000000"/>
+                  </a:solidFill>
+                  <a:round/>
+                  <a:headEnd/>
+                  <a:tailEnd/>
+                </a14:hiddenLine>
+              </a:ext>
+            </a:extLst>
+          </p:spPr>
+        </p:sp>
+        <p:sp>
+          <p:nvSpPr>
+            <p:cNvPr id="77" name="Rectangle 8">
+              <a:extLst>
+                <a:ext uri="{FF2B5EF4-FFF2-40B4-BE49-F238E27FC236}">
+                  <a16:creationId xmlns:a16="http://schemas.microsoft.com/office/drawing/2014/main" id="{6B067F9A-FDF2-49EC-B4FF-CD4B90F78923}"/>
+                </a:ext>
+                <a:ext uri="{C183D7F6-B498-43B3-948B-1728B52AA6E4}">
+                  <adec:decorative xmlns:adec="http://schemas.microsoft.com/office/drawing/2017/decorative" val="1"/>
+                </a:ext>
+              </a:extLst>
+            </p:cNvPr>
+            <p:cNvSpPr>
+              <a:spLocks noChangeArrowheads="1"/>
+            </p:cNvSpPr>
+            <p:nvPr>
+              <p:extLst>
+                <p:ext uri="{386F3935-93C4-4BCD-93E2-E3B085C9AB24}">
+                  <p16:designElem xmlns:p16="http://schemas.microsoft.com/office/powerpoint/2015/main" val="1"/>
+                </p:ext>
+              </p:extLst>
+            </p:nvPr>
+          </p:nvSpPr>
+          <p:spPr bwMode="auto">
+            <a:xfrm>
+              <a:off x="414338" y="9525"/>
+              <a:ext cx="28575" cy="4481513"/>
+            </a:xfrm>
+            <a:prstGeom prst="rect">
+              <a:avLst/>
+            </a:prstGeom>
+            <a:grpFill/>
+            <a:ln>
+              <a:noFill/>
+            </a:ln>
+            <a:extLst>
+              <a:ext uri="{91240B29-F687-4f45-9708-019B960494DF}">
+                <a14:hiddenLine xmlns="" xmlns:a16="http://schemas.microsoft.com/office/drawing/2014/main" xmlns:a14="http://schemas.microsoft.com/office/drawing/2010/main" xmlns:p14="http://schemas.microsoft.com/office/powerpoint/2010/main" w="9525">
+                  <a:solidFill>
+                    <a:srgbClr val="000000"/>
+                  </a:solidFill>
+                  <a:miter lim="800000"/>
+                  <a:headEnd/>
+                  <a:tailEnd/>
+                </a14:hiddenLine>
+              </a:ext>
+            </a:extLst>
+          </p:spPr>
+        </p:sp>
+        <p:sp>
+          <p:nvSpPr>
+            <p:cNvPr id="78" name="Freeform 9">
+              <a:extLst>
+                <a:ext uri="{FF2B5EF4-FFF2-40B4-BE49-F238E27FC236}">
+                  <a16:creationId xmlns:a16="http://schemas.microsoft.com/office/drawing/2014/main" id="{F1331213-D19D-49FC-8616-168A14565A88}"/>
+                </a:ext>
+                <a:ext uri="{C183D7F6-B498-43B3-948B-1728B52AA6E4}">
+                  <adec:decorative xmlns:adec="http://schemas.microsoft.com/office/drawing/2017/decorative" val="1"/>
+                </a:ext>
+              </a:extLst>
+            </p:cNvPr>
+            <p:cNvSpPr>
+              <a:spLocks noEditPoints="1"/>
+            </p:cNvSpPr>
+            <p:nvPr>
+              <p:extLst>
+                <p:ext uri="{386F3935-93C4-4BCD-93E2-E3B085C9AB24}">
+                  <p16:designElem xmlns:p16="http://schemas.microsoft.com/office/powerpoint/2015/main" val="1"/>
+                </p:ext>
+              </p:extLst>
+            </p:nvPr>
+          </p:nvSpPr>
+          <p:spPr bwMode="auto">
+            <a:xfrm>
+              <a:off x="333375" y="4481513"/>
+              <a:ext cx="190500" cy="190500"/>
+            </a:xfrm>
+            <a:custGeom>
+              <a:avLst/>
+              <a:gdLst/>
+              <a:ahLst/>
+              <a:cxnLst/>
+              <a:rect l="0" t="0" r="r" b="b"/>
+              <a:pathLst>
+                <a:path w="40" h="40">
+                  <a:moveTo>
+                    <a:pt x="20" y="40"/>
+                  </a:moveTo>
+                  <a:cubicBezTo>
+                    <a:pt x="9" y="40"/>
+                    <a:pt x="0" y="31"/>
+                    <a:pt x="0" y="20"/>
+                  </a:cubicBezTo>
+                  <a:cubicBezTo>
+                    <a:pt x="0" y="9"/>
+                    <a:pt x="9" y="0"/>
+                    <a:pt x="20" y="0"/>
+                  </a:cubicBezTo>
+                  <a:cubicBezTo>
+                    <a:pt x="31" y="0"/>
+                    <a:pt x="40" y="9"/>
+                    <a:pt x="40" y="20"/>
+                  </a:cubicBezTo>
+                  <a:cubicBezTo>
+                    <a:pt x="40" y="31"/>
+                    <a:pt x="31" y="40"/>
+                    <a:pt x="20" y="40"/>
+                  </a:cubicBezTo>
+                  <a:close/>
+                  <a:moveTo>
+                    <a:pt x="20" y="4"/>
+                  </a:moveTo>
+                  <a:cubicBezTo>
+                    <a:pt x="11" y="4"/>
+                    <a:pt x="4" y="11"/>
+                    <a:pt x="4" y="20"/>
+                  </a:cubicBezTo>
+                  <a:cubicBezTo>
+                    <a:pt x="4" y="29"/>
+                    <a:pt x="11" y="36"/>
+                    <a:pt x="20" y="36"/>
+                  </a:cubicBezTo>
+                  <a:cubicBezTo>
+                    <a:pt x="29" y="36"/>
+                    <a:pt x="36" y="29"/>
+                    <a:pt x="36" y="20"/>
+                  </a:cubicBezTo>
+                  <a:cubicBezTo>
+                    <a:pt x="36" y="11"/>
+                    <a:pt x="29" y="4"/>
+                    <a:pt x="20" y="4"/>
+                  </a:cubicBezTo>
+                  <a:close/>
+                </a:path>
+              </a:pathLst>
+            </a:custGeom>
+            <a:grpFill/>
+            <a:ln>
+              <a:noFill/>
+            </a:ln>
+            <a:extLst>
+              <a:ext uri="{91240B29-F687-4f45-9708-019B960494DF}">
+                <a14:hiddenLine xmlns="" xmlns:a16="http://schemas.microsoft.com/office/drawing/2014/main" xmlns:a14="http://schemas.microsoft.com/office/drawing/2010/main" xmlns:p14="http://schemas.microsoft.com/office/powerpoint/2010/main" w="9525">
+                  <a:solidFill>
+                    <a:srgbClr val="000000"/>
+                  </a:solidFill>
+                  <a:round/>
+                  <a:headEnd/>
+                  <a:tailEnd/>
+                </a14:hiddenLine>
+              </a:ext>
+            </a:extLst>
+          </p:spPr>
+        </p:sp>
+        <p:sp>
+          <p:nvSpPr>
+            <p:cNvPr id="79" name="Freeform 10">
+              <a:extLst>
+                <a:ext uri="{FF2B5EF4-FFF2-40B4-BE49-F238E27FC236}">
+                  <a16:creationId xmlns:a16="http://schemas.microsoft.com/office/drawing/2014/main" id="{2ADFE242-96FC-4A14-8C59-90CD6DE1D9F1}"/>
+                </a:ext>
+                <a:ext uri="{C183D7F6-B498-43B3-948B-1728B52AA6E4}">
+                  <adec:decorative xmlns:adec="http://schemas.microsoft.com/office/drawing/2017/decorative" val="1"/>
+                </a:ext>
+              </a:extLst>
+            </p:cNvPr>
+            <p:cNvSpPr/>
+            <p:nvPr>
+              <p:extLst>
+                <p:ext uri="{386F3935-93C4-4BCD-93E2-E3B085C9AB24}">
+                  <p16:designElem xmlns:p16="http://schemas.microsoft.com/office/powerpoint/2015/main" val="1"/>
+                </p:ext>
+              </p:extLst>
+            </p:nvPr>
+          </p:nvSpPr>
+          <p:spPr bwMode="auto">
+            <a:xfrm>
+              <a:off x="190500" y="9525"/>
+              <a:ext cx="152400" cy="908050"/>
+            </a:xfrm>
+            <a:custGeom>
+              <a:avLst/>
+              <a:gdLst/>
+              <a:ahLst/>
+              <a:cxnLst/>
+              <a:rect l="0" t="0" r="r" b="b"/>
+              <a:pathLst>
+                <a:path w="96" h="572">
+                  <a:moveTo>
+                    <a:pt x="15" y="572"/>
+                  </a:moveTo>
+                  <a:lnTo>
+                    <a:pt x="0" y="566"/>
+                  </a:lnTo>
+                  <a:lnTo>
+                    <a:pt x="81" y="380"/>
+                  </a:lnTo>
+                  <a:lnTo>
+                    <a:pt x="81" y="0"/>
+                  </a:lnTo>
+                  <a:lnTo>
+                    <a:pt x="96" y="0"/>
+                  </a:lnTo>
+                  <a:lnTo>
+                    <a:pt x="96" y="383"/>
+                  </a:lnTo>
+                  <a:lnTo>
+                    <a:pt x="15" y="572"/>
+                  </a:lnTo>
+                  <a:close/>
+                </a:path>
+              </a:pathLst>
+            </a:custGeom>
+            <a:grpFill/>
+            <a:ln>
+              <a:noFill/>
+            </a:ln>
+            <a:extLst>
+              <a:ext uri="{91240B29-F687-4f45-9708-019B960494DF}">
+                <a14:hiddenLine xmlns="" xmlns:a16="http://schemas.microsoft.com/office/drawing/2014/main" xmlns:a14="http://schemas.microsoft.com/office/drawing/2010/main" xmlns:p14="http://schemas.microsoft.com/office/powerpoint/2010/main" w="9525">
+                  <a:solidFill>
+                    <a:srgbClr val="000000"/>
+                  </a:solidFill>
+                  <a:round/>
+                  <a:headEnd/>
+                  <a:tailEnd/>
+                </a14:hiddenLine>
+              </a:ext>
+            </a:extLst>
+          </p:spPr>
+        </p:sp>
+        <p:sp>
+          <p:nvSpPr>
+            <p:cNvPr id="80" name="Freeform 11">
+              <a:extLst>
+                <a:ext uri="{FF2B5EF4-FFF2-40B4-BE49-F238E27FC236}">
+                  <a16:creationId xmlns:a16="http://schemas.microsoft.com/office/drawing/2014/main" id="{6A97B7BC-40BD-494B-9C6B-AF3045559A3F}"/>
+                </a:ext>
+                <a:ext uri="{C183D7F6-B498-43B3-948B-1728B52AA6E4}">
+                  <adec:decorative xmlns:adec="http://schemas.microsoft.com/office/drawing/2017/decorative" val="1"/>
+                </a:ext>
+              </a:extLst>
+            </p:cNvPr>
+            <p:cNvSpPr/>
+            <p:nvPr>
+              <p:extLst>
+                <p:ext uri="{386F3935-93C4-4BCD-93E2-E3B085C9AB24}">
+                  <p16:designElem xmlns:p16="http://schemas.microsoft.com/office/powerpoint/2015/main" val="1"/>
+                </p:ext>
+              </p:extLst>
+            </p:nvPr>
+          </p:nvSpPr>
+          <p:spPr bwMode="auto">
+            <a:xfrm>
+              <a:off x="1290638" y="14288"/>
+              <a:ext cx="376238" cy="1801813"/>
+            </a:xfrm>
+            <a:custGeom>
+              <a:avLst/>
+              <a:gdLst/>
+              <a:ahLst/>
+              <a:cxnLst/>
+              <a:rect l="0" t="0" r="r" b="b"/>
+              <a:pathLst>
+                <a:path w="237" h="1135">
+                  <a:moveTo>
+                    <a:pt x="222" y="1135"/>
+                  </a:moveTo>
+                  <a:lnTo>
+                    <a:pt x="0" y="620"/>
+                  </a:lnTo>
+                  <a:lnTo>
+                    <a:pt x="0" y="0"/>
+                  </a:lnTo>
+                  <a:lnTo>
+                    <a:pt x="18" y="0"/>
+                  </a:lnTo>
+                  <a:lnTo>
+                    <a:pt x="18" y="617"/>
+                  </a:lnTo>
+                  <a:lnTo>
+                    <a:pt x="237" y="1129"/>
+                  </a:lnTo>
+                  <a:lnTo>
+                    <a:pt x="222" y="1135"/>
+                  </a:lnTo>
+                  <a:close/>
+                </a:path>
+              </a:pathLst>
+            </a:custGeom>
+            <a:grpFill/>
+            <a:ln>
+              <a:noFill/>
+            </a:ln>
+            <a:extLst>
+              <a:ext uri="{91240B29-F687-4f45-9708-019B960494DF}">
+                <a14:hiddenLine xmlns="" xmlns:a16="http://schemas.microsoft.com/office/drawing/2014/main" xmlns:a14="http://schemas.microsoft.com/office/drawing/2010/main" xmlns:p14="http://schemas.microsoft.com/office/powerpoint/2010/main" w="9525">
+                  <a:solidFill>
+                    <a:srgbClr val="000000"/>
+                  </a:solidFill>
+                  <a:round/>
+                  <a:headEnd/>
+                  <a:tailEnd/>
+                </a14:hiddenLine>
+              </a:ext>
+            </a:extLst>
+          </p:spPr>
+        </p:sp>
+        <p:sp>
+          <p:nvSpPr>
+            <p:cNvPr id="81" name="Freeform 12">
+              <a:extLst>
+                <a:ext uri="{FF2B5EF4-FFF2-40B4-BE49-F238E27FC236}">
+                  <a16:creationId xmlns:a16="http://schemas.microsoft.com/office/drawing/2014/main" id="{3D7F35CF-F44C-491F-904D-A31ED832137B}"/>
+                </a:ext>
+                <a:ext uri="{C183D7F6-B498-43B3-948B-1728B52AA6E4}">
+                  <adec:decorative xmlns:adec="http://schemas.microsoft.com/office/drawing/2017/decorative" val="1"/>
+                </a:ext>
+              </a:extLst>
+            </p:cNvPr>
+            <p:cNvSpPr>
+              <a:spLocks noEditPoints="1"/>
+            </p:cNvSpPr>
+            <p:nvPr>
+              <p:extLst>
+                <p:ext uri="{386F3935-93C4-4BCD-93E2-E3B085C9AB24}">
+                  <p16:designElem xmlns:p16="http://schemas.microsoft.com/office/powerpoint/2015/main" val="1"/>
+                </p:ext>
+              </p:extLst>
+            </p:nvPr>
+          </p:nvSpPr>
+          <p:spPr bwMode="auto">
+            <a:xfrm>
+              <a:off x="1600200" y="1801813"/>
+              <a:ext cx="190500" cy="188913"/>
+            </a:xfrm>
+            <a:custGeom>
+              <a:avLst/>
+              <a:gdLst/>
+              <a:ahLst/>
+              <a:cxnLst/>
+              <a:rect l="0" t="0" r="r" b="b"/>
+              <a:pathLst>
+                <a:path w="40" h="40">
+                  <a:moveTo>
+                    <a:pt x="20" y="40"/>
+                  </a:moveTo>
+                  <a:cubicBezTo>
+                    <a:pt x="9" y="40"/>
+                    <a:pt x="0" y="31"/>
+                    <a:pt x="0" y="20"/>
+                  </a:cubicBezTo>
+                  <a:cubicBezTo>
+                    <a:pt x="0" y="9"/>
+                    <a:pt x="9" y="0"/>
+                    <a:pt x="20" y="0"/>
+                  </a:cubicBezTo>
+                  <a:cubicBezTo>
+                    <a:pt x="31" y="0"/>
+                    <a:pt x="40" y="9"/>
+                    <a:pt x="40" y="20"/>
+                  </a:cubicBezTo>
+                  <a:cubicBezTo>
+                    <a:pt x="40" y="31"/>
+                    <a:pt x="31" y="40"/>
+                    <a:pt x="20" y="40"/>
+                  </a:cubicBezTo>
+                  <a:close/>
+                  <a:moveTo>
+                    <a:pt x="20" y="4"/>
+                  </a:moveTo>
+                  <a:cubicBezTo>
+                    <a:pt x="11" y="4"/>
+                    <a:pt x="4" y="11"/>
+                    <a:pt x="4" y="20"/>
+                  </a:cubicBezTo>
+                  <a:cubicBezTo>
+                    <a:pt x="4" y="29"/>
+                    <a:pt x="11" y="36"/>
+                    <a:pt x="20" y="36"/>
+                  </a:cubicBezTo>
+                  <a:cubicBezTo>
+                    <a:pt x="28" y="36"/>
+                    <a:pt x="36" y="29"/>
+                    <a:pt x="36" y="20"/>
+                  </a:cubicBezTo>
+                  <a:cubicBezTo>
+                    <a:pt x="36" y="11"/>
+                    <a:pt x="28" y="4"/>
+                    <a:pt x="20" y="4"/>
+                  </a:cubicBezTo>
+                  <a:close/>
+                </a:path>
+              </a:pathLst>
+            </a:custGeom>
+            <a:grpFill/>
+            <a:ln>
+              <a:noFill/>
+            </a:ln>
+            <a:extLst>
+              <a:ext uri="{91240B29-F687-4f45-9708-019B960494DF}">
+                <a14:hiddenLine xmlns="" xmlns:a16="http://schemas.microsoft.com/office/drawing/2014/main" xmlns:a14="http://schemas.microsoft.com/office/drawing/2010/main" xmlns:p14="http://schemas.microsoft.com/office/powerpoint/2010/main" w="9525">
+                  <a:solidFill>
+                    <a:srgbClr val="000000"/>
+                  </a:solidFill>
+                  <a:round/>
+                  <a:headEnd/>
+                  <a:tailEnd/>
+                </a14:hiddenLine>
+              </a:ext>
+            </a:extLst>
+          </p:spPr>
+        </p:sp>
+        <p:sp>
+          <p:nvSpPr>
+            <p:cNvPr id="82" name="Freeform 13">
+              <a:extLst>
+                <a:ext uri="{FF2B5EF4-FFF2-40B4-BE49-F238E27FC236}">
+                  <a16:creationId xmlns:a16="http://schemas.microsoft.com/office/drawing/2014/main" id="{84D9BF7E-18C2-452C-B139-4ED58D7A03C3}"/>
+                </a:ext>
+                <a:ext uri="{C183D7F6-B498-43B3-948B-1728B52AA6E4}">
+                  <adec:decorative xmlns:adec="http://schemas.microsoft.com/office/drawing/2017/decorative" val="1"/>
+                </a:ext>
+              </a:extLst>
+            </p:cNvPr>
+            <p:cNvSpPr/>
+            <p:nvPr>
+              <p:extLst>
+                <p:ext uri="{386F3935-93C4-4BCD-93E2-E3B085C9AB24}">
+                  <p16:designElem xmlns:p16="http://schemas.microsoft.com/office/powerpoint/2015/main" val="1"/>
+                </p:ext>
+              </p:extLst>
+            </p:nvPr>
+          </p:nvSpPr>
+          <p:spPr bwMode="auto">
+            <a:xfrm>
+              <a:off x="1381125" y="9525"/>
+              <a:ext cx="371475" cy="1425575"/>
+            </a:xfrm>
+            <a:custGeom>
+              <a:avLst/>
+              <a:gdLst/>
+              <a:ahLst/>
+              <a:cxnLst/>
+              <a:rect l="0" t="0" r="r" b="b"/>
+              <a:pathLst>
+                <a:path w="234" h="898">
+                  <a:moveTo>
+                    <a:pt x="219" y="898"/>
+                  </a:moveTo>
+                  <a:lnTo>
+                    <a:pt x="0" y="383"/>
+                  </a:lnTo>
+                  <a:lnTo>
+                    <a:pt x="0" y="0"/>
+                  </a:lnTo>
+                  <a:lnTo>
+                    <a:pt x="15" y="0"/>
+                  </a:lnTo>
+                  <a:lnTo>
+                    <a:pt x="15" y="380"/>
+                  </a:lnTo>
+                  <a:lnTo>
+                    <a:pt x="234" y="892"/>
+                  </a:lnTo>
+                  <a:lnTo>
+                    <a:pt x="219" y="898"/>
+                  </a:lnTo>
+                  <a:close/>
+                </a:path>
+              </a:pathLst>
+            </a:custGeom>
+            <a:grpFill/>
+            <a:ln>
+              <a:noFill/>
+            </a:ln>
+            <a:extLst>
+              <a:ext uri="{91240B29-F687-4f45-9708-019B960494DF}">
+                <a14:hiddenLine xmlns="" xmlns:a16="http://schemas.microsoft.com/office/drawing/2014/main" xmlns:a14="http://schemas.microsoft.com/office/drawing/2010/main" xmlns:p14="http://schemas.microsoft.com/office/powerpoint/2010/main" w="9525">
+                  <a:solidFill>
+                    <a:srgbClr val="000000"/>
+                  </a:solidFill>
+                  <a:round/>
+                  <a:headEnd/>
+                  <a:tailEnd/>
+                </a14:hiddenLine>
+              </a:ext>
+            </a:extLst>
+          </p:spPr>
+        </p:sp>
+        <p:sp>
+          <p:nvSpPr>
+            <p:cNvPr id="83" name="Freeform 14">
+              <a:extLst>
+                <a:ext uri="{FF2B5EF4-FFF2-40B4-BE49-F238E27FC236}">
+                  <a16:creationId xmlns:a16="http://schemas.microsoft.com/office/drawing/2014/main" id="{700A6223-AD38-426F-A6FE-7926CAEF31C4}"/>
+                </a:ext>
+                <a:ext uri="{C183D7F6-B498-43B3-948B-1728B52AA6E4}">
+                  <adec:decorative xmlns:adec="http://schemas.microsoft.com/office/drawing/2017/decorative" val="1"/>
+                </a:ext>
+              </a:extLst>
+            </p:cNvPr>
+            <p:cNvSpPr/>
+            <p:nvPr>
+              <p:extLst>
+                <p:ext uri="{386F3935-93C4-4BCD-93E2-E3B085C9AB24}">
+                  <p16:designElem xmlns:p16="http://schemas.microsoft.com/office/powerpoint/2015/main" val="1"/>
+                </p:ext>
+              </p:extLst>
+            </p:nvPr>
+          </p:nvSpPr>
+          <p:spPr bwMode="auto">
+            <a:xfrm>
+              <a:off x="1643063" y="0"/>
+              <a:ext cx="152400" cy="912813"/>
+            </a:xfrm>
+            <a:custGeom>
+              <a:avLst/>
+              <a:gdLst/>
+              <a:ahLst/>
+              <a:cxnLst/>
+              <a:rect l="0" t="0" r="r" b="b"/>
+              <a:pathLst>
+                <a:path w="96" h="575">
+                  <a:moveTo>
+                    <a:pt x="96" y="575"/>
+                  </a:moveTo>
+                  <a:lnTo>
+                    <a:pt x="78" y="575"/>
+                  </a:lnTo>
+                  <a:lnTo>
+                    <a:pt x="78" y="192"/>
+                  </a:lnTo>
+                  <a:lnTo>
+                    <a:pt x="0" y="6"/>
+                  </a:lnTo>
+                  <a:lnTo>
+                    <a:pt x="15" y="0"/>
+                  </a:lnTo>
+                  <a:lnTo>
+                    <a:pt x="96" y="189"/>
+                  </a:lnTo>
+                  <a:lnTo>
+                    <a:pt x="96" y="575"/>
+                  </a:lnTo>
+                  <a:close/>
+                </a:path>
+              </a:pathLst>
+            </a:custGeom>
+            <a:grpFill/>
+            <a:ln>
+              <a:noFill/>
+            </a:ln>
+            <a:extLst>
+              <a:ext uri="{91240B29-F687-4f45-9708-019B960494DF}">
+                <a14:hiddenLine xmlns="" xmlns:a16="http://schemas.microsoft.com/office/drawing/2014/main" xmlns:a14="http://schemas.microsoft.com/office/drawing/2010/main" xmlns:p14="http://schemas.microsoft.com/office/powerpoint/2010/main" w="9525">
+                  <a:solidFill>
+                    <a:srgbClr val="000000"/>
+                  </a:solidFill>
+                  <a:round/>
+                  <a:headEnd/>
+                  <a:tailEnd/>
+                </a14:hiddenLine>
+              </a:ext>
+            </a:extLst>
+          </p:spPr>
+        </p:sp>
+        <p:sp>
+          <p:nvSpPr>
+            <p:cNvPr id="84" name="Freeform 15">
+              <a:extLst>
+                <a:ext uri="{FF2B5EF4-FFF2-40B4-BE49-F238E27FC236}">
+                  <a16:creationId xmlns:a16="http://schemas.microsoft.com/office/drawing/2014/main" id="{D172AA94-449F-45EB-94E6-67C186C32DDE}"/>
+                </a:ext>
+                <a:ext uri="{C183D7F6-B498-43B3-948B-1728B52AA6E4}">
+                  <adec:decorative xmlns:adec="http://schemas.microsoft.com/office/drawing/2017/decorative" val="1"/>
+                </a:ext>
+              </a:extLst>
+            </p:cNvPr>
+            <p:cNvSpPr>
+              <a:spLocks noEditPoints="1"/>
+            </p:cNvSpPr>
+            <p:nvPr>
+              <p:extLst>
+                <p:ext uri="{386F3935-93C4-4BCD-93E2-E3B085C9AB24}">
+                  <p16:designElem xmlns:p16="http://schemas.microsoft.com/office/powerpoint/2015/main" val="1"/>
+                </p:ext>
+              </p:extLst>
+            </p:nvPr>
+          </p:nvSpPr>
+          <p:spPr bwMode="auto">
+            <a:xfrm>
+              <a:off x="1685925" y="1420813"/>
+              <a:ext cx="190500" cy="190500"/>
+            </a:xfrm>
+            <a:custGeom>
+              <a:avLst/>
+              <a:gdLst/>
+              <a:ahLst/>
+              <a:cxnLst/>
+              <a:rect l="0" t="0" r="r" b="b"/>
+              <a:pathLst>
+                <a:path w="40" h="40">
+                  <a:moveTo>
+                    <a:pt x="20" y="40"/>
+                  </a:moveTo>
+                  <a:cubicBezTo>
+                    <a:pt x="9" y="40"/>
+                    <a:pt x="0" y="31"/>
+                    <a:pt x="0" y="20"/>
+                  </a:cubicBezTo>
+                  <a:cubicBezTo>
+                    <a:pt x="0" y="9"/>
+                    <a:pt x="9" y="0"/>
+                    <a:pt x="20" y="0"/>
+                  </a:cubicBezTo>
+                  <a:cubicBezTo>
+                    <a:pt x="31" y="0"/>
+                    <a:pt x="40" y="9"/>
+                    <a:pt x="40" y="20"/>
+                  </a:cubicBezTo>
+                  <a:cubicBezTo>
+                    <a:pt x="40" y="31"/>
+                    <a:pt x="31" y="40"/>
+                    <a:pt x="20" y="40"/>
+                  </a:cubicBezTo>
+                  <a:close/>
+                  <a:moveTo>
+                    <a:pt x="20" y="4"/>
+                  </a:moveTo>
+                  <a:cubicBezTo>
+                    <a:pt x="11" y="4"/>
+                    <a:pt x="4" y="11"/>
+                    <a:pt x="4" y="20"/>
+                  </a:cubicBezTo>
+                  <a:cubicBezTo>
+                    <a:pt x="4" y="29"/>
+                    <a:pt x="11" y="36"/>
+                    <a:pt x="20" y="36"/>
+                  </a:cubicBezTo>
+                  <a:cubicBezTo>
+                    <a:pt x="29" y="36"/>
+                    <a:pt x="36" y="29"/>
+                    <a:pt x="36" y="20"/>
+                  </a:cubicBezTo>
+                  <a:cubicBezTo>
+                    <a:pt x="36" y="11"/>
+                    <a:pt x="29" y="4"/>
+                    <a:pt x="20" y="4"/>
+                  </a:cubicBezTo>
+                  <a:close/>
+                </a:path>
+              </a:pathLst>
+            </a:custGeom>
+            <a:grpFill/>
+            <a:ln>
+              <a:noFill/>
+            </a:ln>
+            <a:extLst>
+              <a:ext uri="{91240B29-F687-4f45-9708-019B960494DF}">
+                <a14:hiddenLine xmlns="" xmlns:a16="http://schemas.microsoft.com/office/drawing/2014/main" xmlns:a14="http://schemas.microsoft.com/office/drawing/2010/main" xmlns:p14="http://schemas.microsoft.com/office/powerpoint/2010/main" w="9525">
+                  <a:solidFill>
+                    <a:srgbClr val="000000"/>
+                  </a:solidFill>
+                  <a:round/>
+                  <a:headEnd/>
+                  <a:tailEnd/>
+                </a14:hiddenLine>
+              </a:ext>
+            </a:extLst>
+          </p:spPr>
+        </p:sp>
+        <p:sp>
+          <p:nvSpPr>
+            <p:cNvPr id="85" name="Freeform 16">
+              <a:extLst>
+                <a:ext uri="{FF2B5EF4-FFF2-40B4-BE49-F238E27FC236}">
+                  <a16:creationId xmlns:a16="http://schemas.microsoft.com/office/drawing/2014/main" id="{A7D4F697-8937-4F4C-83C5-770B3FCB8286}"/>
+                </a:ext>
+                <a:ext uri="{C183D7F6-B498-43B3-948B-1728B52AA6E4}">
+                  <adec:decorative xmlns:adec="http://schemas.microsoft.com/office/drawing/2017/decorative" val="1"/>
+                </a:ext>
+              </a:extLst>
+            </p:cNvPr>
+            <p:cNvSpPr>
+              <a:spLocks noEditPoints="1"/>
+            </p:cNvSpPr>
+            <p:nvPr>
+              <p:extLst>
+                <p:ext uri="{386F3935-93C4-4BCD-93E2-E3B085C9AB24}">
+                  <p16:designElem xmlns:p16="http://schemas.microsoft.com/office/powerpoint/2015/main" val="1"/>
+                </p:ext>
+              </p:extLst>
+            </p:nvPr>
+          </p:nvSpPr>
+          <p:spPr bwMode="auto">
+            <a:xfrm>
+              <a:off x="1685925" y="903288"/>
+              <a:ext cx="190500" cy="190500"/>
+            </a:xfrm>
+            <a:custGeom>
+              <a:avLst/>
+              <a:gdLst/>
+              <a:ahLst/>
+              <a:cxnLst/>
+              <a:rect l="0" t="0" r="r" b="b"/>
+              <a:pathLst>
+                <a:path w="40" h="40">
+                  <a:moveTo>
+                    <a:pt x="20" y="40"/>
+                  </a:moveTo>
+                  <a:cubicBezTo>
+                    <a:pt x="9" y="40"/>
+                    <a:pt x="0" y="31"/>
+                    <a:pt x="0" y="20"/>
+                  </a:cubicBezTo>
+                  <a:cubicBezTo>
+                    <a:pt x="0" y="9"/>
+                    <a:pt x="9" y="0"/>
+                    <a:pt x="20" y="0"/>
+                  </a:cubicBezTo>
+                  <a:cubicBezTo>
+                    <a:pt x="31" y="0"/>
+                    <a:pt x="40" y="9"/>
+                    <a:pt x="40" y="20"/>
+                  </a:cubicBezTo>
+                  <a:cubicBezTo>
+                    <a:pt x="40" y="31"/>
+                    <a:pt x="31" y="40"/>
+                    <a:pt x="20" y="40"/>
+                  </a:cubicBezTo>
+                  <a:close/>
+                  <a:moveTo>
+                    <a:pt x="20" y="4"/>
+                  </a:moveTo>
+                  <a:cubicBezTo>
+                    <a:pt x="11" y="4"/>
+                    <a:pt x="4" y="11"/>
+                    <a:pt x="4" y="20"/>
+                  </a:cubicBezTo>
+                  <a:cubicBezTo>
+                    <a:pt x="4" y="29"/>
+                    <a:pt x="11" y="36"/>
+                    <a:pt x="20" y="36"/>
+                  </a:cubicBezTo>
+                  <a:cubicBezTo>
+                    <a:pt x="29" y="36"/>
+                    <a:pt x="36" y="29"/>
+                    <a:pt x="36" y="20"/>
+                  </a:cubicBezTo>
+                  <a:cubicBezTo>
+                    <a:pt x="36" y="11"/>
+                    <a:pt x="29" y="4"/>
+                    <a:pt x="20" y="4"/>
+                  </a:cubicBezTo>
+                  <a:close/>
+                </a:path>
+              </a:pathLst>
+            </a:custGeom>
+            <a:grpFill/>
+            <a:ln>
+              <a:noFill/>
+            </a:ln>
+            <a:extLst>
+              <a:ext uri="{91240B29-F687-4f45-9708-019B960494DF}">
+                <a14:hiddenLine xmlns="" xmlns:a16="http://schemas.microsoft.com/office/drawing/2014/main" xmlns:a14="http://schemas.microsoft.com/office/drawing/2010/main" xmlns:p14="http://schemas.microsoft.com/office/powerpoint/2010/main" w="9525">
+                  <a:solidFill>
+                    <a:srgbClr val="000000"/>
+                  </a:solidFill>
+                  <a:round/>
+                  <a:headEnd/>
+                  <a:tailEnd/>
+                </a14:hiddenLine>
+              </a:ext>
+            </a:extLst>
+          </p:spPr>
+        </p:sp>
+        <p:sp>
+          <p:nvSpPr>
+            <p:cNvPr id="86" name="Freeform 17">
+              <a:extLst>
+                <a:ext uri="{FF2B5EF4-FFF2-40B4-BE49-F238E27FC236}">
+                  <a16:creationId xmlns:a16="http://schemas.microsoft.com/office/drawing/2014/main" id="{10AF1D59-5117-4D47-8414-4BB61F944BD2}"/>
+                </a:ext>
+                <a:ext uri="{C183D7F6-B498-43B3-948B-1728B52AA6E4}">
+                  <adec:decorative xmlns:adec="http://schemas.microsoft.com/office/drawing/2017/decorative" val="1"/>
+                </a:ext>
+              </a:extLst>
+            </p:cNvPr>
+            <p:cNvSpPr/>
+            <p:nvPr>
+              <p:extLst>
+                <p:ext uri="{386F3935-93C4-4BCD-93E2-E3B085C9AB24}">
+                  <p16:designElem xmlns:p16="http://schemas.microsoft.com/office/powerpoint/2015/main" val="1"/>
+                </p:ext>
+              </p:extLst>
+            </p:nvPr>
+          </p:nvSpPr>
+          <p:spPr bwMode="auto">
+            <a:xfrm>
+              <a:off x="1743075" y="4763"/>
+              <a:ext cx="419100" cy="522288"/>
+            </a:xfrm>
+            <a:custGeom>
+              <a:avLst/>
+              <a:gdLst/>
+              <a:ahLst/>
+              <a:cxnLst/>
+              <a:rect l="0" t="0" r="r" b="b"/>
+              <a:pathLst>
+                <a:path w="264" h="329">
+                  <a:moveTo>
+                    <a:pt x="252" y="329"/>
+                  </a:moveTo>
+                  <a:lnTo>
+                    <a:pt x="45" y="120"/>
+                  </a:lnTo>
+                  <a:lnTo>
+                    <a:pt x="0" y="6"/>
+                  </a:lnTo>
+                  <a:lnTo>
+                    <a:pt x="15" y="0"/>
+                  </a:lnTo>
+                  <a:lnTo>
+                    <a:pt x="60" y="111"/>
+                  </a:lnTo>
+                  <a:lnTo>
+                    <a:pt x="264" y="317"/>
+                  </a:lnTo>
+                  <a:lnTo>
+                    <a:pt x="252" y="329"/>
+                  </a:lnTo>
+                  <a:close/>
+                </a:path>
+              </a:pathLst>
+            </a:custGeom>
+            <a:grpFill/>
+            <a:ln>
+              <a:noFill/>
+            </a:ln>
+            <a:extLst>
+              <a:ext uri="{91240B29-F687-4f45-9708-019B960494DF}">
+                <a14:hiddenLine xmlns="" xmlns:a16="http://schemas.microsoft.com/office/drawing/2014/main" xmlns:a14="http://schemas.microsoft.com/office/drawing/2010/main" xmlns:p14="http://schemas.microsoft.com/office/powerpoint/2010/main" w="9525">
+                  <a:solidFill>
+                    <a:srgbClr val="000000"/>
+                  </a:solidFill>
+                  <a:round/>
+                  <a:headEnd/>
+                  <a:tailEnd/>
+                </a14:hiddenLine>
+              </a:ext>
+            </a:extLst>
+          </p:spPr>
+        </p:sp>
+        <p:sp>
+          <p:nvSpPr>
+            <p:cNvPr id="87" name="Freeform 18">
+              <a:extLst>
+                <a:ext uri="{FF2B5EF4-FFF2-40B4-BE49-F238E27FC236}">
+                  <a16:creationId xmlns:a16="http://schemas.microsoft.com/office/drawing/2014/main" id="{2387DC33-88B3-4718-8C94-41659EA33A94}"/>
+                </a:ext>
+                <a:ext uri="{C183D7F6-B498-43B3-948B-1728B52AA6E4}">
+                  <adec:decorative xmlns:adec="http://schemas.microsoft.com/office/drawing/2017/decorative" val="1"/>
+                </a:ext>
+              </a:extLst>
+            </p:cNvPr>
+            <p:cNvSpPr>
+              <a:spLocks noEditPoints="1"/>
+            </p:cNvSpPr>
+            <p:nvPr>
+              <p:extLst>
+                <p:ext uri="{386F3935-93C4-4BCD-93E2-E3B085C9AB24}">
+                  <p16:designElem xmlns:p16="http://schemas.microsoft.com/office/powerpoint/2015/main" val="1"/>
+                </p:ext>
+              </p:extLst>
+            </p:nvPr>
+          </p:nvSpPr>
+          <p:spPr bwMode="auto">
+            <a:xfrm>
+              <a:off x="2119313" y="488950"/>
+              <a:ext cx="161925" cy="147638"/>
+            </a:xfrm>
+            <a:custGeom>
+              <a:avLst/>
+              <a:gdLst/>
+              <a:ahLst/>
+              <a:cxnLst/>
+              <a:rect l="0" t="0" r="r" b="b"/>
+              <a:pathLst>
+                <a:path w="34" h="31">
+                  <a:moveTo>
+                    <a:pt x="17" y="31"/>
+                  </a:moveTo>
+                  <a:cubicBezTo>
+                    <a:pt x="13" y="31"/>
+                    <a:pt x="9" y="30"/>
+                    <a:pt x="6" y="27"/>
+                  </a:cubicBezTo>
+                  <a:cubicBezTo>
+                    <a:pt x="0" y="20"/>
+                    <a:pt x="0" y="10"/>
+                    <a:pt x="6" y="4"/>
+                  </a:cubicBezTo>
+                  <a:cubicBezTo>
+                    <a:pt x="9" y="1"/>
+                    <a:pt x="13" y="0"/>
+                    <a:pt x="17" y="0"/>
+                  </a:cubicBezTo>
+                  <a:cubicBezTo>
+                    <a:pt x="21" y="0"/>
+                    <a:pt x="25" y="1"/>
+                    <a:pt x="28" y="4"/>
+                  </a:cubicBezTo>
+                  <a:cubicBezTo>
+                    <a:pt x="34" y="10"/>
+                    <a:pt x="34" y="20"/>
+                    <a:pt x="28" y="27"/>
+                  </a:cubicBezTo>
+                  <a:cubicBezTo>
+                    <a:pt x="25" y="30"/>
+                    <a:pt x="21" y="31"/>
+                    <a:pt x="17" y="31"/>
+                  </a:cubicBezTo>
+                  <a:close/>
+                  <a:moveTo>
+                    <a:pt x="17" y="4"/>
+                  </a:moveTo>
+                  <a:cubicBezTo>
+                    <a:pt x="14" y="4"/>
+                    <a:pt x="11" y="5"/>
+                    <a:pt x="9" y="7"/>
+                  </a:cubicBezTo>
+                  <a:cubicBezTo>
+                    <a:pt x="4" y="12"/>
+                    <a:pt x="4" y="19"/>
+                    <a:pt x="9" y="24"/>
+                  </a:cubicBezTo>
+                  <a:cubicBezTo>
+                    <a:pt x="11" y="26"/>
+                    <a:pt x="14" y="27"/>
+                    <a:pt x="17" y="27"/>
+                  </a:cubicBezTo>
+                  <a:cubicBezTo>
+                    <a:pt x="20" y="27"/>
+                    <a:pt x="23" y="26"/>
+                    <a:pt x="25" y="24"/>
+                  </a:cubicBezTo>
+                  <a:cubicBezTo>
+                    <a:pt x="30" y="19"/>
+                    <a:pt x="30" y="12"/>
+                    <a:pt x="25" y="7"/>
+                  </a:cubicBezTo>
+                  <a:cubicBezTo>
+                    <a:pt x="23" y="5"/>
+                    <a:pt x="20" y="4"/>
+                    <a:pt x="17" y="4"/>
+                  </a:cubicBezTo>
+                  <a:close/>
+                </a:path>
+              </a:pathLst>
+            </a:custGeom>
+            <a:grpFill/>
+            <a:ln>
+              <a:noFill/>
+            </a:ln>
+            <a:extLst>
+              <a:ext uri="{91240B29-F687-4f45-9708-019B960494DF}">
+                <a14:hiddenLine xmlns="" xmlns:a16="http://schemas.microsoft.com/office/drawing/2014/main" xmlns:a14="http://schemas.microsoft.com/office/drawing/2010/main" xmlns:p14="http://schemas.microsoft.com/office/powerpoint/2010/main" w="9525">
+                  <a:solidFill>
+                    <a:srgbClr val="000000"/>
+                  </a:solidFill>
+                  <a:round/>
+                  <a:headEnd/>
+                  <a:tailEnd/>
+                </a14:hiddenLine>
+              </a:ext>
+            </a:extLst>
+          </p:spPr>
+        </p:sp>
+        <p:sp>
+          <p:nvSpPr>
+            <p:cNvPr id="88" name="Freeform 19">
+              <a:extLst>
+                <a:ext uri="{FF2B5EF4-FFF2-40B4-BE49-F238E27FC236}">
+                  <a16:creationId xmlns:a16="http://schemas.microsoft.com/office/drawing/2014/main" id="{D4E7EC64-4763-4F04-B2E4-E400364D7288}"/>
+                </a:ext>
+                <a:ext uri="{C183D7F6-B498-43B3-948B-1728B52AA6E4}">
+                  <adec:decorative xmlns:adec="http://schemas.microsoft.com/office/drawing/2017/decorative" val="1"/>
+                </a:ext>
+              </a:extLst>
+            </p:cNvPr>
+            <p:cNvSpPr/>
+            <p:nvPr>
+              <p:extLst>
+                <p:ext uri="{386F3935-93C4-4BCD-93E2-E3B085C9AB24}">
+                  <p16:designElem xmlns:p16="http://schemas.microsoft.com/office/powerpoint/2015/main" val="1"/>
+                </p:ext>
+              </p:extLst>
+            </p:nvPr>
+          </p:nvSpPr>
+          <p:spPr bwMode="auto">
+            <a:xfrm>
+              <a:off x="952500" y="4763"/>
+              <a:ext cx="152400" cy="908050"/>
+            </a:xfrm>
+            <a:custGeom>
+              <a:avLst/>
+              <a:gdLst/>
+              <a:ahLst/>
+              <a:cxnLst/>
+              <a:rect l="0" t="0" r="r" b="b"/>
+              <a:pathLst>
+                <a:path w="96" h="572">
+                  <a:moveTo>
+                    <a:pt x="15" y="572"/>
+                  </a:moveTo>
+                  <a:lnTo>
+                    <a:pt x="0" y="572"/>
+                  </a:lnTo>
+                  <a:lnTo>
+                    <a:pt x="0" y="189"/>
+                  </a:lnTo>
+                  <a:lnTo>
+                    <a:pt x="81" y="0"/>
+                  </a:lnTo>
+                  <a:lnTo>
+                    <a:pt x="96" y="6"/>
+                  </a:lnTo>
+                  <a:lnTo>
+                    <a:pt x="15" y="192"/>
+                  </a:lnTo>
+                  <a:lnTo>
+                    <a:pt x="15" y="572"/>
+                  </a:lnTo>
+                  <a:close/>
+                </a:path>
+              </a:pathLst>
+            </a:custGeom>
+            <a:grpFill/>
+            <a:ln>
+              <a:noFill/>
+            </a:ln>
+            <a:extLst>
+              <a:ext uri="{91240B29-F687-4f45-9708-019B960494DF}">
+                <a14:hiddenLine xmlns="" xmlns:a16="http://schemas.microsoft.com/office/drawing/2014/main" xmlns:a14="http://schemas.microsoft.com/office/drawing/2010/main" xmlns:p14="http://schemas.microsoft.com/office/powerpoint/2010/main" w="9525">
+                  <a:solidFill>
+                    <a:srgbClr val="000000"/>
+                  </a:solidFill>
+                  <a:round/>
+                  <a:headEnd/>
+                  <a:tailEnd/>
+                </a14:hiddenLine>
+              </a:ext>
+            </a:extLst>
+          </p:spPr>
+        </p:sp>
+        <p:sp>
+          <p:nvSpPr>
+            <p:cNvPr id="89" name="Freeform 20">
+              <a:extLst>
+                <a:ext uri="{FF2B5EF4-FFF2-40B4-BE49-F238E27FC236}">
+                  <a16:creationId xmlns:a16="http://schemas.microsoft.com/office/drawing/2014/main" id="{581717DF-9FD4-47CB-9579-E34DF7E8754F}"/>
+                </a:ext>
+                <a:ext uri="{C183D7F6-B498-43B3-948B-1728B52AA6E4}">
+                  <adec:decorative xmlns:adec="http://schemas.microsoft.com/office/drawing/2017/decorative" val="1"/>
+                </a:ext>
+              </a:extLst>
+            </p:cNvPr>
+            <p:cNvSpPr>
+              <a:spLocks noEditPoints="1"/>
+            </p:cNvSpPr>
+            <p:nvPr>
+              <p:extLst>
+                <p:ext uri="{386F3935-93C4-4BCD-93E2-E3B085C9AB24}">
+                  <p16:designElem xmlns:p16="http://schemas.microsoft.com/office/powerpoint/2015/main" val="1"/>
+                </p:ext>
+              </p:extLst>
+            </p:nvPr>
+          </p:nvSpPr>
+          <p:spPr bwMode="auto">
+            <a:xfrm>
+              <a:off x="866775" y="903288"/>
+              <a:ext cx="190500" cy="190500"/>
+            </a:xfrm>
+            <a:custGeom>
+              <a:avLst/>
+              <a:gdLst/>
+              <a:ahLst/>
+              <a:cxnLst/>
+              <a:rect l="0" t="0" r="r" b="b"/>
+              <a:pathLst>
+                <a:path w="40" h="40">
+                  <a:moveTo>
+                    <a:pt x="20" y="40"/>
+                  </a:moveTo>
+                  <a:cubicBezTo>
+                    <a:pt x="9" y="40"/>
+                    <a:pt x="0" y="31"/>
+                    <a:pt x="0" y="20"/>
+                  </a:cubicBezTo>
+                  <a:cubicBezTo>
+                    <a:pt x="0" y="9"/>
+                    <a:pt x="9" y="0"/>
+                    <a:pt x="20" y="0"/>
+                  </a:cubicBezTo>
+                  <a:cubicBezTo>
+                    <a:pt x="31" y="0"/>
+                    <a:pt x="40" y="9"/>
+                    <a:pt x="40" y="20"/>
+                  </a:cubicBezTo>
+                  <a:cubicBezTo>
+                    <a:pt x="40" y="31"/>
+                    <a:pt x="31" y="40"/>
+                    <a:pt x="20" y="40"/>
+                  </a:cubicBezTo>
+                  <a:close/>
+                  <a:moveTo>
+                    <a:pt x="20" y="4"/>
+                  </a:moveTo>
+                  <a:cubicBezTo>
+                    <a:pt x="11" y="4"/>
+                    <a:pt x="4" y="12"/>
+                    <a:pt x="4" y="20"/>
+                  </a:cubicBezTo>
+                  <a:cubicBezTo>
+                    <a:pt x="4" y="29"/>
+                    <a:pt x="11" y="36"/>
+                    <a:pt x="20" y="36"/>
+                  </a:cubicBezTo>
+                  <a:cubicBezTo>
+                    <a:pt x="29" y="36"/>
+                    <a:pt x="36" y="29"/>
+                    <a:pt x="36" y="20"/>
+                  </a:cubicBezTo>
+                  <a:cubicBezTo>
+                    <a:pt x="36" y="12"/>
+                    <a:pt x="29" y="4"/>
+                    <a:pt x="20" y="4"/>
+                  </a:cubicBezTo>
+                  <a:close/>
+                </a:path>
+              </a:pathLst>
+            </a:custGeom>
+            <a:grpFill/>
+            <a:ln>
+              <a:noFill/>
+            </a:ln>
+            <a:extLst>
+              <a:ext uri="{91240B29-F687-4f45-9708-019B960494DF}">
+                <a14:hiddenLine xmlns="" xmlns:a16="http://schemas.microsoft.com/office/drawing/2014/main" xmlns:a14="http://schemas.microsoft.com/office/drawing/2010/main" xmlns:p14="http://schemas.microsoft.com/office/powerpoint/2010/main" w="9525">
+                  <a:solidFill>
+                    <a:srgbClr val="000000"/>
+                  </a:solidFill>
+                  <a:round/>
+                  <a:headEnd/>
+                  <a:tailEnd/>
+                </a14:hiddenLine>
+              </a:ext>
+            </a:extLst>
+          </p:spPr>
+        </p:sp>
+        <p:sp>
+          <p:nvSpPr>
+            <p:cNvPr id="90" name="Freeform 21">
+              <a:extLst>
+                <a:ext uri="{FF2B5EF4-FFF2-40B4-BE49-F238E27FC236}">
+                  <a16:creationId xmlns:a16="http://schemas.microsoft.com/office/drawing/2014/main" id="{BCD8EF50-6E58-4B2D-90B6-AFF236A73BC1}"/>
+                </a:ext>
+                <a:ext uri="{C183D7F6-B498-43B3-948B-1728B52AA6E4}">
+                  <adec:decorative xmlns:adec="http://schemas.microsoft.com/office/drawing/2017/decorative" val="1"/>
+                </a:ext>
+              </a:extLst>
+            </p:cNvPr>
+            <p:cNvSpPr>
+              <a:spLocks noEditPoints="1"/>
+            </p:cNvSpPr>
+            <p:nvPr>
+              <p:extLst>
+                <p:ext uri="{386F3935-93C4-4BCD-93E2-E3B085C9AB24}">
+                  <p16:designElem xmlns:p16="http://schemas.microsoft.com/office/powerpoint/2015/main" val="1"/>
+                </p:ext>
+              </p:extLst>
+            </p:nvPr>
+          </p:nvSpPr>
+          <p:spPr bwMode="auto">
+            <a:xfrm>
+              <a:off x="890588" y="1554163"/>
+              <a:ext cx="190500" cy="190500"/>
+            </a:xfrm>
+            <a:custGeom>
+              <a:avLst/>
+              <a:gdLst/>
+              <a:ahLst/>
+              <a:cxnLst/>
+              <a:rect l="0" t="0" r="r" b="b"/>
+              <a:pathLst>
+                <a:path w="40" h="40">
+                  <a:moveTo>
+                    <a:pt x="20" y="40"/>
+                  </a:moveTo>
+                  <a:cubicBezTo>
+                    <a:pt x="9" y="40"/>
+                    <a:pt x="0" y="31"/>
+                    <a:pt x="0" y="20"/>
+                  </a:cubicBezTo>
+                  <a:cubicBezTo>
+                    <a:pt x="0" y="9"/>
+                    <a:pt x="9" y="0"/>
+                    <a:pt x="20" y="0"/>
+                  </a:cubicBezTo>
+                  <a:cubicBezTo>
+                    <a:pt x="31" y="0"/>
+                    <a:pt x="40" y="9"/>
+                    <a:pt x="40" y="20"/>
+                  </a:cubicBezTo>
+                  <a:cubicBezTo>
+                    <a:pt x="40" y="31"/>
+                    <a:pt x="31" y="40"/>
+                    <a:pt x="20" y="40"/>
+                  </a:cubicBezTo>
+                  <a:close/>
+                  <a:moveTo>
+                    <a:pt x="20" y="4"/>
+                  </a:moveTo>
+                  <a:cubicBezTo>
+                    <a:pt x="11" y="4"/>
+                    <a:pt x="4" y="11"/>
+                    <a:pt x="4" y="20"/>
+                  </a:cubicBezTo>
+                  <a:cubicBezTo>
+                    <a:pt x="4" y="28"/>
+                    <a:pt x="11" y="36"/>
+                    <a:pt x="20" y="36"/>
+                  </a:cubicBezTo>
+                  <a:cubicBezTo>
+                    <a:pt x="29" y="36"/>
+                    <a:pt x="36" y="28"/>
+                    <a:pt x="36" y="20"/>
+                  </a:cubicBezTo>
+                  <a:cubicBezTo>
+                    <a:pt x="36" y="11"/>
+                    <a:pt x="29" y="4"/>
+                    <a:pt x="20" y="4"/>
+                  </a:cubicBezTo>
+                  <a:close/>
+                </a:path>
+              </a:pathLst>
+            </a:custGeom>
+            <a:grpFill/>
+            <a:ln>
+              <a:noFill/>
+            </a:ln>
+            <a:extLst>
+              <a:ext uri="{91240B29-F687-4f45-9708-019B960494DF}">
+                <a14:hiddenLine xmlns="" xmlns:a16="http://schemas.microsoft.com/office/drawing/2014/main" xmlns:a14="http://schemas.microsoft.com/office/drawing/2010/main" xmlns:p14="http://schemas.microsoft.com/office/powerpoint/2010/main" w="9525">
+                  <a:solidFill>
+                    <a:srgbClr val="000000"/>
+                  </a:solidFill>
+                  <a:round/>
+                  <a:headEnd/>
+                  <a:tailEnd/>
+                </a14:hiddenLine>
+              </a:ext>
+            </a:extLst>
+          </p:spPr>
+        </p:sp>
+        <p:sp>
+          <p:nvSpPr>
+            <p:cNvPr id="91" name="Freeform 22">
+              <a:extLst>
+                <a:ext uri="{FF2B5EF4-FFF2-40B4-BE49-F238E27FC236}">
+                  <a16:creationId xmlns:a16="http://schemas.microsoft.com/office/drawing/2014/main" id="{6524A268-142A-4CBF-BB8B-DC1FCBC8F785}"/>
+                </a:ext>
+                <a:ext uri="{C183D7F6-B498-43B3-948B-1728B52AA6E4}">
+                  <adec:decorative xmlns:adec="http://schemas.microsoft.com/office/drawing/2017/decorative" val="1"/>
+                </a:ext>
+              </a:extLst>
+            </p:cNvPr>
+            <p:cNvSpPr/>
+            <p:nvPr>
+              <p:extLst>
+                <p:ext uri="{386F3935-93C4-4BCD-93E2-E3B085C9AB24}">
+                  <p16:designElem xmlns:p16="http://schemas.microsoft.com/office/powerpoint/2015/main" val="1"/>
+                </p:ext>
+              </p:extLst>
+            </p:nvPr>
+          </p:nvSpPr>
+          <p:spPr bwMode="auto">
+            <a:xfrm>
+              <a:off x="738188" y="5622925"/>
+              <a:ext cx="338138" cy="1216025"/>
+            </a:xfrm>
+            <a:custGeom>
+              <a:avLst/>
+              <a:gdLst/>
+              <a:ahLst/>
+              <a:cxnLst/>
+              <a:rect l="0" t="0" r="r" b="b"/>
+              <a:pathLst>
+                <a:path w="213" h="766">
+                  <a:moveTo>
+                    <a:pt x="213" y="766"/>
+                  </a:moveTo>
+                  <a:lnTo>
+                    <a:pt x="195" y="766"/>
+                  </a:lnTo>
+                  <a:lnTo>
+                    <a:pt x="195" y="464"/>
+                  </a:lnTo>
+                  <a:lnTo>
+                    <a:pt x="0" y="6"/>
+                  </a:lnTo>
+                  <a:lnTo>
+                    <a:pt x="12" y="0"/>
+                  </a:lnTo>
+                  <a:lnTo>
+                    <a:pt x="213" y="461"/>
+                  </a:lnTo>
+                  <a:lnTo>
+                    <a:pt x="213" y="766"/>
+                  </a:lnTo>
+                  <a:close/>
+                </a:path>
+              </a:pathLst>
+            </a:custGeom>
+            <a:grpFill/>
+            <a:ln>
+              <a:noFill/>
+            </a:ln>
+            <a:extLst>
+              <a:ext uri="{91240B29-F687-4f45-9708-019B960494DF}">
+                <a14:hiddenLine xmlns="" xmlns:a16="http://schemas.microsoft.com/office/drawing/2014/main" xmlns:a14="http://schemas.microsoft.com/office/drawing/2010/main" xmlns:p14="http://schemas.microsoft.com/office/powerpoint/2010/main" w="9525">
+                  <a:solidFill>
+                    <a:srgbClr val="000000"/>
+                  </a:solidFill>
+                  <a:round/>
+                  <a:headEnd/>
+                  <a:tailEnd/>
+                </a14:hiddenLine>
+              </a:ext>
+            </a:extLst>
+          </p:spPr>
+        </p:sp>
+        <p:sp>
+          <p:nvSpPr>
+            <p:cNvPr id="92" name="Freeform 23">
+              <a:extLst>
+                <a:ext uri="{FF2B5EF4-FFF2-40B4-BE49-F238E27FC236}">
+                  <a16:creationId xmlns:a16="http://schemas.microsoft.com/office/drawing/2014/main" id="{56A0E6F3-B76B-4813-B44B-56CE11A8A0C4}"/>
+                </a:ext>
+                <a:ext uri="{C183D7F6-B498-43B3-948B-1728B52AA6E4}">
+                  <adec:decorative xmlns:adec="http://schemas.microsoft.com/office/drawing/2017/decorative" val="1"/>
+                </a:ext>
+              </a:extLst>
+            </p:cNvPr>
+            <p:cNvSpPr>
+              <a:spLocks noEditPoints="1"/>
+            </p:cNvSpPr>
+            <p:nvPr>
+              <p:extLst>
+                <p:ext uri="{386F3935-93C4-4BCD-93E2-E3B085C9AB24}">
+                  <p16:designElem xmlns:p16="http://schemas.microsoft.com/office/powerpoint/2015/main" val="1"/>
+                </p:ext>
+              </p:extLst>
+            </p:nvPr>
+          </p:nvSpPr>
+          <p:spPr bwMode="auto">
+            <a:xfrm>
+              <a:off x="647700" y="5480050"/>
+              <a:ext cx="157163" cy="157163"/>
+            </a:xfrm>
+            <a:custGeom>
+              <a:avLst/>
+              <a:gdLst/>
+              <a:ahLst/>
+              <a:cxnLst/>
+              <a:rect l="0" t="0" r="r" b="b"/>
+              <a:pathLst>
+                <a:path w="33" h="33">
+                  <a:moveTo>
+                    <a:pt x="17" y="33"/>
+                  </a:moveTo>
+                  <a:cubicBezTo>
+                    <a:pt x="8" y="33"/>
+                    <a:pt x="0" y="26"/>
+                    <a:pt x="0" y="17"/>
+                  </a:cubicBezTo>
+                  <a:cubicBezTo>
+                    <a:pt x="0" y="8"/>
+                    <a:pt x="8" y="0"/>
+                    <a:pt x="17" y="0"/>
+                  </a:cubicBezTo>
+                  <a:cubicBezTo>
+                    <a:pt x="26" y="0"/>
+                    <a:pt x="33" y="8"/>
+                    <a:pt x="33" y="17"/>
+                  </a:cubicBezTo>
+                  <a:cubicBezTo>
+                    <a:pt x="33" y="26"/>
+                    <a:pt x="26" y="33"/>
+                    <a:pt x="17" y="33"/>
+                  </a:cubicBezTo>
+                  <a:close/>
+                  <a:moveTo>
+                    <a:pt x="17" y="4"/>
+                  </a:moveTo>
+                  <a:cubicBezTo>
+                    <a:pt x="10" y="4"/>
+                    <a:pt x="4" y="10"/>
+                    <a:pt x="4" y="17"/>
+                  </a:cubicBezTo>
+                  <a:cubicBezTo>
+                    <a:pt x="4" y="24"/>
+                    <a:pt x="10" y="29"/>
+                    <a:pt x="17" y="29"/>
+                  </a:cubicBezTo>
+                  <a:cubicBezTo>
+                    <a:pt x="23" y="29"/>
+                    <a:pt x="29" y="24"/>
+                    <a:pt x="29" y="17"/>
+                  </a:cubicBezTo>
+                  <a:cubicBezTo>
+                    <a:pt x="29" y="10"/>
+                    <a:pt x="23" y="4"/>
+                    <a:pt x="17" y="4"/>
+                  </a:cubicBezTo>
+                  <a:close/>
+                </a:path>
+              </a:pathLst>
+            </a:custGeom>
+            <a:grpFill/>
+            <a:ln>
+              <a:noFill/>
+            </a:ln>
+            <a:extLst>
+              <a:ext uri="{91240B29-F687-4f45-9708-019B960494DF}">
+                <a14:hiddenLine xmlns="" xmlns:a16="http://schemas.microsoft.com/office/drawing/2014/main" xmlns:a14="http://schemas.microsoft.com/office/drawing/2010/main" xmlns:p14="http://schemas.microsoft.com/office/powerpoint/2010/main" w="9525">
+                  <a:solidFill>
+                    <a:srgbClr val="000000"/>
+                  </a:solidFill>
+                  <a:round/>
+                  <a:headEnd/>
+                  <a:tailEnd/>
+                </a14:hiddenLine>
+              </a:ext>
+            </a:extLst>
+          </p:spPr>
+        </p:sp>
+        <p:sp>
+          <p:nvSpPr>
+            <p:cNvPr id="93" name="Freeform 24">
+              <a:extLst>
+                <a:ext uri="{FF2B5EF4-FFF2-40B4-BE49-F238E27FC236}">
+                  <a16:creationId xmlns:a16="http://schemas.microsoft.com/office/drawing/2014/main" id="{A74CED8D-B902-4B76-9CC8-30A09B2FA191}"/>
+                </a:ext>
+                <a:ext uri="{C183D7F6-B498-43B3-948B-1728B52AA6E4}">
+                  <adec:decorative xmlns:adec="http://schemas.microsoft.com/office/drawing/2017/decorative" val="1"/>
+                </a:ext>
+              </a:extLst>
+            </p:cNvPr>
+            <p:cNvSpPr>
+              <a:spLocks noEditPoints="1"/>
+            </p:cNvSpPr>
+            <p:nvPr>
+              <p:extLst>
+                <p:ext uri="{386F3935-93C4-4BCD-93E2-E3B085C9AB24}">
+                  <p16:designElem xmlns:p16="http://schemas.microsoft.com/office/powerpoint/2015/main" val="1"/>
+                </p:ext>
+              </p:extLst>
+            </p:nvPr>
+          </p:nvSpPr>
+          <p:spPr bwMode="auto">
+            <a:xfrm>
+              <a:off x="66675" y="903288"/>
+              <a:ext cx="190500" cy="190500"/>
+            </a:xfrm>
+            <a:custGeom>
+              <a:avLst/>
+              <a:gdLst/>
+              <a:ahLst/>
+              <a:cxnLst/>
+              <a:rect l="0" t="0" r="r" b="b"/>
+              <a:pathLst>
+                <a:path w="40" h="40">
+                  <a:moveTo>
+                    <a:pt x="20" y="40"/>
+                  </a:moveTo>
+                  <a:cubicBezTo>
+                    <a:pt x="9" y="40"/>
+                    <a:pt x="0" y="31"/>
+                    <a:pt x="0" y="20"/>
+                  </a:cubicBezTo>
+                  <a:cubicBezTo>
+                    <a:pt x="0" y="9"/>
+                    <a:pt x="9" y="0"/>
+                    <a:pt x="20" y="0"/>
+                  </a:cubicBezTo>
+                  <a:cubicBezTo>
+                    <a:pt x="32" y="0"/>
+                    <a:pt x="40" y="9"/>
+                    <a:pt x="40" y="20"/>
+                  </a:cubicBezTo>
+                  <a:cubicBezTo>
+                    <a:pt x="40" y="31"/>
+                    <a:pt x="32" y="40"/>
+                    <a:pt x="20" y="40"/>
+                  </a:cubicBezTo>
+                  <a:close/>
+                  <a:moveTo>
+                    <a:pt x="20" y="4"/>
+                  </a:moveTo>
+                  <a:cubicBezTo>
+                    <a:pt x="12" y="4"/>
+                    <a:pt x="4" y="12"/>
+                    <a:pt x="4" y="20"/>
+                  </a:cubicBezTo>
+                  <a:cubicBezTo>
+                    <a:pt x="4" y="29"/>
+                    <a:pt x="12" y="36"/>
+                    <a:pt x="20" y="36"/>
+                  </a:cubicBezTo>
+                  <a:cubicBezTo>
+                    <a:pt x="29" y="36"/>
+                    <a:pt x="36" y="29"/>
+                    <a:pt x="36" y="20"/>
+                  </a:cubicBezTo>
+                  <a:cubicBezTo>
+                    <a:pt x="36" y="12"/>
+                    <a:pt x="29" y="4"/>
+                    <a:pt x="20" y="4"/>
+                  </a:cubicBezTo>
+                  <a:close/>
+                </a:path>
+              </a:pathLst>
+            </a:custGeom>
+            <a:grpFill/>
+            <a:ln>
+              <a:noFill/>
+            </a:ln>
+            <a:extLst>
+              <a:ext uri="{91240B29-F687-4f45-9708-019B960494DF}">
+                <a14:hiddenLine xmlns="" xmlns:a16="http://schemas.microsoft.com/office/drawing/2014/main" xmlns:a14="http://schemas.microsoft.com/office/drawing/2010/main" xmlns:p14="http://schemas.microsoft.com/office/powerpoint/2010/main" w="9525">
+                  <a:solidFill>
+                    <a:srgbClr val="000000"/>
+                  </a:solidFill>
+                  <a:round/>
+                  <a:headEnd/>
+                  <a:tailEnd/>
+                </a14:hiddenLine>
+              </a:ext>
+            </a:extLst>
+          </p:spPr>
+        </p:sp>
+        <p:sp>
+          <p:nvSpPr>
+            <p:cNvPr id="94" name="Freeform 25">
+              <a:extLst>
+                <a:ext uri="{FF2B5EF4-FFF2-40B4-BE49-F238E27FC236}">
+                  <a16:creationId xmlns:a16="http://schemas.microsoft.com/office/drawing/2014/main" id="{ED007BD7-ED56-4566-B1FF-707160024A6E}"/>
+                </a:ext>
+                <a:ext uri="{C183D7F6-B498-43B3-948B-1728B52AA6E4}">
+                  <adec:decorative xmlns:adec="http://schemas.microsoft.com/office/drawing/2017/decorative" val="1"/>
+                </a:ext>
+              </a:extLst>
+            </p:cNvPr>
+            <p:cNvSpPr/>
+            <p:nvPr>
+              <p:extLst>
+                <p:ext uri="{386F3935-93C4-4BCD-93E2-E3B085C9AB24}">
+                  <p16:designElem xmlns:p16="http://schemas.microsoft.com/office/powerpoint/2015/main" val="1"/>
+                </p:ext>
+              </p:extLst>
+            </p:nvPr>
+          </p:nvSpPr>
+          <p:spPr bwMode="auto">
+            <a:xfrm>
+              <a:off x="0" y="3897313"/>
+              <a:ext cx="133350" cy="266700"/>
+            </a:xfrm>
+            <a:custGeom>
+              <a:avLst/>
+              <a:gdLst/>
+              <a:ahLst/>
+              <a:cxnLst/>
+              <a:rect l="0" t="0" r="r" b="b"/>
+              <a:pathLst>
+                <a:path w="84" h="168">
+                  <a:moveTo>
+                    <a:pt x="69" y="168"/>
+                  </a:moveTo>
+                  <a:lnTo>
+                    <a:pt x="0" y="6"/>
+                  </a:lnTo>
+                  <a:lnTo>
+                    <a:pt x="12" y="0"/>
+                  </a:lnTo>
+                  <a:lnTo>
+                    <a:pt x="84" y="162"/>
+                  </a:lnTo>
+                  <a:lnTo>
+                    <a:pt x="69" y="168"/>
+                  </a:lnTo>
+                  <a:close/>
+                </a:path>
+              </a:pathLst>
+            </a:custGeom>
+            <a:grpFill/>
+            <a:ln>
+              <a:noFill/>
+            </a:ln>
+            <a:extLst>
+              <a:ext uri="{91240B29-F687-4f45-9708-019B960494DF}">
+                <a14:hiddenLine xmlns="" xmlns:a16="http://schemas.microsoft.com/office/drawing/2014/main" xmlns:a14="http://schemas.microsoft.com/office/drawing/2010/main" xmlns:p14="http://schemas.microsoft.com/office/powerpoint/2010/main" w="9525">
+                  <a:solidFill>
+                    <a:srgbClr val="000000"/>
+                  </a:solidFill>
+                  <a:round/>
+                  <a:headEnd/>
+                  <a:tailEnd/>
+                </a14:hiddenLine>
+              </a:ext>
+            </a:extLst>
+          </p:spPr>
+        </p:sp>
+        <p:sp>
+          <p:nvSpPr>
+            <p:cNvPr id="95" name="Freeform 26">
+              <a:extLst>
+                <a:ext uri="{FF2B5EF4-FFF2-40B4-BE49-F238E27FC236}">
+                  <a16:creationId xmlns:a16="http://schemas.microsoft.com/office/drawing/2014/main" id="{90AD48D2-5BC8-4C80-B126-B1A201242B8C}"/>
+                </a:ext>
+                <a:ext uri="{C183D7F6-B498-43B3-948B-1728B52AA6E4}">
+                  <adec:decorative xmlns:adec="http://schemas.microsoft.com/office/drawing/2017/decorative" val="1"/>
+                </a:ext>
+              </a:extLst>
+            </p:cNvPr>
+            <p:cNvSpPr>
+              <a:spLocks noEditPoints="1"/>
+            </p:cNvSpPr>
+            <p:nvPr>
+              <p:extLst>
+                <p:ext uri="{386F3935-93C4-4BCD-93E2-E3B085C9AB24}">
+                  <p16:designElem xmlns:p16="http://schemas.microsoft.com/office/powerpoint/2015/main" val="1"/>
+                </p:ext>
+              </p:extLst>
+            </p:nvPr>
+          </p:nvSpPr>
+          <p:spPr bwMode="auto">
+            <a:xfrm>
+              <a:off x="66675" y="4149725"/>
+              <a:ext cx="190500" cy="188913"/>
+            </a:xfrm>
+            <a:custGeom>
+              <a:avLst/>
+              <a:gdLst/>
+              <a:ahLst/>
+              <a:cxnLst/>
+              <a:rect l="0" t="0" r="r" b="b"/>
+              <a:pathLst>
+                <a:path w="40" h="40">
+                  <a:moveTo>
+                    <a:pt x="20" y="40"/>
+                  </a:moveTo>
+                  <a:cubicBezTo>
+                    <a:pt x="9" y="40"/>
+                    <a:pt x="0" y="31"/>
+                    <a:pt x="0" y="20"/>
+                  </a:cubicBezTo>
+                  <a:cubicBezTo>
+                    <a:pt x="0" y="9"/>
+                    <a:pt x="9" y="0"/>
+                    <a:pt x="20" y="0"/>
+                  </a:cubicBezTo>
+                  <a:cubicBezTo>
+                    <a:pt x="31" y="0"/>
+                    <a:pt x="40" y="9"/>
+                    <a:pt x="40" y="20"/>
+                  </a:cubicBezTo>
+                  <a:cubicBezTo>
+                    <a:pt x="40" y="31"/>
+                    <a:pt x="31" y="40"/>
+                    <a:pt x="20" y="40"/>
+                  </a:cubicBezTo>
+                  <a:close/>
+                  <a:moveTo>
+                    <a:pt x="20" y="4"/>
+                  </a:moveTo>
+                  <a:cubicBezTo>
+                    <a:pt x="11" y="4"/>
+                    <a:pt x="4" y="11"/>
+                    <a:pt x="4" y="20"/>
+                  </a:cubicBezTo>
+                  <a:cubicBezTo>
+                    <a:pt x="4" y="28"/>
+                    <a:pt x="11" y="36"/>
+                    <a:pt x="20" y="36"/>
+                  </a:cubicBezTo>
+                  <a:cubicBezTo>
+                    <a:pt x="29" y="36"/>
+                    <a:pt x="36" y="28"/>
+                    <a:pt x="36" y="20"/>
+                  </a:cubicBezTo>
+                  <a:cubicBezTo>
+                    <a:pt x="36" y="11"/>
+                    <a:pt x="29" y="4"/>
+                    <a:pt x="20" y="4"/>
+                  </a:cubicBezTo>
+                  <a:close/>
+                </a:path>
+              </a:pathLst>
+            </a:custGeom>
+            <a:grpFill/>
+            <a:ln>
+              <a:noFill/>
+            </a:ln>
+            <a:extLst>
+              <a:ext uri="{91240B29-F687-4f45-9708-019B960494DF}">
+                <a14:hiddenLine xmlns="" xmlns:a16="http://schemas.microsoft.com/office/drawing/2014/main" xmlns:a14="http://schemas.microsoft.com/office/drawing/2010/main" xmlns:p14="http://schemas.microsoft.com/office/powerpoint/2010/main" w="9525">
+                  <a:solidFill>
+                    <a:srgbClr val="000000"/>
+                  </a:solidFill>
+                  <a:round/>
+                  <a:headEnd/>
+                  <a:tailEnd/>
+                </a14:hiddenLine>
+              </a:ext>
+            </a:extLst>
+          </p:spPr>
+        </p:sp>
+        <p:sp>
+          <p:nvSpPr>
+            <p:cNvPr id="96" name="Freeform 27">
+              <a:extLst>
+                <a:ext uri="{FF2B5EF4-FFF2-40B4-BE49-F238E27FC236}">
+                  <a16:creationId xmlns:a16="http://schemas.microsoft.com/office/drawing/2014/main" id="{BE14C82F-9F35-4D61-B758-7BCE32DECBF9}"/>
+                </a:ext>
+                <a:ext uri="{C183D7F6-B498-43B3-948B-1728B52AA6E4}">
+                  <adec:decorative xmlns:adec="http://schemas.microsoft.com/office/drawing/2017/decorative" val="1"/>
+                </a:ext>
+              </a:extLst>
+            </p:cNvPr>
+            <p:cNvSpPr/>
+            <p:nvPr>
+              <p:extLst>
+                <p:ext uri="{386F3935-93C4-4BCD-93E2-E3B085C9AB24}">
+                  <p16:designElem xmlns:p16="http://schemas.microsoft.com/office/powerpoint/2015/main" val="1"/>
+                </p:ext>
+              </p:extLst>
+            </p:nvPr>
+          </p:nvSpPr>
+          <p:spPr bwMode="auto">
+            <a:xfrm>
+              <a:off x="0" y="1644650"/>
+              <a:ext cx="133350" cy="269875"/>
+            </a:xfrm>
+            <a:custGeom>
+              <a:avLst/>
+              <a:gdLst/>
+              <a:ahLst/>
+              <a:cxnLst/>
+              <a:rect l="0" t="0" r="r" b="b"/>
+              <a:pathLst>
+                <a:path w="84" h="170">
+                  <a:moveTo>
+                    <a:pt x="12" y="170"/>
+                  </a:moveTo>
+                  <a:lnTo>
+                    <a:pt x="0" y="164"/>
+                  </a:lnTo>
+                  <a:lnTo>
+                    <a:pt x="69" y="0"/>
+                  </a:lnTo>
+                  <a:lnTo>
+                    <a:pt x="84" y="6"/>
+                  </a:lnTo>
+                  <a:lnTo>
+                    <a:pt x="12" y="170"/>
+                  </a:lnTo>
+                  <a:close/>
+                </a:path>
+              </a:pathLst>
+            </a:custGeom>
+            <a:grpFill/>
+            <a:ln>
+              <a:noFill/>
+            </a:ln>
+            <a:extLst>
+              <a:ext uri="{91240B29-F687-4f45-9708-019B960494DF}">
+                <a14:hiddenLine xmlns="" xmlns:a16="http://schemas.microsoft.com/office/drawing/2014/main" xmlns:a14="http://schemas.microsoft.com/office/drawing/2010/main" xmlns:p14="http://schemas.microsoft.com/office/powerpoint/2010/main" w="9525">
+                  <a:solidFill>
+                    <a:srgbClr val="000000"/>
+                  </a:solidFill>
+                  <a:round/>
+                  <a:headEnd/>
+                  <a:tailEnd/>
+                </a14:hiddenLine>
+              </a:ext>
+            </a:extLst>
+          </p:spPr>
+        </p:sp>
+        <p:sp>
+          <p:nvSpPr>
+            <p:cNvPr id="97" name="Freeform 28">
+              <a:extLst>
+                <a:ext uri="{FF2B5EF4-FFF2-40B4-BE49-F238E27FC236}">
+                  <a16:creationId xmlns:a16="http://schemas.microsoft.com/office/drawing/2014/main" id="{6540CE06-9028-497A-AC64-CF0ED60A7452}"/>
+                </a:ext>
+                <a:ext uri="{C183D7F6-B498-43B3-948B-1728B52AA6E4}">
+                  <adec:decorative xmlns:adec="http://schemas.microsoft.com/office/drawing/2017/decorative" val="1"/>
+                </a:ext>
+              </a:extLst>
+            </p:cNvPr>
+            <p:cNvSpPr>
+              <a:spLocks noEditPoints="1"/>
+            </p:cNvSpPr>
+            <p:nvPr>
+              <p:extLst>
+                <p:ext uri="{386F3935-93C4-4BCD-93E2-E3B085C9AB24}">
+                  <p16:designElem xmlns:p16="http://schemas.microsoft.com/office/powerpoint/2015/main" val="1"/>
+                </p:ext>
+              </p:extLst>
+            </p:nvPr>
+          </p:nvSpPr>
+          <p:spPr bwMode="auto">
+            <a:xfrm>
+              <a:off x="66675" y="1468438"/>
+              <a:ext cx="190500" cy="190500"/>
+            </a:xfrm>
+            <a:custGeom>
+              <a:avLst/>
+              <a:gdLst/>
+              <a:ahLst/>
+              <a:cxnLst/>
+              <a:rect l="0" t="0" r="r" b="b"/>
+              <a:pathLst>
+                <a:path w="40" h="40">
+                  <a:moveTo>
+                    <a:pt x="20" y="40"/>
+                  </a:moveTo>
+                  <a:cubicBezTo>
+                    <a:pt x="9" y="40"/>
+                    <a:pt x="0" y="31"/>
+                    <a:pt x="0" y="20"/>
+                  </a:cubicBezTo>
+                  <a:cubicBezTo>
+                    <a:pt x="0" y="9"/>
+                    <a:pt x="9" y="0"/>
+                    <a:pt x="20" y="0"/>
+                  </a:cubicBezTo>
+                  <a:cubicBezTo>
+                    <a:pt x="31" y="0"/>
+                    <a:pt x="40" y="9"/>
+                    <a:pt x="40" y="20"/>
+                  </a:cubicBezTo>
+                  <a:cubicBezTo>
+                    <a:pt x="40" y="31"/>
+                    <a:pt x="31" y="40"/>
+                    <a:pt x="20" y="40"/>
+                  </a:cubicBezTo>
+                  <a:close/>
+                  <a:moveTo>
+                    <a:pt x="20" y="4"/>
+                  </a:moveTo>
+                  <a:cubicBezTo>
+                    <a:pt x="11" y="4"/>
+                    <a:pt x="4" y="11"/>
+                    <a:pt x="4" y="20"/>
+                  </a:cubicBezTo>
+                  <a:cubicBezTo>
+                    <a:pt x="4" y="28"/>
+                    <a:pt x="11" y="36"/>
+                    <a:pt x="20" y="36"/>
+                  </a:cubicBezTo>
+                  <a:cubicBezTo>
+                    <a:pt x="29" y="36"/>
+                    <a:pt x="36" y="28"/>
+                    <a:pt x="36" y="20"/>
+                  </a:cubicBezTo>
+                  <a:cubicBezTo>
+                    <a:pt x="36" y="11"/>
+                    <a:pt x="29" y="4"/>
+                    <a:pt x="20" y="4"/>
+                  </a:cubicBezTo>
+                  <a:close/>
+                </a:path>
+              </a:pathLst>
+            </a:custGeom>
+            <a:grpFill/>
+            <a:ln>
+              <a:noFill/>
+            </a:ln>
+            <a:extLst>
+              <a:ext uri="{91240B29-F687-4f45-9708-019B960494DF}">
+                <a14:hiddenLine xmlns="" xmlns:a16="http://schemas.microsoft.com/office/drawing/2014/main" xmlns:a14="http://schemas.microsoft.com/office/drawing/2010/main" xmlns:p14="http://schemas.microsoft.com/office/powerpoint/2010/main" w="9525">
+                  <a:solidFill>
+                    <a:srgbClr val="000000"/>
+                  </a:solidFill>
+                  <a:round/>
+                  <a:headEnd/>
+                  <a:tailEnd/>
+                </a14:hiddenLine>
+              </a:ext>
+            </a:extLst>
+          </p:spPr>
+        </p:sp>
+        <p:sp>
+          <p:nvSpPr>
+            <p:cNvPr id="98" name="Freeform 29">
+              <a:extLst>
+                <a:ext uri="{FF2B5EF4-FFF2-40B4-BE49-F238E27FC236}">
+                  <a16:creationId xmlns:a16="http://schemas.microsoft.com/office/drawing/2014/main" id="{A4825B3B-52CD-4F08-BA02-6C2B0EFEDE92}"/>
+                </a:ext>
+                <a:ext uri="{C183D7F6-B498-43B3-948B-1728B52AA6E4}">
+                  <adec:decorative xmlns:adec="http://schemas.microsoft.com/office/drawing/2017/decorative" val="1"/>
+                </a:ext>
+              </a:extLst>
+            </p:cNvPr>
+            <p:cNvSpPr/>
+            <p:nvPr>
+              <p:extLst>
+                <p:ext uri="{386F3935-93C4-4BCD-93E2-E3B085C9AB24}">
+                  <p16:designElem xmlns:p16="http://schemas.microsoft.com/office/powerpoint/2015/main" val="1"/>
+                </p:ext>
+              </p:extLst>
+            </p:nvPr>
+          </p:nvSpPr>
+          <p:spPr bwMode="auto">
+            <a:xfrm>
+              <a:off x="695325" y="4763"/>
+              <a:ext cx="309563" cy="1558925"/>
+            </a:xfrm>
+            <a:custGeom>
+              <a:avLst/>
+              <a:gdLst/>
+              <a:ahLst/>
+              <a:cxnLst/>
+              <a:rect l="0" t="0" r="r" b="b"/>
+              <a:pathLst>
+                <a:path w="195" h="982">
+                  <a:moveTo>
+                    <a:pt x="195" y="982"/>
+                  </a:moveTo>
+                  <a:lnTo>
+                    <a:pt x="177" y="982"/>
+                  </a:lnTo>
+                  <a:lnTo>
+                    <a:pt x="177" y="805"/>
+                  </a:lnTo>
+                  <a:lnTo>
+                    <a:pt x="0" y="629"/>
+                  </a:lnTo>
+                  <a:lnTo>
+                    <a:pt x="0" y="0"/>
+                  </a:lnTo>
+                  <a:lnTo>
+                    <a:pt x="18" y="0"/>
+                  </a:lnTo>
+                  <a:lnTo>
+                    <a:pt x="18" y="623"/>
+                  </a:lnTo>
+                  <a:lnTo>
+                    <a:pt x="195" y="796"/>
+                  </a:lnTo>
+                  <a:lnTo>
+                    <a:pt x="195" y="982"/>
+                  </a:lnTo>
+                  <a:close/>
+                </a:path>
+              </a:pathLst>
+            </a:custGeom>
+            <a:grpFill/>
+            <a:ln>
+              <a:noFill/>
+            </a:ln>
+            <a:extLst>
+              <a:ext uri="{91240B29-F687-4f45-9708-019B960494DF}">
+                <a14:hiddenLine xmlns="" xmlns:a16="http://schemas.microsoft.com/office/drawing/2014/main" xmlns:a14="http://schemas.microsoft.com/office/drawing/2010/main" xmlns:p14="http://schemas.microsoft.com/office/powerpoint/2010/main" w="9525">
+                  <a:solidFill>
+                    <a:srgbClr val="000000"/>
+                  </a:solidFill>
+                  <a:round/>
+                  <a:headEnd/>
+                  <a:tailEnd/>
+                </a14:hiddenLine>
+              </a:ext>
+            </a:extLst>
+          </p:spPr>
+        </p:sp>
+        <p:sp>
+          <p:nvSpPr>
+            <p:cNvPr id="99" name="Freeform 30">
+              <a:extLst>
+                <a:ext uri="{FF2B5EF4-FFF2-40B4-BE49-F238E27FC236}">
+                  <a16:creationId xmlns:a16="http://schemas.microsoft.com/office/drawing/2014/main" id="{6877A5EF-B8B8-44D3-AA57-4BBF89206D34}"/>
+                </a:ext>
+                <a:ext uri="{C183D7F6-B498-43B3-948B-1728B52AA6E4}">
+                  <adec:decorative xmlns:adec="http://schemas.microsoft.com/office/drawing/2017/decorative" val="1"/>
+                </a:ext>
+              </a:extLst>
+            </p:cNvPr>
+            <p:cNvSpPr>
+              <a:spLocks noEditPoints="1"/>
+            </p:cNvSpPr>
+            <p:nvPr>
+              <p:extLst>
+                <p:ext uri="{386F3935-93C4-4BCD-93E2-E3B085C9AB24}">
+                  <p16:designElem xmlns:p16="http://schemas.microsoft.com/office/powerpoint/2015/main" val="1"/>
+                </p:ext>
+              </p:extLst>
+            </p:nvPr>
+          </p:nvSpPr>
+          <p:spPr bwMode="auto">
+            <a:xfrm>
+              <a:off x="57150" y="4881563"/>
+              <a:ext cx="190500" cy="188913"/>
+            </a:xfrm>
+            <a:custGeom>
+              <a:avLst/>
+              <a:gdLst/>
+              <a:ahLst/>
+              <a:cxnLst/>
+              <a:rect l="0" t="0" r="r" b="b"/>
+              <a:pathLst>
+                <a:path w="40" h="40">
+                  <a:moveTo>
+                    <a:pt x="20" y="40"/>
+                  </a:moveTo>
+                  <a:cubicBezTo>
+                    <a:pt x="9" y="40"/>
+                    <a:pt x="0" y="31"/>
+                    <a:pt x="0" y="20"/>
+                  </a:cubicBezTo>
+                  <a:cubicBezTo>
+                    <a:pt x="0" y="9"/>
+                    <a:pt x="9" y="0"/>
+                    <a:pt x="20" y="0"/>
+                  </a:cubicBezTo>
+                  <a:cubicBezTo>
+                    <a:pt x="31" y="0"/>
+                    <a:pt x="40" y="9"/>
+                    <a:pt x="40" y="20"/>
+                  </a:cubicBezTo>
+                  <a:cubicBezTo>
+                    <a:pt x="40" y="31"/>
+                    <a:pt x="31" y="40"/>
+                    <a:pt x="20" y="40"/>
+                  </a:cubicBezTo>
+                  <a:close/>
+                  <a:moveTo>
+                    <a:pt x="20" y="4"/>
+                  </a:moveTo>
+                  <a:cubicBezTo>
+                    <a:pt x="12" y="4"/>
+                    <a:pt x="4" y="11"/>
+                    <a:pt x="4" y="20"/>
+                  </a:cubicBezTo>
+                  <a:cubicBezTo>
+                    <a:pt x="4" y="29"/>
+                    <a:pt x="12" y="36"/>
+                    <a:pt x="20" y="36"/>
+                  </a:cubicBezTo>
+                  <a:cubicBezTo>
+                    <a:pt x="29" y="36"/>
+                    <a:pt x="36" y="29"/>
+                    <a:pt x="36" y="20"/>
+                  </a:cubicBezTo>
+                  <a:cubicBezTo>
+                    <a:pt x="36" y="11"/>
+                    <a:pt x="29" y="4"/>
+                    <a:pt x="20" y="4"/>
+                  </a:cubicBezTo>
+                  <a:close/>
+                </a:path>
+              </a:pathLst>
+            </a:custGeom>
+            <a:grpFill/>
+            <a:ln>
+              <a:noFill/>
+            </a:ln>
+            <a:extLst>
+              <a:ext uri="{91240B29-F687-4f45-9708-019B960494DF}">
+                <a14:hiddenLine xmlns="" xmlns:a16="http://schemas.microsoft.com/office/drawing/2014/main" xmlns:a14="http://schemas.microsoft.com/office/drawing/2010/main" xmlns:p14="http://schemas.microsoft.com/office/powerpoint/2010/main" w="9525">
+                  <a:solidFill>
+                    <a:srgbClr val="000000"/>
+                  </a:solidFill>
+                  <a:round/>
+                  <a:headEnd/>
+                  <a:tailEnd/>
+                </a14:hiddenLine>
+              </a:ext>
+            </a:extLst>
+          </p:spPr>
+        </p:sp>
+        <p:sp>
+          <p:nvSpPr>
+            <p:cNvPr id="100" name="Freeform 31">
+              <a:extLst>
+                <a:ext uri="{FF2B5EF4-FFF2-40B4-BE49-F238E27FC236}">
+                  <a16:creationId xmlns:a16="http://schemas.microsoft.com/office/drawing/2014/main" id="{00BB365C-9180-4208-92CF-AB6A88848CF7}"/>
+                </a:ext>
+                <a:ext uri="{C183D7F6-B498-43B3-948B-1728B52AA6E4}">
+                  <adec:decorative xmlns:adec="http://schemas.microsoft.com/office/drawing/2017/decorative" val="1"/>
+                </a:ext>
+              </a:extLst>
+            </p:cNvPr>
+            <p:cNvSpPr/>
+            <p:nvPr>
+              <p:extLst>
+                <p:ext uri="{386F3935-93C4-4BCD-93E2-E3B085C9AB24}">
+                  <p16:designElem xmlns:p16="http://schemas.microsoft.com/office/powerpoint/2015/main" val="1"/>
+                </p:ext>
+              </p:extLst>
+            </p:nvPr>
+          </p:nvSpPr>
+          <p:spPr bwMode="auto">
+            <a:xfrm>
+              <a:off x="138113" y="5060950"/>
+              <a:ext cx="304800" cy="1778000"/>
+            </a:xfrm>
+            <a:custGeom>
+              <a:avLst/>
+              <a:gdLst/>
+              <a:ahLst/>
+              <a:cxnLst/>
+              <a:rect l="0" t="0" r="r" b="b"/>
+              <a:pathLst>
+                <a:path w="192" h="1120">
+                  <a:moveTo>
+                    <a:pt x="192" y="1120"/>
+                  </a:moveTo>
+                  <a:lnTo>
+                    <a:pt x="177" y="1120"/>
+                  </a:lnTo>
+                  <a:lnTo>
+                    <a:pt x="177" y="360"/>
+                  </a:lnTo>
+                  <a:lnTo>
+                    <a:pt x="0" y="183"/>
+                  </a:lnTo>
+                  <a:lnTo>
+                    <a:pt x="0" y="0"/>
+                  </a:lnTo>
+                  <a:lnTo>
+                    <a:pt x="15" y="0"/>
+                  </a:lnTo>
+                  <a:lnTo>
+                    <a:pt x="15" y="177"/>
+                  </a:lnTo>
+                  <a:lnTo>
+                    <a:pt x="192" y="354"/>
+                  </a:lnTo>
+                  <a:lnTo>
+                    <a:pt x="192" y="1120"/>
+                  </a:lnTo>
+                  <a:close/>
+                </a:path>
+              </a:pathLst>
+            </a:custGeom>
+            <a:grpFill/>
+            <a:ln>
+              <a:noFill/>
+            </a:ln>
+            <a:extLst>
+              <a:ext uri="{91240B29-F687-4f45-9708-019B960494DF}">
+                <a14:hiddenLine xmlns="" xmlns:a16="http://schemas.microsoft.com/office/drawing/2014/main" xmlns:a14="http://schemas.microsoft.com/office/drawing/2010/main" xmlns:p14="http://schemas.microsoft.com/office/powerpoint/2010/main" w="9525">
+                  <a:solidFill>
+                    <a:srgbClr val="000000"/>
+                  </a:solidFill>
+                  <a:round/>
+                  <a:headEnd/>
+                  <a:tailEnd/>
+                </a14:hiddenLine>
+              </a:ext>
+            </a:extLst>
+          </p:spPr>
+        </p:sp>
+        <p:sp>
+          <p:nvSpPr>
+            <p:cNvPr id="101" name="Freeform 32">
+              <a:extLst>
+                <a:ext uri="{FF2B5EF4-FFF2-40B4-BE49-F238E27FC236}">
+                  <a16:creationId xmlns:a16="http://schemas.microsoft.com/office/drawing/2014/main" id="{8D1134D2-53A6-41D5-AC1A-5254A2FBD08A}"/>
+                </a:ext>
+                <a:ext uri="{C183D7F6-B498-43B3-948B-1728B52AA6E4}">
+                  <adec:decorative xmlns:adec="http://schemas.microsoft.com/office/drawing/2017/decorative" val="1"/>
+                </a:ext>
+              </a:extLst>
+            </p:cNvPr>
+            <p:cNvSpPr>
+              <a:spLocks noEditPoints="1"/>
+            </p:cNvSpPr>
+            <p:nvPr>
+              <p:extLst>
+                <p:ext uri="{386F3935-93C4-4BCD-93E2-E3B085C9AB24}">
+                  <p16:designElem xmlns:p16="http://schemas.microsoft.com/office/powerpoint/2015/main" val="1"/>
+                </p:ext>
+              </p:extLst>
+            </p:nvPr>
+          </p:nvSpPr>
+          <p:spPr bwMode="auto">
+            <a:xfrm>
+              <a:off x="561975" y="6430963"/>
+              <a:ext cx="190500" cy="188913"/>
+            </a:xfrm>
+            <a:custGeom>
+              <a:avLst/>
+              <a:gdLst/>
+              <a:ahLst/>
+              <a:cxnLst/>
+              <a:rect l="0" t="0" r="r" b="b"/>
+              <a:pathLst>
+                <a:path w="40" h="40">
+                  <a:moveTo>
+                    <a:pt x="20" y="40"/>
+                  </a:moveTo>
+                  <a:cubicBezTo>
+                    <a:pt x="9" y="40"/>
+                    <a:pt x="0" y="31"/>
+                    <a:pt x="0" y="20"/>
+                  </a:cubicBezTo>
+                  <a:cubicBezTo>
+                    <a:pt x="0" y="9"/>
+                    <a:pt x="9" y="0"/>
+                    <a:pt x="20" y="0"/>
+                  </a:cubicBezTo>
+                  <a:cubicBezTo>
+                    <a:pt x="31" y="0"/>
+                    <a:pt x="40" y="9"/>
+                    <a:pt x="40" y="20"/>
+                  </a:cubicBezTo>
+                  <a:cubicBezTo>
+                    <a:pt x="40" y="31"/>
+                    <a:pt x="31" y="40"/>
+                    <a:pt x="20" y="40"/>
+                  </a:cubicBezTo>
+                  <a:close/>
+                  <a:moveTo>
+                    <a:pt x="20" y="4"/>
+                  </a:moveTo>
+                  <a:cubicBezTo>
+                    <a:pt x="12" y="4"/>
+                    <a:pt x="4" y="11"/>
+                    <a:pt x="4" y="20"/>
+                  </a:cubicBezTo>
+                  <a:cubicBezTo>
+                    <a:pt x="4" y="29"/>
+                    <a:pt x="12" y="36"/>
+                    <a:pt x="20" y="36"/>
+                  </a:cubicBezTo>
+                  <a:cubicBezTo>
+                    <a:pt x="29" y="36"/>
+                    <a:pt x="36" y="29"/>
+                    <a:pt x="36" y="20"/>
+                  </a:cubicBezTo>
+                  <a:cubicBezTo>
+                    <a:pt x="36" y="11"/>
+                    <a:pt x="29" y="4"/>
+                    <a:pt x="20" y="4"/>
+                  </a:cubicBezTo>
+                  <a:close/>
+                </a:path>
+              </a:pathLst>
+            </a:custGeom>
+            <a:grpFill/>
+            <a:ln>
+              <a:noFill/>
+            </a:ln>
+            <a:extLst>
+              <a:ext uri="{91240B29-F687-4f45-9708-019B960494DF}">
+                <a14:hiddenLine xmlns="" xmlns:a16="http://schemas.microsoft.com/office/drawing/2014/main" xmlns:a14="http://schemas.microsoft.com/office/drawing/2010/main" xmlns:p14="http://schemas.microsoft.com/office/powerpoint/2010/main" w="9525">
+                  <a:solidFill>
+                    <a:srgbClr val="000000"/>
+                  </a:solidFill>
+                  <a:round/>
+                  <a:headEnd/>
+                  <a:tailEnd/>
+                </a14:hiddenLine>
+              </a:ext>
+            </a:extLst>
+          </p:spPr>
+        </p:sp>
+        <p:sp>
+          <p:nvSpPr>
+            <p:cNvPr id="102" name="Rectangle 33">
+              <a:extLst>
+                <a:ext uri="{FF2B5EF4-FFF2-40B4-BE49-F238E27FC236}">
+                  <a16:creationId xmlns:a16="http://schemas.microsoft.com/office/drawing/2014/main" id="{24C7FA73-07CD-479A-9B9E-DAD4D3B2BFC0}"/>
+                </a:ext>
+                <a:ext uri="{C183D7F6-B498-43B3-948B-1728B52AA6E4}">
+                  <adec:decorative xmlns:adec="http://schemas.microsoft.com/office/drawing/2017/decorative" val="1"/>
+                </a:ext>
+              </a:extLst>
+            </p:cNvPr>
+            <p:cNvSpPr>
+              <a:spLocks noChangeArrowheads="1"/>
+            </p:cNvSpPr>
+            <p:nvPr>
+              <p:extLst>
+                <p:ext uri="{386F3935-93C4-4BCD-93E2-E3B085C9AB24}">
+                  <p16:designElem xmlns:p16="http://schemas.microsoft.com/office/powerpoint/2015/main" val="1"/>
+                </p:ext>
+              </p:extLst>
+            </p:nvPr>
+          </p:nvSpPr>
+          <p:spPr bwMode="auto">
+            <a:xfrm>
+              <a:off x="642938" y="6610350"/>
+              <a:ext cx="23813" cy="242888"/>
+            </a:xfrm>
+            <a:prstGeom prst="rect">
+              <a:avLst/>
+            </a:prstGeom>
+            <a:grpFill/>
+            <a:ln>
+              <a:noFill/>
+            </a:ln>
+            <a:extLst>
+              <a:ext uri="{91240B29-F687-4f45-9708-019B960494DF}">
+                <a14:hiddenLine xmlns="" xmlns:a16="http://schemas.microsoft.com/office/drawing/2014/main" xmlns:a14="http://schemas.microsoft.com/office/drawing/2010/main" xmlns:p14="http://schemas.microsoft.com/office/powerpoint/2010/main" w="9525">
+                  <a:solidFill>
+                    <a:srgbClr val="000000"/>
+                  </a:solidFill>
+                  <a:miter lim="800000"/>
+                  <a:headEnd/>
+                  <a:tailEnd/>
+                </a14:hiddenLine>
+              </a:ext>
+            </a:extLst>
+          </p:spPr>
+        </p:sp>
+        <p:sp>
+          <p:nvSpPr>
+            <p:cNvPr id="103" name="Freeform 34">
+              <a:extLst>
+                <a:ext uri="{FF2B5EF4-FFF2-40B4-BE49-F238E27FC236}">
+                  <a16:creationId xmlns:a16="http://schemas.microsoft.com/office/drawing/2014/main" id="{AB24DF92-B081-4701-B58D-913261A00D7D}"/>
+                </a:ext>
+                <a:ext uri="{C183D7F6-B498-43B3-948B-1728B52AA6E4}">
+                  <adec:decorative xmlns:adec="http://schemas.microsoft.com/office/drawing/2017/decorative" val="1"/>
+                </a:ext>
+              </a:extLst>
+            </p:cNvPr>
+            <p:cNvSpPr>
+              <a:spLocks noEditPoints="1"/>
+            </p:cNvSpPr>
+            <p:nvPr>
+              <p:extLst>
+                <p:ext uri="{386F3935-93C4-4BCD-93E2-E3B085C9AB24}">
+                  <p16:designElem xmlns:p16="http://schemas.microsoft.com/office/powerpoint/2015/main" val="1"/>
+                </p:ext>
+              </p:extLst>
+            </p:nvPr>
+          </p:nvSpPr>
+          <p:spPr bwMode="auto">
+            <a:xfrm>
+              <a:off x="76200" y="6430963"/>
+              <a:ext cx="190500" cy="188913"/>
+            </a:xfrm>
+            <a:custGeom>
+              <a:avLst/>
+              <a:gdLst/>
+              <a:ahLst/>
+              <a:cxnLst/>
+              <a:rect l="0" t="0" r="r" b="b"/>
+              <a:pathLst>
+                <a:path w="40" h="40">
+                  <a:moveTo>
+                    <a:pt x="20" y="40"/>
+                  </a:moveTo>
+                  <a:cubicBezTo>
+                    <a:pt x="9" y="40"/>
+                    <a:pt x="0" y="31"/>
+                    <a:pt x="0" y="20"/>
+                  </a:cubicBezTo>
+                  <a:cubicBezTo>
+                    <a:pt x="0" y="9"/>
+                    <a:pt x="9" y="0"/>
+                    <a:pt x="20" y="0"/>
+                  </a:cubicBezTo>
+                  <a:cubicBezTo>
+                    <a:pt x="32" y="0"/>
+                    <a:pt x="40" y="9"/>
+                    <a:pt x="40" y="20"/>
+                  </a:cubicBezTo>
+                  <a:cubicBezTo>
+                    <a:pt x="40" y="31"/>
+                    <a:pt x="32" y="40"/>
+                    <a:pt x="20" y="40"/>
+                  </a:cubicBezTo>
+                  <a:close/>
+                  <a:moveTo>
+                    <a:pt x="20" y="4"/>
+                  </a:moveTo>
+                  <a:cubicBezTo>
+                    <a:pt x="12" y="4"/>
+                    <a:pt x="4" y="11"/>
+                    <a:pt x="4" y="20"/>
+                  </a:cubicBezTo>
+                  <a:cubicBezTo>
+                    <a:pt x="4" y="29"/>
+                    <a:pt x="12" y="36"/>
+                    <a:pt x="20" y="36"/>
+                  </a:cubicBezTo>
+                  <a:cubicBezTo>
+                    <a:pt x="29" y="36"/>
+                    <a:pt x="36" y="29"/>
+                    <a:pt x="36" y="20"/>
+                  </a:cubicBezTo>
+                  <a:cubicBezTo>
+                    <a:pt x="36" y="11"/>
+                    <a:pt x="29" y="4"/>
+                    <a:pt x="20" y="4"/>
+                  </a:cubicBezTo>
+                  <a:close/>
+                </a:path>
+              </a:pathLst>
+            </a:custGeom>
+            <a:grpFill/>
+            <a:ln>
+              <a:noFill/>
+            </a:ln>
+            <a:extLst>
+              <a:ext uri="{91240B29-F687-4f45-9708-019B960494DF}">
+                <a14:hiddenLine xmlns="" xmlns:a16="http://schemas.microsoft.com/office/drawing/2014/main" xmlns:a14="http://schemas.microsoft.com/office/drawing/2010/main" xmlns:p14="http://schemas.microsoft.com/office/powerpoint/2010/main" w="9525">
+                  <a:solidFill>
+                    <a:srgbClr val="000000"/>
+                  </a:solidFill>
+                  <a:round/>
+                  <a:headEnd/>
+                  <a:tailEnd/>
+                </a14:hiddenLine>
+              </a:ext>
+            </a:extLst>
+          </p:spPr>
+        </p:sp>
+        <p:sp>
+          <p:nvSpPr>
+            <p:cNvPr id="104" name="Freeform 35">
+              <a:extLst>
+                <a:ext uri="{FF2B5EF4-FFF2-40B4-BE49-F238E27FC236}">
+                  <a16:creationId xmlns:a16="http://schemas.microsoft.com/office/drawing/2014/main" id="{AB4DF275-6B82-4AA9-A7A9-138E631E30B7}"/>
+                </a:ext>
+                <a:ext uri="{C183D7F6-B498-43B3-948B-1728B52AA6E4}">
+                  <adec:decorative xmlns:adec="http://schemas.microsoft.com/office/drawing/2017/decorative" val="1"/>
+                </a:ext>
+              </a:extLst>
+            </p:cNvPr>
+            <p:cNvSpPr/>
+            <p:nvPr>
+              <p:extLst>
+                <p:ext uri="{386F3935-93C4-4BCD-93E2-E3B085C9AB24}">
+                  <p16:designElem xmlns:p16="http://schemas.microsoft.com/office/powerpoint/2015/main" val="1"/>
+                </p:ext>
+              </p:extLst>
+            </p:nvPr>
+          </p:nvSpPr>
+          <p:spPr bwMode="auto">
+            <a:xfrm>
+              <a:off x="0" y="5978525"/>
+              <a:ext cx="190500" cy="461963"/>
+            </a:xfrm>
+            <a:custGeom>
+              <a:avLst/>
+              <a:gdLst/>
+              <a:ahLst/>
+              <a:cxnLst/>
+              <a:rect l="0" t="0" r="r" b="b"/>
+              <a:pathLst>
+                <a:path w="120" h="291">
+                  <a:moveTo>
+                    <a:pt x="120" y="291"/>
+                  </a:moveTo>
+                  <a:lnTo>
+                    <a:pt x="105" y="291"/>
+                  </a:lnTo>
+                  <a:lnTo>
+                    <a:pt x="105" y="114"/>
+                  </a:lnTo>
+                  <a:lnTo>
+                    <a:pt x="0" y="9"/>
+                  </a:lnTo>
+                  <a:lnTo>
+                    <a:pt x="12" y="0"/>
+                  </a:lnTo>
+                  <a:lnTo>
+                    <a:pt x="120" y="108"/>
+                  </a:lnTo>
+                  <a:lnTo>
+                    <a:pt x="120" y="291"/>
+                  </a:lnTo>
+                  <a:close/>
+                </a:path>
+              </a:pathLst>
+            </a:custGeom>
+            <a:grpFill/>
+            <a:ln>
+              <a:noFill/>
+            </a:ln>
+            <a:extLst>
+              <a:ext uri="{91240B29-F687-4f45-9708-019B960494DF}">
+                <a14:hiddenLine xmlns="" xmlns:a16="http://schemas.microsoft.com/office/drawing/2014/main" xmlns:a14="http://schemas.microsoft.com/office/drawing/2010/main" xmlns:p14="http://schemas.microsoft.com/office/powerpoint/2010/main" w="9525">
+                  <a:solidFill>
+                    <a:srgbClr val="000000"/>
+                  </a:solidFill>
+                  <a:round/>
+                  <a:headEnd/>
+                  <a:tailEnd/>
+                </a14:hiddenLine>
+              </a:ext>
+            </a:extLst>
+          </p:spPr>
+        </p:sp>
+        <p:sp>
+          <p:nvSpPr>
+            <p:cNvPr id="105" name="Freeform 36">
+              <a:extLst>
+                <a:ext uri="{FF2B5EF4-FFF2-40B4-BE49-F238E27FC236}">
+                  <a16:creationId xmlns:a16="http://schemas.microsoft.com/office/drawing/2014/main" id="{972A3812-16AD-453E-B1E6-9F39894F79AB}"/>
+                </a:ext>
+                <a:ext uri="{C183D7F6-B498-43B3-948B-1728B52AA6E4}">
+                  <adec:decorative xmlns:adec="http://schemas.microsoft.com/office/drawing/2017/decorative" val="1"/>
+                </a:ext>
+              </a:extLst>
+            </p:cNvPr>
+            <p:cNvSpPr/>
+            <p:nvPr>
+              <p:extLst>
+                <p:ext uri="{386F3935-93C4-4BCD-93E2-E3B085C9AB24}">
+                  <p16:designElem xmlns:p16="http://schemas.microsoft.com/office/powerpoint/2015/main" val="1"/>
+                </p:ext>
+              </p:extLst>
+            </p:nvPr>
+          </p:nvSpPr>
+          <p:spPr bwMode="auto">
+            <a:xfrm>
+              <a:off x="1014413" y="1801813"/>
+              <a:ext cx="214313" cy="755650"/>
+            </a:xfrm>
+            <a:custGeom>
+              <a:avLst/>
+              <a:gdLst/>
+              <a:ahLst/>
+              <a:cxnLst/>
+              <a:rect l="0" t="0" r="r" b="b"/>
+              <a:pathLst>
+                <a:path w="135" h="476">
+                  <a:moveTo>
+                    <a:pt x="12" y="476"/>
+                  </a:moveTo>
+                  <a:lnTo>
+                    <a:pt x="0" y="476"/>
+                  </a:lnTo>
+                  <a:lnTo>
+                    <a:pt x="0" y="128"/>
+                  </a:lnTo>
+                  <a:lnTo>
+                    <a:pt x="126" y="0"/>
+                  </a:lnTo>
+                  <a:lnTo>
+                    <a:pt x="135" y="9"/>
+                  </a:lnTo>
+                  <a:lnTo>
+                    <a:pt x="12" y="131"/>
+                  </a:lnTo>
+                  <a:lnTo>
+                    <a:pt x="12" y="476"/>
+                  </a:lnTo>
+                  <a:close/>
+                </a:path>
+              </a:pathLst>
+            </a:custGeom>
+            <a:grpFill/>
+            <a:ln>
+              <a:noFill/>
+            </a:ln>
+            <a:extLst>
+              <a:ext uri="{91240B29-F687-4f45-9708-019B960494DF}">
+                <a14:hiddenLine xmlns="" xmlns:a16="http://schemas.microsoft.com/office/drawing/2014/main" xmlns:a14="http://schemas.microsoft.com/office/drawing/2010/main" xmlns:p14="http://schemas.microsoft.com/office/powerpoint/2010/main" w="9525">
+                  <a:solidFill>
+                    <a:srgbClr val="000000"/>
+                  </a:solidFill>
+                  <a:round/>
+                  <a:headEnd/>
+                  <a:tailEnd/>
+                </a14:hiddenLine>
+              </a:ext>
+            </a:extLst>
+          </p:spPr>
+        </p:sp>
+        <p:sp>
+          <p:nvSpPr>
+            <p:cNvPr id="106" name="Freeform 37">
+              <a:extLst>
+                <a:ext uri="{FF2B5EF4-FFF2-40B4-BE49-F238E27FC236}">
+                  <a16:creationId xmlns:a16="http://schemas.microsoft.com/office/drawing/2014/main" id="{8FB6759A-BAD8-4073-86A2-6DDD73DE2AF2}"/>
+                </a:ext>
+                <a:ext uri="{C183D7F6-B498-43B3-948B-1728B52AA6E4}">
+                  <adec:decorative xmlns:adec="http://schemas.microsoft.com/office/drawing/2017/decorative" val="1"/>
+                </a:ext>
+              </a:extLst>
+            </p:cNvPr>
+            <p:cNvSpPr>
+              <a:spLocks noEditPoints="1"/>
+            </p:cNvSpPr>
+            <p:nvPr>
+              <p:extLst>
+                <p:ext uri="{386F3935-93C4-4BCD-93E2-E3B085C9AB24}">
+                  <p16:designElem xmlns:p16="http://schemas.microsoft.com/office/powerpoint/2015/main" val="1"/>
+                </p:ext>
+              </p:extLst>
+            </p:nvPr>
+          </p:nvSpPr>
+          <p:spPr bwMode="auto">
+            <a:xfrm>
+              <a:off x="938213" y="2547938"/>
+              <a:ext cx="166688" cy="160338"/>
+            </a:xfrm>
+            <a:custGeom>
+              <a:avLst/>
+              <a:gdLst/>
+              <a:ahLst/>
+              <a:cxnLst/>
+              <a:rect l="0" t="0" r="r" b="b"/>
+              <a:pathLst>
+                <a:path w="35" h="34">
+                  <a:moveTo>
+                    <a:pt x="18" y="34"/>
+                  </a:moveTo>
+                  <a:cubicBezTo>
+                    <a:pt x="8" y="34"/>
+                    <a:pt x="0" y="26"/>
+                    <a:pt x="0" y="17"/>
+                  </a:cubicBezTo>
+                  <a:cubicBezTo>
+                    <a:pt x="0" y="7"/>
+                    <a:pt x="8" y="0"/>
+                    <a:pt x="18" y="0"/>
+                  </a:cubicBezTo>
+                  <a:cubicBezTo>
+                    <a:pt x="27" y="0"/>
+                    <a:pt x="35" y="7"/>
+                    <a:pt x="35" y="17"/>
+                  </a:cubicBezTo>
+                  <a:cubicBezTo>
+                    <a:pt x="35" y="26"/>
+                    <a:pt x="27" y="34"/>
+                    <a:pt x="18" y="34"/>
+                  </a:cubicBezTo>
+                  <a:close/>
+                  <a:moveTo>
+                    <a:pt x="18" y="4"/>
+                  </a:moveTo>
+                  <a:cubicBezTo>
+                    <a:pt x="10" y="4"/>
+                    <a:pt x="4" y="10"/>
+                    <a:pt x="4" y="17"/>
+                  </a:cubicBezTo>
+                  <a:cubicBezTo>
+                    <a:pt x="4" y="24"/>
+                    <a:pt x="10" y="30"/>
+                    <a:pt x="18" y="30"/>
+                  </a:cubicBezTo>
+                  <a:cubicBezTo>
+                    <a:pt x="25" y="30"/>
+                    <a:pt x="31" y="24"/>
+                    <a:pt x="31" y="17"/>
+                  </a:cubicBezTo>
+                  <a:cubicBezTo>
+                    <a:pt x="31" y="10"/>
+                    <a:pt x="25" y="4"/>
+                    <a:pt x="18" y="4"/>
+                  </a:cubicBezTo>
+                  <a:close/>
+                </a:path>
+              </a:pathLst>
+            </a:custGeom>
+            <a:grpFill/>
+            <a:ln>
+              <a:noFill/>
+            </a:ln>
+            <a:extLst>
+              <a:ext uri="{91240B29-F687-4f45-9708-019B960494DF}">
+                <a14:hiddenLine xmlns="" xmlns:a16="http://schemas.microsoft.com/office/drawing/2014/main" xmlns:a14="http://schemas.microsoft.com/office/drawing/2010/main" xmlns:p14="http://schemas.microsoft.com/office/powerpoint/2010/main" w="9525">
+                  <a:solidFill>
+                    <a:srgbClr val="000000"/>
+                  </a:solidFill>
+                  <a:round/>
+                  <a:headEnd/>
+                  <a:tailEnd/>
+                </a14:hiddenLine>
+              </a:ext>
+            </a:extLst>
+          </p:spPr>
+        </p:sp>
+        <p:sp>
+          <p:nvSpPr>
+            <p:cNvPr id="107" name="Freeform 38">
+              <a:extLst>
+                <a:ext uri="{FF2B5EF4-FFF2-40B4-BE49-F238E27FC236}">
+                  <a16:creationId xmlns:a16="http://schemas.microsoft.com/office/drawing/2014/main" id="{9FCCB0F4-1178-47C1-9EE2-234EA715C16F}"/>
+                </a:ext>
+                <a:ext uri="{C183D7F6-B498-43B3-948B-1728B52AA6E4}">
+                  <adec:decorative xmlns:adec="http://schemas.microsoft.com/office/drawing/2017/decorative" val="1"/>
+                </a:ext>
+              </a:extLst>
+            </p:cNvPr>
+            <p:cNvSpPr/>
+            <p:nvPr>
+              <p:extLst>
+                <p:ext uri="{386F3935-93C4-4BCD-93E2-E3B085C9AB24}">
+                  <p16:designElem xmlns:p16="http://schemas.microsoft.com/office/powerpoint/2015/main" val="1"/>
+                </p:ext>
+              </p:extLst>
+            </p:nvPr>
+          </p:nvSpPr>
+          <p:spPr bwMode="auto">
+            <a:xfrm>
+              <a:off x="595313" y="4763"/>
+              <a:ext cx="638175" cy="4025900"/>
+            </a:xfrm>
+            <a:custGeom>
+              <a:avLst/>
+              <a:gdLst/>
+              <a:ahLst/>
+              <a:cxnLst/>
+              <a:rect l="0" t="0" r="r" b="b"/>
+              <a:pathLst>
+                <a:path w="402" h="2536">
+                  <a:moveTo>
+                    <a:pt x="402" y="2536"/>
+                  </a:moveTo>
+                  <a:lnTo>
+                    <a:pt x="387" y="2536"/>
+                  </a:lnTo>
+                  <a:lnTo>
+                    <a:pt x="387" y="2311"/>
+                  </a:lnTo>
+                  <a:lnTo>
+                    <a:pt x="0" y="1925"/>
+                  </a:lnTo>
+                  <a:lnTo>
+                    <a:pt x="0" y="0"/>
+                  </a:lnTo>
+                  <a:lnTo>
+                    <a:pt x="15" y="0"/>
+                  </a:lnTo>
+                  <a:lnTo>
+                    <a:pt x="15" y="1916"/>
+                  </a:lnTo>
+                  <a:lnTo>
+                    <a:pt x="402" y="2302"/>
+                  </a:lnTo>
+                  <a:lnTo>
+                    <a:pt x="402" y="2536"/>
+                  </a:lnTo>
+                  <a:close/>
+                </a:path>
+              </a:pathLst>
+            </a:custGeom>
+            <a:grpFill/>
+            <a:ln>
+              <a:noFill/>
+            </a:ln>
+            <a:extLst>
+              <a:ext uri="{91240B29-F687-4f45-9708-019B960494DF}">
+                <a14:hiddenLine xmlns="" xmlns:a16="http://schemas.microsoft.com/office/drawing/2014/main" xmlns:a14="http://schemas.microsoft.com/office/drawing/2010/main" xmlns:p14="http://schemas.microsoft.com/office/powerpoint/2010/main" w="9525">
+                  <a:solidFill>
+                    <a:srgbClr val="000000"/>
+                  </a:solidFill>
+                  <a:round/>
+                  <a:headEnd/>
+                  <a:tailEnd/>
+                </a14:hiddenLine>
+              </a:ext>
+            </a:extLst>
+          </p:spPr>
+        </p:sp>
+        <p:sp>
+          <p:nvSpPr>
+            <p:cNvPr id="108" name="Freeform 39">
+              <a:extLst>
+                <a:ext uri="{FF2B5EF4-FFF2-40B4-BE49-F238E27FC236}">
+                  <a16:creationId xmlns:a16="http://schemas.microsoft.com/office/drawing/2014/main" id="{CB01BF0B-7EB0-4C18-80BE-20D2EAC04865}"/>
+                </a:ext>
+                <a:ext uri="{C183D7F6-B498-43B3-948B-1728B52AA6E4}">
+                  <adec:decorative xmlns:adec="http://schemas.microsoft.com/office/drawing/2017/decorative" val="1"/>
+                </a:ext>
+              </a:extLst>
+            </p:cNvPr>
+            <p:cNvSpPr/>
+            <p:nvPr>
+              <p:extLst>
+                <p:ext uri="{386F3935-93C4-4BCD-93E2-E3B085C9AB24}">
+                  <p16:designElem xmlns:p16="http://schemas.microsoft.com/office/powerpoint/2015/main" val="1"/>
+                </p:ext>
+              </p:extLst>
+            </p:nvPr>
+          </p:nvSpPr>
+          <p:spPr bwMode="auto">
+            <a:xfrm>
+              <a:off x="1223963" y="1382713"/>
+              <a:ext cx="142875" cy="476250"/>
+            </a:xfrm>
+            <a:custGeom>
+              <a:avLst/>
+              <a:gdLst/>
+              <a:ahLst/>
+              <a:cxnLst/>
+              <a:rect l="0" t="0" r="r" b="b"/>
+              <a:pathLst>
+                <a:path w="90" h="300">
+                  <a:moveTo>
+                    <a:pt x="90" y="300"/>
+                  </a:moveTo>
+                  <a:lnTo>
+                    <a:pt x="78" y="300"/>
+                  </a:lnTo>
+                  <a:lnTo>
+                    <a:pt x="78" y="84"/>
+                  </a:lnTo>
+                  <a:lnTo>
+                    <a:pt x="0" y="9"/>
+                  </a:lnTo>
+                  <a:lnTo>
+                    <a:pt x="9" y="0"/>
+                  </a:lnTo>
+                  <a:lnTo>
+                    <a:pt x="90" y="81"/>
+                  </a:lnTo>
+                  <a:lnTo>
+                    <a:pt x="90" y="300"/>
+                  </a:lnTo>
+                  <a:close/>
+                </a:path>
+              </a:pathLst>
+            </a:custGeom>
+            <a:grpFill/>
+            <a:ln>
+              <a:noFill/>
+            </a:ln>
+            <a:extLst>
+              <a:ext uri="{91240B29-F687-4f45-9708-019B960494DF}">
+                <a14:hiddenLine xmlns="" xmlns:a16="http://schemas.microsoft.com/office/drawing/2014/main" xmlns:a14="http://schemas.microsoft.com/office/drawing/2010/main" xmlns:p14="http://schemas.microsoft.com/office/powerpoint/2010/main" w="9525">
+                  <a:solidFill>
+                    <a:srgbClr val="000000"/>
+                  </a:solidFill>
+                  <a:round/>
+                  <a:headEnd/>
+                  <a:tailEnd/>
+                </a14:hiddenLine>
+              </a:ext>
+            </a:extLst>
+          </p:spPr>
+        </p:sp>
+        <p:sp>
+          <p:nvSpPr>
+            <p:cNvPr id="109" name="Freeform 40">
+              <a:extLst>
+                <a:ext uri="{FF2B5EF4-FFF2-40B4-BE49-F238E27FC236}">
+                  <a16:creationId xmlns:a16="http://schemas.microsoft.com/office/drawing/2014/main" id="{3266E9DA-C937-48E0-8F98-90A467760F12}"/>
+                </a:ext>
+                <a:ext uri="{C183D7F6-B498-43B3-948B-1728B52AA6E4}">
+                  <adec:decorative xmlns:adec="http://schemas.microsoft.com/office/drawing/2017/decorative" val="1"/>
+                </a:ext>
+              </a:extLst>
+            </p:cNvPr>
+            <p:cNvSpPr>
+              <a:spLocks noEditPoints="1"/>
+            </p:cNvSpPr>
+            <p:nvPr>
+              <p:extLst>
+                <p:ext uri="{386F3935-93C4-4BCD-93E2-E3B085C9AB24}">
+                  <p16:designElem xmlns:p16="http://schemas.microsoft.com/office/powerpoint/2015/main" val="1"/>
+                </p:ext>
+              </p:extLst>
+            </p:nvPr>
+          </p:nvSpPr>
+          <p:spPr bwMode="auto">
+            <a:xfrm>
+              <a:off x="1300163" y="1849438"/>
+              <a:ext cx="109538" cy="107950"/>
+            </a:xfrm>
+            <a:custGeom>
+              <a:avLst/>
+              <a:gdLst/>
+              <a:ahLst/>
+              <a:cxnLst/>
+              <a:rect l="0" t="0" r="r" b="b"/>
+              <a:pathLst>
+                <a:path w="23" h="23">
+                  <a:moveTo>
+                    <a:pt x="12" y="23"/>
+                  </a:moveTo>
+                  <a:cubicBezTo>
+                    <a:pt x="5" y="23"/>
+                    <a:pt x="0" y="18"/>
+                    <a:pt x="0" y="12"/>
+                  </a:cubicBezTo>
+                  <a:cubicBezTo>
+                    <a:pt x="0" y="5"/>
+                    <a:pt x="5" y="0"/>
+                    <a:pt x="12" y="0"/>
+                  </a:cubicBezTo>
+                  <a:cubicBezTo>
+                    <a:pt x="18" y="0"/>
+                    <a:pt x="23" y="5"/>
+                    <a:pt x="23" y="12"/>
+                  </a:cubicBezTo>
+                  <a:cubicBezTo>
+                    <a:pt x="23" y="18"/>
+                    <a:pt x="18" y="23"/>
+                    <a:pt x="12" y="23"/>
+                  </a:cubicBezTo>
+                  <a:close/>
+                  <a:moveTo>
+                    <a:pt x="12" y="4"/>
+                  </a:moveTo>
+                  <a:cubicBezTo>
+                    <a:pt x="8" y="4"/>
+                    <a:pt x="4" y="8"/>
+                    <a:pt x="4" y="12"/>
+                  </a:cubicBezTo>
+                  <a:cubicBezTo>
+                    <a:pt x="4" y="16"/>
+                    <a:pt x="8" y="19"/>
+                    <a:pt x="12" y="19"/>
+                  </a:cubicBezTo>
+                  <a:cubicBezTo>
+                    <a:pt x="16" y="19"/>
+                    <a:pt x="19" y="16"/>
+                    <a:pt x="19" y="12"/>
+                  </a:cubicBezTo>
+                  <a:cubicBezTo>
+                    <a:pt x="19" y="8"/>
+                    <a:pt x="16" y="4"/>
+                    <a:pt x="12" y="4"/>
+                  </a:cubicBezTo>
+                  <a:close/>
+                </a:path>
+              </a:pathLst>
+            </a:custGeom>
+            <a:grpFill/>
+            <a:ln>
+              <a:noFill/>
+            </a:ln>
+            <a:extLst>
+              <a:ext uri="{91240B29-F687-4f45-9708-019B960494DF}">
+                <a14:hiddenLine xmlns="" xmlns:a16="http://schemas.microsoft.com/office/drawing/2014/main" xmlns:a14="http://schemas.microsoft.com/office/drawing/2010/main" xmlns:p14="http://schemas.microsoft.com/office/powerpoint/2010/main" w="9525">
+                  <a:solidFill>
+                    <a:srgbClr val="000000"/>
+                  </a:solidFill>
+                  <a:round/>
+                  <a:headEnd/>
+                  <a:tailEnd/>
+                </a14:hiddenLine>
+              </a:ext>
+            </a:extLst>
+          </p:spPr>
+        </p:sp>
+        <p:sp>
+          <p:nvSpPr>
+            <p:cNvPr id="110" name="Freeform 41">
+              <a:extLst>
+                <a:ext uri="{FF2B5EF4-FFF2-40B4-BE49-F238E27FC236}">
+                  <a16:creationId xmlns:a16="http://schemas.microsoft.com/office/drawing/2014/main" id="{A8A9C00D-0425-4E68-A1DE-BCE5BD6BBDE5}"/>
+                </a:ext>
+                <a:ext uri="{C183D7F6-B498-43B3-948B-1728B52AA6E4}">
+                  <adec:decorative xmlns:adec="http://schemas.microsoft.com/office/drawing/2017/decorative" val="1"/>
+                </a:ext>
+              </a:extLst>
+            </p:cNvPr>
+            <p:cNvSpPr/>
+            <p:nvPr>
+              <p:extLst>
+                <p:ext uri="{386F3935-93C4-4BCD-93E2-E3B085C9AB24}">
+                  <p16:designElem xmlns:p16="http://schemas.microsoft.com/office/powerpoint/2015/main" val="1"/>
+                </p:ext>
+              </p:extLst>
+            </p:nvPr>
+          </p:nvSpPr>
+          <p:spPr bwMode="auto">
+            <a:xfrm>
+              <a:off x="280988" y="3417888"/>
+              <a:ext cx="142875" cy="474663"/>
+            </a:xfrm>
+            <a:custGeom>
+              <a:avLst/>
+              <a:gdLst/>
+              <a:ahLst/>
+              <a:cxnLst/>
+              <a:rect l="0" t="0" r="r" b="b"/>
+              <a:pathLst>
+                <a:path w="90" h="299">
+                  <a:moveTo>
+                    <a:pt x="12" y="299"/>
+                  </a:moveTo>
+                  <a:lnTo>
+                    <a:pt x="0" y="299"/>
+                  </a:lnTo>
+                  <a:lnTo>
+                    <a:pt x="0" y="80"/>
+                  </a:lnTo>
+                  <a:lnTo>
+                    <a:pt x="81" y="0"/>
+                  </a:lnTo>
+                  <a:lnTo>
+                    <a:pt x="90" y="8"/>
+                  </a:lnTo>
+                  <a:lnTo>
+                    <a:pt x="12" y="83"/>
+                  </a:lnTo>
+                  <a:lnTo>
+                    <a:pt x="12" y="299"/>
+                  </a:lnTo>
+                  <a:close/>
+                </a:path>
+              </a:pathLst>
+            </a:custGeom>
+            <a:grpFill/>
+            <a:ln>
+              <a:noFill/>
+            </a:ln>
+            <a:extLst>
+              <a:ext uri="{91240B29-F687-4f45-9708-019B960494DF}">
+                <a14:hiddenLine xmlns="" xmlns:a16="http://schemas.microsoft.com/office/drawing/2014/main" xmlns:a14="http://schemas.microsoft.com/office/drawing/2010/main" xmlns:p14="http://schemas.microsoft.com/office/powerpoint/2010/main" w="9525">
+                  <a:solidFill>
+                    <a:srgbClr val="000000"/>
+                  </a:solidFill>
+                  <a:round/>
+                  <a:headEnd/>
+                  <a:tailEnd/>
+                </a14:hiddenLine>
+              </a:ext>
+            </a:extLst>
+          </p:spPr>
+        </p:sp>
+        <p:sp>
+          <p:nvSpPr>
+            <p:cNvPr id="111" name="Freeform 42">
+              <a:extLst>
+                <a:ext uri="{FF2B5EF4-FFF2-40B4-BE49-F238E27FC236}">
+                  <a16:creationId xmlns:a16="http://schemas.microsoft.com/office/drawing/2014/main" id="{46230904-E744-4B55-84FF-826A6B737BF9}"/>
+                </a:ext>
+                <a:ext uri="{C183D7F6-B498-43B3-948B-1728B52AA6E4}">
+                  <adec:decorative xmlns:adec="http://schemas.microsoft.com/office/drawing/2017/decorative" val="1"/>
+                </a:ext>
+              </a:extLst>
+            </p:cNvPr>
+            <p:cNvSpPr>
+              <a:spLocks noEditPoints="1"/>
+            </p:cNvSpPr>
+            <p:nvPr>
+              <p:extLst>
+                <p:ext uri="{386F3935-93C4-4BCD-93E2-E3B085C9AB24}">
+                  <p16:designElem xmlns:p16="http://schemas.microsoft.com/office/powerpoint/2015/main" val="1"/>
+                </p:ext>
+              </p:extLst>
+            </p:nvPr>
+          </p:nvSpPr>
+          <p:spPr bwMode="auto">
+            <a:xfrm>
+              <a:off x="238125" y="3883025"/>
+              <a:ext cx="109538" cy="109538"/>
+            </a:xfrm>
+            <a:custGeom>
+              <a:avLst/>
+              <a:gdLst/>
+              <a:ahLst/>
+              <a:cxnLst/>
+              <a:rect l="0" t="0" r="r" b="b"/>
+              <a:pathLst>
+                <a:path w="23" h="23">
+                  <a:moveTo>
+                    <a:pt x="11" y="23"/>
+                  </a:moveTo>
+                  <a:cubicBezTo>
+                    <a:pt x="5" y="23"/>
+                    <a:pt x="0" y="18"/>
+                    <a:pt x="0" y="12"/>
+                  </a:cubicBezTo>
+                  <a:cubicBezTo>
+                    <a:pt x="0" y="5"/>
+                    <a:pt x="5" y="0"/>
+                    <a:pt x="11" y="0"/>
+                  </a:cubicBezTo>
+                  <a:cubicBezTo>
+                    <a:pt x="17" y="0"/>
+                    <a:pt x="23" y="5"/>
+                    <a:pt x="23" y="12"/>
+                  </a:cubicBezTo>
+                  <a:cubicBezTo>
+                    <a:pt x="23" y="18"/>
+                    <a:pt x="17" y="23"/>
+                    <a:pt x="11" y="23"/>
+                  </a:cubicBezTo>
+                  <a:close/>
+                  <a:moveTo>
+                    <a:pt x="11" y="4"/>
+                  </a:moveTo>
+                  <a:cubicBezTo>
+                    <a:pt x="7" y="4"/>
+                    <a:pt x="4" y="8"/>
+                    <a:pt x="4" y="12"/>
+                  </a:cubicBezTo>
+                  <a:cubicBezTo>
+                    <a:pt x="4" y="16"/>
+                    <a:pt x="7" y="19"/>
+                    <a:pt x="11" y="19"/>
+                  </a:cubicBezTo>
+                  <a:cubicBezTo>
+                    <a:pt x="15" y="19"/>
+                    <a:pt x="19" y="16"/>
+                    <a:pt x="19" y="12"/>
+                  </a:cubicBezTo>
+                  <a:cubicBezTo>
+                    <a:pt x="19" y="8"/>
+                    <a:pt x="15" y="4"/>
+                    <a:pt x="11" y="4"/>
+                  </a:cubicBezTo>
+                  <a:close/>
+                </a:path>
+              </a:pathLst>
+            </a:custGeom>
+            <a:grpFill/>
+            <a:ln>
+              <a:noFill/>
+            </a:ln>
+            <a:extLst>
+              <a:ext uri="{91240B29-F687-4f45-9708-019B960494DF}">
+                <a14:hiddenLine xmlns="" xmlns:a16="http://schemas.microsoft.com/office/drawing/2014/main" xmlns:a14="http://schemas.microsoft.com/office/drawing/2010/main" xmlns:p14="http://schemas.microsoft.com/office/powerpoint/2010/main" w="9525">
+                  <a:solidFill>
+                    <a:srgbClr val="000000"/>
+                  </a:solidFill>
+                  <a:round/>
+                  <a:headEnd/>
+                  <a:tailEnd/>
+                </a14:hiddenLine>
+              </a:ext>
+            </a:extLst>
+          </p:spPr>
+        </p:sp>
+        <p:sp>
+          <p:nvSpPr>
+            <p:cNvPr id="112" name="Freeform 43">
+              <a:extLst>
+                <a:ext uri="{FF2B5EF4-FFF2-40B4-BE49-F238E27FC236}">
+                  <a16:creationId xmlns:a16="http://schemas.microsoft.com/office/drawing/2014/main" id="{D4291668-8AF0-4784-BC06-870768F53F41}"/>
+                </a:ext>
+                <a:ext uri="{C183D7F6-B498-43B3-948B-1728B52AA6E4}">
+                  <adec:decorative xmlns:adec="http://schemas.microsoft.com/office/drawing/2017/decorative" val="1"/>
+                </a:ext>
+              </a:extLst>
+            </p:cNvPr>
+            <p:cNvSpPr/>
+            <p:nvPr>
+              <p:extLst>
+                <p:ext uri="{386F3935-93C4-4BCD-93E2-E3B085C9AB24}">
+                  <p16:designElem xmlns:p16="http://schemas.microsoft.com/office/powerpoint/2015/main" val="1"/>
+                </p:ext>
+              </p:extLst>
+            </p:nvPr>
+          </p:nvSpPr>
+          <p:spPr bwMode="auto">
+            <a:xfrm>
+              <a:off x="4763" y="2166938"/>
+              <a:ext cx="114300" cy="452438"/>
+            </a:xfrm>
+            <a:custGeom>
+              <a:avLst/>
+              <a:gdLst/>
+              <a:ahLst/>
+              <a:cxnLst/>
+              <a:rect l="0" t="0" r="r" b="b"/>
+              <a:pathLst>
+                <a:path w="72" h="285">
+                  <a:moveTo>
+                    <a:pt x="6" y="285"/>
+                  </a:moveTo>
+                  <a:lnTo>
+                    <a:pt x="0" y="276"/>
+                  </a:lnTo>
+                  <a:lnTo>
+                    <a:pt x="60" y="216"/>
+                  </a:lnTo>
+                  <a:lnTo>
+                    <a:pt x="60" y="0"/>
+                  </a:lnTo>
+                  <a:lnTo>
+                    <a:pt x="72" y="0"/>
+                  </a:lnTo>
+                  <a:lnTo>
+                    <a:pt x="72" y="222"/>
+                  </a:lnTo>
+                  <a:lnTo>
+                    <a:pt x="6" y="285"/>
+                  </a:lnTo>
+                  <a:close/>
+                </a:path>
+              </a:pathLst>
+            </a:custGeom>
+            <a:grpFill/>
+            <a:ln>
+              <a:noFill/>
+            </a:ln>
+            <a:extLst>
+              <a:ext uri="{91240B29-F687-4f45-9708-019B960494DF}">
+                <a14:hiddenLine xmlns="" xmlns:a16="http://schemas.microsoft.com/office/drawing/2014/main" xmlns:a14="http://schemas.microsoft.com/office/drawing/2010/main" xmlns:p14="http://schemas.microsoft.com/office/powerpoint/2010/main" w="9525">
+                  <a:solidFill>
+                    <a:srgbClr val="000000"/>
+                  </a:solidFill>
+                  <a:round/>
+                  <a:headEnd/>
+                  <a:tailEnd/>
+                </a14:hiddenLine>
+              </a:ext>
+            </a:extLst>
+          </p:spPr>
+        </p:sp>
+        <p:sp>
+          <p:nvSpPr>
+            <p:cNvPr id="113" name="Freeform 44">
+              <a:extLst>
+                <a:ext uri="{FF2B5EF4-FFF2-40B4-BE49-F238E27FC236}">
+                  <a16:creationId xmlns:a16="http://schemas.microsoft.com/office/drawing/2014/main" id="{D917DCBD-774B-4AAF-92AE-D18289FFC4D5}"/>
+                </a:ext>
+                <a:ext uri="{C183D7F6-B498-43B3-948B-1728B52AA6E4}">
+                  <adec:decorative xmlns:adec="http://schemas.microsoft.com/office/drawing/2017/decorative" val="1"/>
+                </a:ext>
+              </a:extLst>
+            </p:cNvPr>
+            <p:cNvSpPr>
+              <a:spLocks noEditPoints="1"/>
+            </p:cNvSpPr>
+            <p:nvPr>
+              <p:extLst>
+                <p:ext uri="{386F3935-93C4-4BCD-93E2-E3B085C9AB24}">
+                  <p16:designElem xmlns:p16="http://schemas.microsoft.com/office/powerpoint/2015/main" val="1"/>
+                </p:ext>
+              </p:extLst>
+            </p:nvPr>
+          </p:nvSpPr>
+          <p:spPr bwMode="auto">
+            <a:xfrm>
+              <a:off x="52388" y="2066925"/>
+              <a:ext cx="109538" cy="109538"/>
+            </a:xfrm>
+            <a:custGeom>
+              <a:avLst/>
+              <a:gdLst/>
+              <a:ahLst/>
+              <a:cxnLst/>
+              <a:rect l="0" t="0" r="r" b="b"/>
+              <a:pathLst>
+                <a:path w="23" h="23">
+                  <a:moveTo>
+                    <a:pt x="12" y="23"/>
+                  </a:moveTo>
+                  <a:cubicBezTo>
+                    <a:pt x="5" y="23"/>
+                    <a:pt x="0" y="18"/>
+                    <a:pt x="0" y="12"/>
+                  </a:cubicBezTo>
+                  <a:cubicBezTo>
+                    <a:pt x="0" y="5"/>
+                    <a:pt x="5" y="0"/>
+                    <a:pt x="12" y="0"/>
+                  </a:cubicBezTo>
+                  <a:cubicBezTo>
+                    <a:pt x="18" y="0"/>
+                    <a:pt x="23" y="5"/>
+                    <a:pt x="23" y="12"/>
+                  </a:cubicBezTo>
+                  <a:cubicBezTo>
+                    <a:pt x="23" y="18"/>
+                    <a:pt x="18" y="23"/>
+                    <a:pt x="12" y="23"/>
+                  </a:cubicBezTo>
+                  <a:close/>
+                  <a:moveTo>
+                    <a:pt x="12" y="4"/>
+                  </a:moveTo>
+                  <a:cubicBezTo>
+                    <a:pt x="8" y="4"/>
+                    <a:pt x="4" y="8"/>
+                    <a:pt x="4" y="12"/>
+                  </a:cubicBezTo>
+                  <a:cubicBezTo>
+                    <a:pt x="4" y="16"/>
+                    <a:pt x="8" y="19"/>
+                    <a:pt x="12" y="19"/>
+                  </a:cubicBezTo>
+                  <a:cubicBezTo>
+                    <a:pt x="16" y="19"/>
+                    <a:pt x="19" y="16"/>
+                    <a:pt x="19" y="12"/>
+                  </a:cubicBezTo>
+                  <a:cubicBezTo>
+                    <a:pt x="19" y="8"/>
+                    <a:pt x="16" y="4"/>
+                    <a:pt x="12" y="4"/>
+                  </a:cubicBezTo>
+                  <a:close/>
+                </a:path>
+              </a:pathLst>
+            </a:custGeom>
+            <a:grpFill/>
+            <a:ln>
+              <a:noFill/>
+            </a:ln>
+            <a:extLst>
+              <a:ext uri="{91240B29-F687-4f45-9708-019B960494DF}">
+                <a14:hiddenLine xmlns="" xmlns:a16="http://schemas.microsoft.com/office/drawing/2014/main" xmlns:a14="http://schemas.microsoft.com/office/drawing/2010/main" xmlns:p14="http://schemas.microsoft.com/office/powerpoint/2010/main" w="9525">
+                  <a:solidFill>
+                    <a:srgbClr val="000000"/>
+                  </a:solidFill>
+                  <a:round/>
+                  <a:headEnd/>
+                  <a:tailEnd/>
+                </a14:hiddenLine>
+              </a:ext>
+            </a:extLst>
+          </p:spPr>
+        </p:sp>
+        <p:sp>
+          <p:nvSpPr>
+            <p:cNvPr id="114" name="Rectangle 45">
+              <a:extLst>
+                <a:ext uri="{FF2B5EF4-FFF2-40B4-BE49-F238E27FC236}">
+                  <a16:creationId xmlns:a16="http://schemas.microsoft.com/office/drawing/2014/main" id="{9E50122E-0F19-4D65-9CB2-E22C3EA84ACD}"/>
+                </a:ext>
+                <a:ext uri="{C183D7F6-B498-43B3-948B-1728B52AA6E4}">
+                  <adec:decorative xmlns:adec="http://schemas.microsoft.com/office/drawing/2017/decorative" val="1"/>
+                </a:ext>
+              </a:extLst>
+            </p:cNvPr>
+            <p:cNvSpPr>
+              <a:spLocks noChangeArrowheads="1"/>
+            </p:cNvSpPr>
+            <p:nvPr>
+              <p:extLst>
+                <p:ext uri="{386F3935-93C4-4BCD-93E2-E3B085C9AB24}">
+                  <p16:designElem xmlns:p16="http://schemas.microsoft.com/office/powerpoint/2015/main" val="1"/>
+                </p:ext>
+              </p:extLst>
+            </p:nvPr>
+          </p:nvSpPr>
+          <p:spPr bwMode="auto">
+            <a:xfrm>
+              <a:off x="1228725" y="4662488"/>
+              <a:ext cx="23813" cy="2181225"/>
+            </a:xfrm>
+            <a:prstGeom prst="rect">
+              <a:avLst/>
+            </a:prstGeom>
+            <a:grpFill/>
+            <a:ln>
+              <a:noFill/>
+            </a:ln>
+            <a:extLst>
+              <a:ext uri="{91240B29-F687-4f45-9708-019B960494DF}">
+                <a14:hiddenLine xmlns="" xmlns:a16="http://schemas.microsoft.com/office/drawing/2014/main" xmlns:a14="http://schemas.microsoft.com/office/drawing/2010/main" xmlns:p14="http://schemas.microsoft.com/office/powerpoint/2010/main" w="9525">
+                  <a:solidFill>
+                    <a:srgbClr val="000000"/>
+                  </a:solidFill>
+                  <a:miter lim="800000"/>
+                  <a:headEnd/>
+                  <a:tailEnd/>
+                </a14:hiddenLine>
+              </a:ext>
+            </a:extLst>
+          </p:spPr>
+        </p:sp>
+        <p:sp>
+          <p:nvSpPr>
+            <p:cNvPr id="115" name="Freeform 46">
+              <a:extLst>
+                <a:ext uri="{FF2B5EF4-FFF2-40B4-BE49-F238E27FC236}">
+                  <a16:creationId xmlns:a16="http://schemas.microsoft.com/office/drawing/2014/main" id="{BC28A765-6E8B-4352-BD0C-35474F70AC8E}"/>
+                </a:ext>
+                <a:ext uri="{C183D7F6-B498-43B3-948B-1728B52AA6E4}">
+                  <adec:decorative xmlns:adec="http://schemas.microsoft.com/office/drawing/2017/decorative" val="1"/>
+                </a:ext>
+              </a:extLst>
+            </p:cNvPr>
+            <p:cNvSpPr/>
+            <p:nvPr>
+              <p:extLst>
+                <p:ext uri="{386F3935-93C4-4BCD-93E2-E3B085C9AB24}">
+                  <p16:designElem xmlns:p16="http://schemas.microsoft.com/office/powerpoint/2015/main" val="1"/>
+                </p:ext>
+              </p:extLst>
+            </p:nvPr>
+          </p:nvSpPr>
+          <p:spPr bwMode="auto">
+            <a:xfrm>
+              <a:off x="1319213" y="5041900"/>
+              <a:ext cx="371475" cy="1801813"/>
+            </a:xfrm>
+            <a:custGeom>
+              <a:avLst/>
+              <a:gdLst/>
+              <a:ahLst/>
+              <a:cxnLst/>
+              <a:rect l="0" t="0" r="r" b="b"/>
+              <a:pathLst>
+                <a:path w="234" h="1135">
+                  <a:moveTo>
+                    <a:pt x="15" y="1135"/>
+                  </a:moveTo>
+                  <a:lnTo>
+                    <a:pt x="0" y="1135"/>
+                  </a:lnTo>
+                  <a:lnTo>
+                    <a:pt x="0" y="515"/>
+                  </a:lnTo>
+                  <a:lnTo>
+                    <a:pt x="0" y="512"/>
+                  </a:lnTo>
+                  <a:lnTo>
+                    <a:pt x="219" y="0"/>
+                  </a:lnTo>
+                  <a:lnTo>
+                    <a:pt x="234" y="6"/>
+                  </a:lnTo>
+                  <a:lnTo>
+                    <a:pt x="15" y="518"/>
+                  </a:lnTo>
+                  <a:lnTo>
+                    <a:pt x="15" y="1135"/>
+                  </a:lnTo>
+                  <a:close/>
+                </a:path>
+              </a:pathLst>
+            </a:custGeom>
+            <a:grpFill/>
+            <a:ln>
+              <a:noFill/>
+            </a:ln>
+            <a:extLst>
+              <a:ext uri="{91240B29-F687-4f45-9708-019B960494DF}">
+                <a14:hiddenLine xmlns="" xmlns:a16="http://schemas.microsoft.com/office/drawing/2014/main" xmlns:a14="http://schemas.microsoft.com/office/drawing/2010/main" xmlns:p14="http://schemas.microsoft.com/office/powerpoint/2010/main" w="9525">
+                  <a:solidFill>
+                    <a:srgbClr val="000000"/>
+                  </a:solidFill>
+                  <a:round/>
+                  <a:headEnd/>
+                  <a:tailEnd/>
+                </a14:hiddenLine>
+              </a:ext>
+            </a:extLst>
+          </p:spPr>
+        </p:sp>
+        <p:sp>
+          <p:nvSpPr>
+            <p:cNvPr id="116" name="Freeform 47">
+              <a:extLst>
+                <a:ext uri="{FF2B5EF4-FFF2-40B4-BE49-F238E27FC236}">
+                  <a16:creationId xmlns:a16="http://schemas.microsoft.com/office/drawing/2014/main" id="{0AC30A17-F494-44EB-9817-1B8B255CE463}"/>
+                </a:ext>
+                <a:ext uri="{C183D7F6-B498-43B3-948B-1728B52AA6E4}">
+                  <adec:decorative xmlns:adec="http://schemas.microsoft.com/office/drawing/2017/decorative" val="1"/>
+                </a:ext>
+              </a:extLst>
+            </p:cNvPr>
+            <p:cNvSpPr>
+              <a:spLocks noEditPoints="1"/>
+            </p:cNvSpPr>
+            <p:nvPr>
+              <p:extLst>
+                <p:ext uri="{386F3935-93C4-4BCD-93E2-E3B085C9AB24}">
+                  <p16:designElem xmlns:p16="http://schemas.microsoft.com/office/powerpoint/2015/main" val="1"/>
+                </p:ext>
+              </p:extLst>
+            </p:nvPr>
+          </p:nvSpPr>
+          <p:spPr bwMode="auto">
+            <a:xfrm>
+              <a:off x="1147763" y="4481513"/>
+              <a:ext cx="190500" cy="190500"/>
+            </a:xfrm>
+            <a:custGeom>
+              <a:avLst/>
+              <a:gdLst/>
+              <a:ahLst/>
+              <a:cxnLst/>
+              <a:rect l="0" t="0" r="r" b="b"/>
+              <a:pathLst>
+                <a:path w="40" h="40">
+                  <a:moveTo>
+                    <a:pt x="20" y="40"/>
+                  </a:moveTo>
+                  <a:cubicBezTo>
+                    <a:pt x="9" y="40"/>
+                    <a:pt x="0" y="31"/>
+                    <a:pt x="0" y="20"/>
+                  </a:cubicBezTo>
+                  <a:cubicBezTo>
+                    <a:pt x="0" y="9"/>
+                    <a:pt x="9" y="0"/>
+                    <a:pt x="20" y="0"/>
+                  </a:cubicBezTo>
+                  <a:cubicBezTo>
+                    <a:pt x="31" y="0"/>
+                    <a:pt x="40" y="9"/>
+                    <a:pt x="40" y="20"/>
+                  </a:cubicBezTo>
+                  <a:cubicBezTo>
+                    <a:pt x="40" y="31"/>
+                    <a:pt x="31" y="40"/>
+                    <a:pt x="20" y="40"/>
+                  </a:cubicBezTo>
+                  <a:close/>
+                  <a:moveTo>
+                    <a:pt x="20" y="4"/>
+                  </a:moveTo>
+                  <a:cubicBezTo>
+                    <a:pt x="11" y="4"/>
+                    <a:pt x="4" y="11"/>
+                    <a:pt x="4" y="20"/>
+                  </a:cubicBezTo>
+                  <a:cubicBezTo>
+                    <a:pt x="4" y="29"/>
+                    <a:pt x="11" y="36"/>
+                    <a:pt x="20" y="36"/>
+                  </a:cubicBezTo>
+                  <a:cubicBezTo>
+                    <a:pt x="28" y="36"/>
+                    <a:pt x="36" y="29"/>
+                    <a:pt x="36" y="20"/>
+                  </a:cubicBezTo>
+                  <a:cubicBezTo>
+                    <a:pt x="36" y="11"/>
+                    <a:pt x="28" y="4"/>
+                    <a:pt x="20" y="4"/>
+                  </a:cubicBezTo>
+                  <a:close/>
+                </a:path>
+              </a:pathLst>
+            </a:custGeom>
+            <a:grpFill/>
+            <a:ln>
+              <a:noFill/>
+            </a:ln>
+            <a:extLst>
+              <a:ext uri="{91240B29-F687-4f45-9708-019B960494DF}">
+                <a14:hiddenLine xmlns="" xmlns:a16="http://schemas.microsoft.com/office/drawing/2014/main" xmlns:a14="http://schemas.microsoft.com/office/drawing/2010/main" xmlns:p14="http://schemas.microsoft.com/office/powerpoint/2010/main" w="9525">
+                  <a:solidFill>
+                    <a:srgbClr val="000000"/>
+                  </a:solidFill>
+                  <a:round/>
+                  <a:headEnd/>
+                  <a:tailEnd/>
+                </a14:hiddenLine>
+              </a:ext>
+            </a:extLst>
+          </p:spPr>
+        </p:sp>
+        <p:sp>
+          <p:nvSpPr>
+            <p:cNvPr id="117" name="Freeform 48">
+              <a:extLst>
+                <a:ext uri="{FF2B5EF4-FFF2-40B4-BE49-F238E27FC236}">
+                  <a16:creationId xmlns:a16="http://schemas.microsoft.com/office/drawing/2014/main" id="{6088D59F-32BD-4932-9C22-9AA0FCDA74AD}"/>
+                </a:ext>
+                <a:ext uri="{C183D7F6-B498-43B3-948B-1728B52AA6E4}">
+                  <adec:decorative xmlns:adec="http://schemas.microsoft.com/office/drawing/2017/decorative" val="1"/>
+                </a:ext>
+              </a:extLst>
+            </p:cNvPr>
+            <p:cNvSpPr/>
+            <p:nvPr>
+              <p:extLst>
+                <p:ext uri="{386F3935-93C4-4BCD-93E2-E3B085C9AB24}">
+                  <p16:designElem xmlns:p16="http://schemas.microsoft.com/office/powerpoint/2015/main" val="1"/>
+                </p:ext>
+              </p:extLst>
+            </p:nvPr>
+          </p:nvSpPr>
+          <p:spPr bwMode="auto">
+            <a:xfrm>
+              <a:off x="819150" y="3983038"/>
+              <a:ext cx="347663" cy="2860675"/>
+            </a:xfrm>
+            <a:custGeom>
+              <a:avLst/>
+              <a:gdLst/>
+              <a:ahLst/>
+              <a:cxnLst/>
+              <a:rect l="0" t="0" r="r" b="b"/>
+              <a:pathLst>
+                <a:path w="219" h="1802">
+                  <a:moveTo>
+                    <a:pt x="219" y="1802"/>
+                  </a:moveTo>
+                  <a:lnTo>
+                    <a:pt x="201" y="1802"/>
+                  </a:lnTo>
+                  <a:lnTo>
+                    <a:pt x="201" y="1185"/>
+                  </a:lnTo>
+                  <a:lnTo>
+                    <a:pt x="0" y="3"/>
+                  </a:lnTo>
+                  <a:lnTo>
+                    <a:pt x="15" y="0"/>
+                  </a:lnTo>
+                  <a:lnTo>
+                    <a:pt x="219" y="1185"/>
+                  </a:lnTo>
+                  <a:lnTo>
+                    <a:pt x="219" y="1802"/>
+                  </a:lnTo>
+                  <a:close/>
+                </a:path>
+              </a:pathLst>
+            </a:custGeom>
+            <a:grpFill/>
+            <a:ln>
+              <a:noFill/>
+            </a:ln>
+            <a:extLst>
+              <a:ext uri="{91240B29-F687-4f45-9708-019B960494DF}">
+                <a14:hiddenLine xmlns="" xmlns:a16="http://schemas.microsoft.com/office/drawing/2014/main" xmlns:a14="http://schemas.microsoft.com/office/drawing/2010/main" xmlns:p14="http://schemas.microsoft.com/office/powerpoint/2010/main" w="9525">
+                  <a:solidFill>
+                    <a:srgbClr val="000000"/>
+                  </a:solidFill>
+                  <a:round/>
+                  <a:headEnd/>
+                  <a:tailEnd/>
+                </a14:hiddenLine>
+              </a:ext>
+            </a:extLst>
+          </p:spPr>
+        </p:sp>
+        <p:sp>
+          <p:nvSpPr>
+            <p:cNvPr id="118" name="Freeform 49">
+              <a:extLst>
+                <a:ext uri="{FF2B5EF4-FFF2-40B4-BE49-F238E27FC236}">
+                  <a16:creationId xmlns:a16="http://schemas.microsoft.com/office/drawing/2014/main" id="{B18BBE45-5F21-47FA-B291-AC802D71556A}"/>
+                </a:ext>
+                <a:ext uri="{C183D7F6-B498-43B3-948B-1728B52AA6E4}">
+                  <adec:decorative xmlns:adec="http://schemas.microsoft.com/office/drawing/2017/decorative" val="1"/>
+                </a:ext>
+              </a:extLst>
+            </p:cNvPr>
+            <p:cNvSpPr>
+              <a:spLocks noEditPoints="1"/>
+            </p:cNvSpPr>
+            <p:nvPr>
+              <p:extLst>
+                <p:ext uri="{386F3935-93C4-4BCD-93E2-E3B085C9AB24}">
+                  <p16:designElem xmlns:p16="http://schemas.microsoft.com/office/powerpoint/2015/main" val="1"/>
+                </p:ext>
+              </p:extLst>
+            </p:nvPr>
+          </p:nvSpPr>
+          <p:spPr bwMode="auto">
+            <a:xfrm>
+              <a:off x="728663" y="3806825"/>
+              <a:ext cx="190500" cy="190500"/>
+            </a:xfrm>
+            <a:custGeom>
+              <a:avLst/>
+              <a:gdLst/>
+              <a:ahLst/>
+              <a:cxnLst/>
+              <a:rect l="0" t="0" r="r" b="b"/>
+              <a:pathLst>
+                <a:path w="40" h="40">
+                  <a:moveTo>
+                    <a:pt x="20" y="40"/>
+                  </a:moveTo>
+                  <a:cubicBezTo>
+                    <a:pt x="9" y="40"/>
+                    <a:pt x="0" y="31"/>
+                    <a:pt x="0" y="20"/>
+                  </a:cubicBezTo>
+                  <a:cubicBezTo>
+                    <a:pt x="0" y="9"/>
+                    <a:pt x="9" y="0"/>
+                    <a:pt x="20" y="0"/>
+                  </a:cubicBezTo>
+                  <a:cubicBezTo>
+                    <a:pt x="31" y="0"/>
+                    <a:pt x="40" y="9"/>
+                    <a:pt x="40" y="20"/>
+                  </a:cubicBezTo>
+                  <a:cubicBezTo>
+                    <a:pt x="40" y="31"/>
+                    <a:pt x="31" y="40"/>
+                    <a:pt x="20" y="40"/>
+                  </a:cubicBezTo>
+                  <a:close/>
+                  <a:moveTo>
+                    <a:pt x="20" y="4"/>
+                  </a:moveTo>
+                  <a:cubicBezTo>
+                    <a:pt x="11" y="4"/>
+                    <a:pt x="4" y="11"/>
+                    <a:pt x="4" y="20"/>
+                  </a:cubicBezTo>
+                  <a:cubicBezTo>
+                    <a:pt x="4" y="28"/>
+                    <a:pt x="11" y="36"/>
+                    <a:pt x="20" y="36"/>
+                  </a:cubicBezTo>
+                  <a:cubicBezTo>
+                    <a:pt x="29" y="36"/>
+                    <a:pt x="36" y="28"/>
+                    <a:pt x="36" y="20"/>
+                  </a:cubicBezTo>
+                  <a:cubicBezTo>
+                    <a:pt x="36" y="11"/>
+                    <a:pt x="29" y="4"/>
+                    <a:pt x="20" y="4"/>
+                  </a:cubicBezTo>
+                  <a:close/>
+                </a:path>
+              </a:pathLst>
+            </a:custGeom>
+            <a:grpFill/>
+            <a:ln>
+              <a:noFill/>
+            </a:ln>
+            <a:extLst>
+              <a:ext uri="{91240B29-F687-4f45-9708-019B960494DF}">
+                <a14:hiddenLine xmlns="" xmlns:a16="http://schemas.microsoft.com/office/drawing/2014/main" xmlns:a14="http://schemas.microsoft.com/office/drawing/2010/main" xmlns:p14="http://schemas.microsoft.com/office/powerpoint/2010/main" w="9525">
+                  <a:solidFill>
+                    <a:srgbClr val="000000"/>
+                  </a:solidFill>
+                  <a:round/>
+                  <a:headEnd/>
+                  <a:tailEnd/>
+                </a14:hiddenLine>
+              </a:ext>
+            </a:extLst>
+          </p:spPr>
+        </p:sp>
+        <p:sp>
+          <p:nvSpPr>
+            <p:cNvPr id="119" name="Freeform 50">
+              <a:extLst>
+                <a:ext uri="{FF2B5EF4-FFF2-40B4-BE49-F238E27FC236}">
+                  <a16:creationId xmlns:a16="http://schemas.microsoft.com/office/drawing/2014/main" id="{A1BD992D-1C4B-4E69-A627-A45D8958E0D3}"/>
+                </a:ext>
+                <a:ext uri="{C183D7F6-B498-43B3-948B-1728B52AA6E4}">
+                  <adec:decorative xmlns:adec="http://schemas.microsoft.com/office/drawing/2017/decorative" val="1"/>
+                </a:ext>
+              </a:extLst>
+            </p:cNvPr>
+            <p:cNvSpPr>
+              <a:spLocks noEditPoints="1"/>
+            </p:cNvSpPr>
+            <p:nvPr>
+              <p:extLst>
+                <p:ext uri="{386F3935-93C4-4BCD-93E2-E3B085C9AB24}">
+                  <p16:designElem xmlns:p16="http://schemas.microsoft.com/office/powerpoint/2015/main" val="1"/>
+                </p:ext>
+              </p:extLst>
+            </p:nvPr>
+          </p:nvSpPr>
+          <p:spPr bwMode="auto">
+            <a:xfrm>
+              <a:off x="1624013" y="4867275"/>
+              <a:ext cx="190500" cy="188913"/>
+            </a:xfrm>
+            <a:custGeom>
+              <a:avLst/>
+              <a:gdLst/>
+              <a:ahLst/>
+              <a:cxnLst/>
+              <a:rect l="0" t="0" r="r" b="b"/>
+              <a:pathLst>
+                <a:path w="40" h="40">
+                  <a:moveTo>
+                    <a:pt x="20" y="40"/>
+                  </a:moveTo>
+                  <a:cubicBezTo>
+                    <a:pt x="9" y="40"/>
+                    <a:pt x="0" y="31"/>
+                    <a:pt x="0" y="20"/>
+                  </a:cubicBezTo>
+                  <a:cubicBezTo>
+                    <a:pt x="0" y="9"/>
+                    <a:pt x="9" y="0"/>
+                    <a:pt x="20" y="0"/>
+                  </a:cubicBezTo>
+                  <a:cubicBezTo>
+                    <a:pt x="31" y="0"/>
+                    <a:pt x="40" y="9"/>
+                    <a:pt x="40" y="20"/>
+                  </a:cubicBezTo>
+                  <a:cubicBezTo>
+                    <a:pt x="40" y="31"/>
+                    <a:pt x="31" y="40"/>
+                    <a:pt x="20" y="40"/>
+                  </a:cubicBezTo>
+                  <a:close/>
+                  <a:moveTo>
+                    <a:pt x="20" y="4"/>
+                  </a:moveTo>
+                  <a:cubicBezTo>
+                    <a:pt x="11" y="4"/>
+                    <a:pt x="4" y="11"/>
+                    <a:pt x="4" y="20"/>
+                  </a:cubicBezTo>
+                  <a:cubicBezTo>
+                    <a:pt x="4" y="29"/>
+                    <a:pt x="11" y="36"/>
+                    <a:pt x="20" y="36"/>
+                  </a:cubicBezTo>
+                  <a:cubicBezTo>
+                    <a:pt x="28" y="36"/>
+                    <a:pt x="36" y="29"/>
+                    <a:pt x="36" y="20"/>
+                  </a:cubicBezTo>
+                  <a:cubicBezTo>
+                    <a:pt x="36" y="11"/>
+                    <a:pt x="28" y="4"/>
+                    <a:pt x="20" y="4"/>
+                  </a:cubicBezTo>
+                  <a:close/>
+                </a:path>
+              </a:pathLst>
+            </a:custGeom>
+            <a:grpFill/>
+            <a:ln>
+              <a:noFill/>
+            </a:ln>
+            <a:extLst>
+              <a:ext uri="{91240B29-F687-4f45-9708-019B960494DF}">
+                <a14:hiddenLine xmlns="" xmlns:a16="http://schemas.microsoft.com/office/drawing/2014/main" xmlns:a14="http://schemas.microsoft.com/office/drawing/2010/main" xmlns:p14="http://schemas.microsoft.com/office/powerpoint/2010/main" w="9525">
+                  <a:solidFill>
+                    <a:srgbClr val="000000"/>
+                  </a:solidFill>
+                  <a:round/>
+                  <a:headEnd/>
+                  <a:tailEnd/>
+                </a14:hiddenLine>
+              </a:ext>
+            </a:extLst>
+          </p:spPr>
+        </p:sp>
+        <p:sp>
+          <p:nvSpPr>
+            <p:cNvPr id="120" name="Freeform 51">
+              <a:extLst>
+                <a:ext uri="{FF2B5EF4-FFF2-40B4-BE49-F238E27FC236}">
+                  <a16:creationId xmlns:a16="http://schemas.microsoft.com/office/drawing/2014/main" id="{571C0498-7105-455E-8B0A-233F850F18E3}"/>
+                </a:ext>
+                <a:ext uri="{C183D7F6-B498-43B3-948B-1728B52AA6E4}">
+                  <adec:decorative xmlns:adec="http://schemas.microsoft.com/office/drawing/2017/decorative" val="1"/>
+                </a:ext>
+              </a:extLst>
+            </p:cNvPr>
+            <p:cNvSpPr/>
+            <p:nvPr>
+              <p:extLst>
+                <p:ext uri="{386F3935-93C4-4BCD-93E2-E3B085C9AB24}">
+                  <p16:designElem xmlns:p16="http://schemas.microsoft.com/office/powerpoint/2015/main" val="1"/>
+                </p:ext>
+              </p:extLst>
+            </p:nvPr>
+          </p:nvSpPr>
+          <p:spPr bwMode="auto">
+            <a:xfrm>
+              <a:off x="1404938" y="5422900"/>
+              <a:ext cx="371475" cy="1425575"/>
+            </a:xfrm>
+            <a:custGeom>
+              <a:avLst/>
+              <a:gdLst/>
+              <a:ahLst/>
+              <a:cxnLst/>
+              <a:rect l="0" t="0" r="r" b="b"/>
+              <a:pathLst>
+                <a:path w="234" h="898">
+                  <a:moveTo>
+                    <a:pt x="18" y="898"/>
+                  </a:moveTo>
+                  <a:lnTo>
+                    <a:pt x="0" y="898"/>
+                  </a:lnTo>
+                  <a:lnTo>
+                    <a:pt x="0" y="515"/>
+                  </a:lnTo>
+                  <a:lnTo>
+                    <a:pt x="0" y="512"/>
+                  </a:lnTo>
+                  <a:lnTo>
+                    <a:pt x="222" y="0"/>
+                  </a:lnTo>
+                  <a:lnTo>
+                    <a:pt x="234" y="6"/>
+                  </a:lnTo>
+                  <a:lnTo>
+                    <a:pt x="18" y="518"/>
+                  </a:lnTo>
+                  <a:lnTo>
+                    <a:pt x="18" y="898"/>
+                  </a:lnTo>
+                  <a:close/>
+                </a:path>
+              </a:pathLst>
+            </a:custGeom>
+            <a:grpFill/>
+            <a:ln>
+              <a:noFill/>
+            </a:ln>
+            <a:extLst>
+              <a:ext uri="{91240B29-F687-4f45-9708-019B960494DF}">
+                <a14:hiddenLine xmlns="" xmlns:a16="http://schemas.microsoft.com/office/drawing/2014/main" xmlns:a14="http://schemas.microsoft.com/office/drawing/2010/main" xmlns:p14="http://schemas.microsoft.com/office/powerpoint/2010/main" w="9525">
+                  <a:solidFill>
+                    <a:srgbClr val="000000"/>
+                  </a:solidFill>
+                  <a:round/>
+                  <a:headEnd/>
+                  <a:tailEnd/>
+                </a14:hiddenLine>
+              </a:ext>
+            </a:extLst>
+          </p:spPr>
+        </p:sp>
+        <p:sp>
+          <p:nvSpPr>
+            <p:cNvPr id="121" name="Freeform 52">
+              <a:extLst>
+                <a:ext uri="{FF2B5EF4-FFF2-40B4-BE49-F238E27FC236}">
+                  <a16:creationId xmlns:a16="http://schemas.microsoft.com/office/drawing/2014/main" id="{F6FA78CC-C0B1-422F-B535-05580A9716A0}"/>
+                </a:ext>
+                <a:ext uri="{C183D7F6-B498-43B3-948B-1728B52AA6E4}">
+                  <adec:decorative xmlns:adec="http://schemas.microsoft.com/office/drawing/2017/decorative" val="1"/>
+                </a:ext>
+              </a:extLst>
+            </p:cNvPr>
+            <p:cNvSpPr/>
+            <p:nvPr>
+              <p:extLst>
+                <p:ext uri="{386F3935-93C4-4BCD-93E2-E3B085C9AB24}">
+                  <p16:designElem xmlns:p16="http://schemas.microsoft.com/office/powerpoint/2015/main" val="1"/>
+                </p:ext>
+              </p:extLst>
+            </p:nvPr>
+          </p:nvSpPr>
+          <p:spPr bwMode="auto">
+            <a:xfrm>
+              <a:off x="1666875" y="5945188"/>
+              <a:ext cx="152400" cy="912813"/>
+            </a:xfrm>
+            <a:custGeom>
+              <a:avLst/>
+              <a:gdLst/>
+              <a:ahLst/>
+              <a:cxnLst/>
+              <a:rect l="0" t="0" r="r" b="b"/>
+              <a:pathLst>
+                <a:path w="96" h="575">
+                  <a:moveTo>
+                    <a:pt x="15" y="575"/>
+                  </a:moveTo>
+                  <a:lnTo>
+                    <a:pt x="0" y="569"/>
+                  </a:lnTo>
+                  <a:lnTo>
+                    <a:pt x="81" y="383"/>
+                  </a:lnTo>
+                  <a:lnTo>
+                    <a:pt x="81" y="0"/>
+                  </a:lnTo>
+                  <a:lnTo>
+                    <a:pt x="96" y="0"/>
+                  </a:lnTo>
+                  <a:lnTo>
+                    <a:pt x="96" y="386"/>
+                  </a:lnTo>
+                  <a:lnTo>
+                    <a:pt x="15" y="575"/>
+                  </a:lnTo>
+                  <a:close/>
+                </a:path>
+              </a:pathLst>
+            </a:custGeom>
+            <a:grpFill/>
+            <a:ln>
+              <a:noFill/>
+            </a:ln>
+            <a:extLst>
+              <a:ext uri="{91240B29-F687-4f45-9708-019B960494DF}">
+                <a14:hiddenLine xmlns="" xmlns:a16="http://schemas.microsoft.com/office/drawing/2014/main" xmlns:a14="http://schemas.microsoft.com/office/drawing/2010/main" xmlns:p14="http://schemas.microsoft.com/office/powerpoint/2010/main" w="9525">
+                  <a:solidFill>
+                    <a:srgbClr val="000000"/>
+                  </a:solidFill>
+                  <a:round/>
+                  <a:headEnd/>
+                  <a:tailEnd/>
+                </a14:hiddenLine>
+              </a:ext>
+            </a:extLst>
+          </p:spPr>
+        </p:sp>
+        <p:sp>
+          <p:nvSpPr>
+            <p:cNvPr id="122" name="Freeform 53">
+              <a:extLst>
+                <a:ext uri="{FF2B5EF4-FFF2-40B4-BE49-F238E27FC236}">
+                  <a16:creationId xmlns:a16="http://schemas.microsoft.com/office/drawing/2014/main" id="{49A1BACF-EE5E-46F8-8968-D4CF18BC0112}"/>
+                </a:ext>
+                <a:ext uri="{C183D7F6-B498-43B3-948B-1728B52AA6E4}">
+                  <adec:decorative xmlns:adec="http://schemas.microsoft.com/office/drawing/2017/decorative" val="1"/>
+                </a:ext>
+              </a:extLst>
+            </p:cNvPr>
+            <p:cNvSpPr>
+              <a:spLocks noEditPoints="1"/>
+            </p:cNvSpPr>
+            <p:nvPr>
+              <p:extLst>
+                <p:ext uri="{386F3935-93C4-4BCD-93E2-E3B085C9AB24}">
+                  <p16:designElem xmlns:p16="http://schemas.microsoft.com/office/powerpoint/2015/main" val="1"/>
+                </p:ext>
+              </p:extLst>
+            </p:nvPr>
+          </p:nvSpPr>
+          <p:spPr bwMode="auto">
+            <a:xfrm>
+              <a:off x="1709738" y="5246688"/>
+              <a:ext cx="190500" cy="190500"/>
+            </a:xfrm>
+            <a:custGeom>
+              <a:avLst/>
+              <a:gdLst/>
+              <a:ahLst/>
+              <a:cxnLst/>
+              <a:rect l="0" t="0" r="r" b="b"/>
+              <a:pathLst>
+                <a:path w="40" h="40">
+                  <a:moveTo>
+                    <a:pt x="20" y="40"/>
+                  </a:moveTo>
+                  <a:cubicBezTo>
+                    <a:pt x="9" y="40"/>
+                    <a:pt x="0" y="31"/>
+                    <a:pt x="0" y="20"/>
+                  </a:cubicBezTo>
+                  <a:cubicBezTo>
+                    <a:pt x="0" y="9"/>
+                    <a:pt x="9" y="0"/>
+                    <a:pt x="20" y="0"/>
+                  </a:cubicBezTo>
+                  <a:cubicBezTo>
+                    <a:pt x="31" y="0"/>
+                    <a:pt x="40" y="9"/>
+                    <a:pt x="40" y="20"/>
+                  </a:cubicBezTo>
+                  <a:cubicBezTo>
+                    <a:pt x="40" y="31"/>
+                    <a:pt x="31" y="40"/>
+                    <a:pt x="20" y="40"/>
+                  </a:cubicBezTo>
+                  <a:close/>
+                  <a:moveTo>
+                    <a:pt x="20" y="4"/>
+                  </a:moveTo>
+                  <a:cubicBezTo>
+                    <a:pt x="11" y="4"/>
+                    <a:pt x="4" y="11"/>
+                    <a:pt x="4" y="20"/>
+                  </a:cubicBezTo>
+                  <a:cubicBezTo>
+                    <a:pt x="4" y="29"/>
+                    <a:pt x="11" y="36"/>
+                    <a:pt x="20" y="36"/>
+                  </a:cubicBezTo>
+                  <a:cubicBezTo>
+                    <a:pt x="29" y="36"/>
+                    <a:pt x="36" y="29"/>
+                    <a:pt x="36" y="20"/>
+                  </a:cubicBezTo>
+                  <a:cubicBezTo>
+                    <a:pt x="36" y="11"/>
+                    <a:pt x="29" y="4"/>
+                    <a:pt x="20" y="4"/>
+                  </a:cubicBezTo>
+                  <a:close/>
+                </a:path>
+              </a:pathLst>
+            </a:custGeom>
+            <a:grpFill/>
+            <a:ln>
+              <a:noFill/>
+            </a:ln>
+            <a:extLst>
+              <a:ext uri="{91240B29-F687-4f45-9708-019B960494DF}">
+                <a14:hiddenLine xmlns="" xmlns:a16="http://schemas.microsoft.com/office/drawing/2014/main" xmlns:a14="http://schemas.microsoft.com/office/drawing/2010/main" xmlns:p14="http://schemas.microsoft.com/office/powerpoint/2010/main" w="9525">
+                  <a:solidFill>
+                    <a:srgbClr val="000000"/>
+                  </a:solidFill>
+                  <a:round/>
+                  <a:headEnd/>
+                  <a:tailEnd/>
+                </a14:hiddenLine>
+              </a:ext>
+            </a:extLst>
+          </p:spPr>
+        </p:sp>
+        <p:sp>
+          <p:nvSpPr>
+            <p:cNvPr id="123" name="Freeform 54">
+              <a:extLst>
+                <a:ext uri="{FF2B5EF4-FFF2-40B4-BE49-F238E27FC236}">
+                  <a16:creationId xmlns:a16="http://schemas.microsoft.com/office/drawing/2014/main" id="{0AF8DFAF-8AF7-453E-AED7-89E59FBD7DB5}"/>
+                </a:ext>
+                <a:ext uri="{C183D7F6-B498-43B3-948B-1728B52AA6E4}">
+                  <adec:decorative xmlns:adec="http://schemas.microsoft.com/office/drawing/2017/decorative" val="1"/>
+                </a:ext>
+              </a:extLst>
+            </p:cNvPr>
+            <p:cNvSpPr>
+              <a:spLocks noEditPoints="1"/>
+            </p:cNvSpPr>
+            <p:nvPr>
+              <p:extLst>
+                <p:ext uri="{386F3935-93C4-4BCD-93E2-E3B085C9AB24}">
+                  <p16:designElem xmlns:p16="http://schemas.microsoft.com/office/powerpoint/2015/main" val="1"/>
+                </p:ext>
+              </p:extLst>
+            </p:nvPr>
+          </p:nvSpPr>
+          <p:spPr bwMode="auto">
+            <a:xfrm>
+              <a:off x="1709738" y="5764213"/>
+              <a:ext cx="190500" cy="190500"/>
+            </a:xfrm>
+            <a:custGeom>
+              <a:avLst/>
+              <a:gdLst/>
+              <a:ahLst/>
+              <a:cxnLst/>
+              <a:rect l="0" t="0" r="r" b="b"/>
+              <a:pathLst>
+                <a:path w="40" h="40">
+                  <a:moveTo>
+                    <a:pt x="20" y="40"/>
+                  </a:moveTo>
+                  <a:cubicBezTo>
+                    <a:pt x="9" y="40"/>
+                    <a:pt x="0" y="31"/>
+                    <a:pt x="0" y="20"/>
+                  </a:cubicBezTo>
+                  <a:cubicBezTo>
+                    <a:pt x="0" y="9"/>
+                    <a:pt x="9" y="0"/>
+                    <a:pt x="20" y="0"/>
+                  </a:cubicBezTo>
+                  <a:cubicBezTo>
+                    <a:pt x="31" y="0"/>
+                    <a:pt x="40" y="9"/>
+                    <a:pt x="40" y="20"/>
+                  </a:cubicBezTo>
+                  <a:cubicBezTo>
+                    <a:pt x="40" y="31"/>
+                    <a:pt x="31" y="40"/>
+                    <a:pt x="20" y="40"/>
+                  </a:cubicBezTo>
+                  <a:close/>
+                  <a:moveTo>
+                    <a:pt x="20" y="4"/>
+                  </a:moveTo>
+                  <a:cubicBezTo>
+                    <a:pt x="11" y="4"/>
+                    <a:pt x="4" y="11"/>
+                    <a:pt x="4" y="20"/>
+                  </a:cubicBezTo>
+                  <a:cubicBezTo>
+                    <a:pt x="4" y="29"/>
+                    <a:pt x="11" y="36"/>
+                    <a:pt x="20" y="36"/>
+                  </a:cubicBezTo>
+                  <a:cubicBezTo>
+                    <a:pt x="29" y="36"/>
+                    <a:pt x="36" y="29"/>
+                    <a:pt x="36" y="20"/>
+                  </a:cubicBezTo>
+                  <a:cubicBezTo>
+                    <a:pt x="36" y="11"/>
+                    <a:pt x="29" y="4"/>
+                    <a:pt x="20" y="4"/>
+                  </a:cubicBezTo>
+                  <a:close/>
+                </a:path>
+              </a:pathLst>
+            </a:custGeom>
+            <a:grpFill/>
+            <a:ln>
+              <a:noFill/>
+            </a:ln>
+            <a:extLst>
+              <a:ext uri="{91240B29-F687-4f45-9708-019B960494DF}">
+                <a14:hiddenLine xmlns="" xmlns:a16="http://schemas.microsoft.com/office/drawing/2014/main" xmlns:a14="http://schemas.microsoft.com/office/drawing/2010/main" xmlns:p14="http://schemas.microsoft.com/office/powerpoint/2010/main" w="9525">
+                  <a:solidFill>
+                    <a:srgbClr val="000000"/>
+                  </a:solidFill>
+                  <a:round/>
+                  <a:headEnd/>
+                  <a:tailEnd/>
+                </a14:hiddenLine>
+              </a:ext>
+            </a:extLst>
+          </p:spPr>
+        </p:sp>
+        <p:sp>
+          <p:nvSpPr>
+            <p:cNvPr id="124" name="Freeform 55">
+              <a:extLst>
+                <a:ext uri="{FF2B5EF4-FFF2-40B4-BE49-F238E27FC236}">
+                  <a16:creationId xmlns:a16="http://schemas.microsoft.com/office/drawing/2014/main" id="{F8C26D97-8DA4-4556-92E4-2AE66B365B9C}"/>
+                </a:ext>
+                <a:ext uri="{C183D7F6-B498-43B3-948B-1728B52AA6E4}">
+                  <adec:decorative xmlns:adec="http://schemas.microsoft.com/office/drawing/2017/decorative" val="1"/>
+                </a:ext>
+              </a:extLst>
+            </p:cNvPr>
+            <p:cNvSpPr/>
+            <p:nvPr>
+              <p:extLst>
+                <p:ext uri="{386F3935-93C4-4BCD-93E2-E3B085C9AB24}">
+                  <p16:designElem xmlns:p16="http://schemas.microsoft.com/office/powerpoint/2015/main" val="1"/>
+                </p:ext>
+              </p:extLst>
+            </p:nvPr>
+          </p:nvSpPr>
+          <p:spPr bwMode="auto">
+            <a:xfrm>
+              <a:off x="1766888" y="6330950"/>
+              <a:ext cx="419100" cy="527050"/>
+            </a:xfrm>
+            <a:custGeom>
+              <a:avLst/>
+              <a:gdLst/>
+              <a:ahLst/>
+              <a:cxnLst/>
+              <a:rect l="0" t="0" r="r" b="b"/>
+              <a:pathLst>
+                <a:path w="264" h="332">
+                  <a:moveTo>
+                    <a:pt x="12" y="332"/>
+                  </a:moveTo>
+                  <a:lnTo>
+                    <a:pt x="0" y="326"/>
+                  </a:lnTo>
+                  <a:lnTo>
+                    <a:pt x="45" y="206"/>
+                  </a:lnTo>
+                  <a:lnTo>
+                    <a:pt x="255" y="0"/>
+                  </a:lnTo>
+                  <a:lnTo>
+                    <a:pt x="264" y="12"/>
+                  </a:lnTo>
+                  <a:lnTo>
+                    <a:pt x="60" y="215"/>
+                  </a:lnTo>
+                  <a:lnTo>
+                    <a:pt x="12" y="332"/>
+                  </a:lnTo>
+                  <a:close/>
+                </a:path>
+              </a:pathLst>
+            </a:custGeom>
+            <a:grpFill/>
+            <a:ln>
+              <a:noFill/>
+            </a:ln>
+            <a:extLst>
+              <a:ext uri="{91240B29-F687-4f45-9708-019B960494DF}">
+                <a14:hiddenLine xmlns="" xmlns:a16="http://schemas.microsoft.com/office/drawing/2014/main" xmlns:a14="http://schemas.microsoft.com/office/drawing/2010/main" xmlns:p14="http://schemas.microsoft.com/office/powerpoint/2010/main" w="9525">
+                  <a:solidFill>
+                    <a:srgbClr val="000000"/>
+                  </a:solidFill>
+                  <a:round/>
+                  <a:headEnd/>
+                  <a:tailEnd/>
+                </a14:hiddenLine>
+              </a:ext>
+            </a:extLst>
+          </p:spPr>
+        </p:sp>
+        <p:sp>
+          <p:nvSpPr>
+            <p:cNvPr id="125" name="Freeform 56">
+              <a:extLst>
+                <a:ext uri="{FF2B5EF4-FFF2-40B4-BE49-F238E27FC236}">
+                  <a16:creationId xmlns:a16="http://schemas.microsoft.com/office/drawing/2014/main" id="{EEF9D855-A8A7-44CC-919C-BEA327F2542B}"/>
+                </a:ext>
+                <a:ext uri="{C183D7F6-B498-43B3-948B-1728B52AA6E4}">
+                  <adec:decorative xmlns:adec="http://schemas.microsoft.com/office/drawing/2017/decorative" val="1"/>
+                </a:ext>
+              </a:extLst>
+            </p:cNvPr>
+            <p:cNvSpPr>
+              <a:spLocks noEditPoints="1"/>
+            </p:cNvSpPr>
+            <p:nvPr>
+              <p:extLst>
+                <p:ext uri="{386F3935-93C4-4BCD-93E2-E3B085C9AB24}">
+                  <p16:designElem xmlns:p16="http://schemas.microsoft.com/office/powerpoint/2015/main" val="1"/>
+                </p:ext>
+              </p:extLst>
+            </p:nvPr>
+          </p:nvSpPr>
+          <p:spPr bwMode="auto">
+            <a:xfrm>
+              <a:off x="2147888" y="6221413"/>
+              <a:ext cx="157163" cy="147638"/>
+            </a:xfrm>
+            <a:custGeom>
+              <a:avLst/>
+              <a:gdLst/>
+              <a:ahLst/>
+              <a:cxnLst/>
+              <a:rect l="0" t="0" r="r" b="b"/>
+              <a:pathLst>
+                <a:path w="33" h="31">
+                  <a:moveTo>
+                    <a:pt x="16" y="31"/>
+                  </a:moveTo>
+                  <a:cubicBezTo>
+                    <a:pt x="12" y="31"/>
+                    <a:pt x="8" y="29"/>
+                    <a:pt x="5" y="26"/>
+                  </a:cubicBezTo>
+                  <a:cubicBezTo>
+                    <a:pt x="2" y="24"/>
+                    <a:pt x="0" y="20"/>
+                    <a:pt x="0" y="15"/>
+                  </a:cubicBezTo>
+                  <a:cubicBezTo>
+                    <a:pt x="0" y="11"/>
+                    <a:pt x="2" y="7"/>
+                    <a:pt x="5" y="4"/>
+                  </a:cubicBezTo>
+                  <a:cubicBezTo>
+                    <a:pt x="8" y="1"/>
+                    <a:pt x="12" y="0"/>
+                    <a:pt x="16" y="0"/>
+                  </a:cubicBezTo>
+                  <a:cubicBezTo>
+                    <a:pt x="20" y="0"/>
+                    <a:pt x="24" y="1"/>
+                    <a:pt x="27" y="4"/>
+                  </a:cubicBezTo>
+                  <a:cubicBezTo>
+                    <a:pt x="33" y="10"/>
+                    <a:pt x="33" y="20"/>
+                    <a:pt x="27" y="26"/>
+                  </a:cubicBezTo>
+                  <a:cubicBezTo>
+                    <a:pt x="24" y="29"/>
+                    <a:pt x="20" y="31"/>
+                    <a:pt x="16" y="31"/>
+                  </a:cubicBezTo>
+                  <a:close/>
+                  <a:moveTo>
+                    <a:pt x="16" y="4"/>
+                  </a:moveTo>
+                  <a:cubicBezTo>
+                    <a:pt x="13" y="4"/>
+                    <a:pt x="10" y="5"/>
+                    <a:pt x="8" y="7"/>
+                  </a:cubicBezTo>
+                  <a:cubicBezTo>
+                    <a:pt x="6" y="9"/>
+                    <a:pt x="4" y="12"/>
+                    <a:pt x="4" y="15"/>
+                  </a:cubicBezTo>
+                  <a:cubicBezTo>
+                    <a:pt x="4" y="19"/>
+                    <a:pt x="6" y="21"/>
+                    <a:pt x="8" y="24"/>
+                  </a:cubicBezTo>
+                  <a:cubicBezTo>
+                    <a:pt x="10" y="26"/>
+                    <a:pt x="13" y="27"/>
+                    <a:pt x="16" y="27"/>
+                  </a:cubicBezTo>
+                  <a:cubicBezTo>
+                    <a:pt x="19" y="27"/>
+                    <a:pt x="22" y="26"/>
+                    <a:pt x="24" y="24"/>
+                  </a:cubicBezTo>
+                  <a:cubicBezTo>
+                    <a:pt x="29" y="19"/>
+                    <a:pt x="29" y="12"/>
+                    <a:pt x="24" y="7"/>
+                  </a:cubicBezTo>
+                  <a:cubicBezTo>
+                    <a:pt x="22" y="5"/>
+                    <a:pt x="19" y="4"/>
+                    <a:pt x="16" y="4"/>
+                  </a:cubicBezTo>
+                  <a:close/>
+                </a:path>
+              </a:pathLst>
+            </a:custGeom>
+            <a:grpFill/>
+            <a:ln>
+              <a:noFill/>
+            </a:ln>
+            <a:extLst>
+              <a:ext uri="{91240B29-F687-4f45-9708-019B960494DF}">
+                <a14:hiddenLine xmlns="" xmlns:a16="http://schemas.microsoft.com/office/drawing/2014/main" xmlns:a14="http://schemas.microsoft.com/office/drawing/2010/main" xmlns:p14="http://schemas.microsoft.com/office/powerpoint/2010/main" w="9525">
+                  <a:solidFill>
+                    <a:srgbClr val="000000"/>
+                  </a:solidFill>
+                  <a:round/>
+                  <a:headEnd/>
+                  <a:tailEnd/>
+                </a14:hiddenLine>
+              </a:ext>
+            </a:extLst>
+          </p:spPr>
+        </p:sp>
+        <p:sp>
+          <p:nvSpPr>
+            <p:cNvPr id="126" name="Freeform 57">
+              <a:extLst>
+                <a:ext uri="{FF2B5EF4-FFF2-40B4-BE49-F238E27FC236}">
+                  <a16:creationId xmlns:a16="http://schemas.microsoft.com/office/drawing/2014/main" id="{11F0B045-803C-4067-A182-066EEB2C4F9C}"/>
+                </a:ext>
+                <a:ext uri="{C183D7F6-B498-43B3-948B-1728B52AA6E4}">
+                  <adec:decorative xmlns:adec="http://schemas.microsoft.com/office/drawing/2017/decorative" val="1"/>
+                </a:ext>
+              </a:extLst>
+            </p:cNvPr>
+            <p:cNvSpPr/>
+            <p:nvPr>
+              <p:extLst>
+                <p:ext uri="{386F3935-93C4-4BCD-93E2-E3B085C9AB24}">
+                  <p16:designElem xmlns:p16="http://schemas.microsoft.com/office/powerpoint/2015/main" val="1"/>
+                </p:ext>
+              </p:extLst>
+            </p:nvPr>
+          </p:nvSpPr>
+          <p:spPr bwMode="auto">
+            <a:xfrm>
+              <a:off x="504825" y="9525"/>
+              <a:ext cx="233363" cy="5103813"/>
+            </a:xfrm>
+            <a:custGeom>
+              <a:avLst/>
+              <a:gdLst/>
+              <a:ahLst/>
+              <a:cxnLst/>
+              <a:rect l="0" t="0" r="r" b="b"/>
+              <a:pathLst>
+                <a:path w="147" h="3215">
+                  <a:moveTo>
+                    <a:pt x="132" y="3215"/>
+                  </a:moveTo>
+                  <a:lnTo>
+                    <a:pt x="129" y="2754"/>
+                  </a:lnTo>
+                  <a:lnTo>
+                    <a:pt x="0" y="1901"/>
+                  </a:lnTo>
+                  <a:lnTo>
+                    <a:pt x="0" y="0"/>
+                  </a:lnTo>
+                  <a:lnTo>
+                    <a:pt x="15" y="0"/>
+                  </a:lnTo>
+                  <a:lnTo>
+                    <a:pt x="15" y="1898"/>
+                  </a:lnTo>
+                  <a:lnTo>
+                    <a:pt x="144" y="2754"/>
+                  </a:lnTo>
+                  <a:lnTo>
+                    <a:pt x="147" y="3215"/>
+                  </a:lnTo>
+                  <a:lnTo>
+                    <a:pt x="132" y="3215"/>
+                  </a:lnTo>
+                  <a:close/>
+                </a:path>
+              </a:pathLst>
+            </a:custGeom>
+            <a:grpFill/>
+            <a:ln>
+              <a:noFill/>
+            </a:ln>
+            <a:extLst>
+              <a:ext uri="{91240B29-F687-4f45-9708-019B960494DF}">
+                <a14:hiddenLine xmlns="" xmlns:a16="http://schemas.microsoft.com/office/drawing/2014/main" xmlns:a14="http://schemas.microsoft.com/office/drawing/2010/main" xmlns:p14="http://schemas.microsoft.com/office/powerpoint/2010/main" w="9525">
+                  <a:solidFill>
+                    <a:srgbClr val="000000"/>
+                  </a:solidFill>
+                  <a:round/>
+                  <a:headEnd/>
+                  <a:tailEnd/>
+                </a14:hiddenLine>
+              </a:ext>
+            </a:extLst>
+          </p:spPr>
+        </p:sp>
+        <p:sp>
+          <p:nvSpPr>
+            <p:cNvPr id="127" name="Freeform 58">
+              <a:extLst>
+                <a:ext uri="{FF2B5EF4-FFF2-40B4-BE49-F238E27FC236}">
+                  <a16:creationId xmlns:a16="http://schemas.microsoft.com/office/drawing/2014/main" id="{3C1FCACB-EFEF-4B54-99A6-E327A637C25B}"/>
+                </a:ext>
+                <a:ext uri="{C183D7F6-B498-43B3-948B-1728B52AA6E4}">
+                  <adec:decorative xmlns:adec="http://schemas.microsoft.com/office/drawing/2017/decorative" val="1"/>
+                </a:ext>
+              </a:extLst>
+            </p:cNvPr>
+            <p:cNvSpPr>
+              <a:spLocks noEditPoints="1"/>
+            </p:cNvSpPr>
+            <p:nvPr>
+              <p:extLst>
+                <p:ext uri="{386F3935-93C4-4BCD-93E2-E3B085C9AB24}">
+                  <p16:designElem xmlns:p16="http://schemas.microsoft.com/office/powerpoint/2015/main" val="1"/>
+                </p:ext>
+              </p:extLst>
+            </p:nvPr>
+          </p:nvSpPr>
+          <p:spPr bwMode="auto">
+            <a:xfrm>
+              <a:off x="633413" y="5103813"/>
+              <a:ext cx="185738" cy="185738"/>
+            </a:xfrm>
+            <a:custGeom>
+              <a:avLst/>
+              <a:gdLst/>
+              <a:ahLst/>
+              <a:cxnLst/>
+              <a:rect l="0" t="0" r="r" b="b"/>
+              <a:pathLst>
+                <a:path w="39" h="39">
+                  <a:moveTo>
+                    <a:pt x="20" y="39"/>
+                  </a:moveTo>
+                  <a:cubicBezTo>
+                    <a:pt x="9" y="39"/>
+                    <a:pt x="0" y="30"/>
+                    <a:pt x="0" y="19"/>
+                  </a:cubicBezTo>
+                  <a:cubicBezTo>
+                    <a:pt x="0" y="9"/>
+                    <a:pt x="9" y="0"/>
+                    <a:pt x="20" y="0"/>
+                  </a:cubicBezTo>
+                  <a:cubicBezTo>
+                    <a:pt x="30" y="0"/>
+                    <a:pt x="39" y="9"/>
+                    <a:pt x="39" y="19"/>
+                  </a:cubicBezTo>
+                  <a:cubicBezTo>
+                    <a:pt x="39" y="30"/>
+                    <a:pt x="30" y="39"/>
+                    <a:pt x="20" y="39"/>
+                  </a:cubicBezTo>
+                  <a:close/>
+                  <a:moveTo>
+                    <a:pt x="20" y="4"/>
+                  </a:moveTo>
+                  <a:cubicBezTo>
+                    <a:pt x="11" y="4"/>
+                    <a:pt x="4" y="11"/>
+                    <a:pt x="4" y="19"/>
+                  </a:cubicBezTo>
+                  <a:cubicBezTo>
+                    <a:pt x="4" y="28"/>
+                    <a:pt x="11" y="35"/>
+                    <a:pt x="20" y="35"/>
+                  </a:cubicBezTo>
+                  <a:cubicBezTo>
+                    <a:pt x="28" y="35"/>
+                    <a:pt x="35" y="28"/>
+                    <a:pt x="35" y="19"/>
+                  </a:cubicBezTo>
+                  <a:cubicBezTo>
+                    <a:pt x="35" y="11"/>
+                    <a:pt x="28" y="4"/>
+                    <a:pt x="20" y="4"/>
+                  </a:cubicBezTo>
+                  <a:close/>
+                </a:path>
+              </a:pathLst>
+            </a:custGeom>
+            <a:grpFill/>
+            <a:ln>
+              <a:noFill/>
+            </a:ln>
+            <a:extLst>
+              <a:ext uri="{91240B29-F687-4f45-9708-019B960494DF}">
+                <a14:hiddenLine xmlns="" xmlns:a16="http://schemas.microsoft.com/office/drawing/2014/main" xmlns:a14="http://schemas.microsoft.com/office/drawing/2010/main" xmlns:p14="http://schemas.microsoft.com/office/powerpoint/2010/main" w="9525">
+                  <a:solidFill>
+                    <a:srgbClr val="000000"/>
+                  </a:solidFill>
+                  <a:round/>
+                  <a:headEnd/>
+                  <a:tailEnd/>
+                </a14:hiddenLine>
+              </a:ext>
+            </a:extLst>
+          </p:spPr>
+        </p:sp>
+      </p:grpSp>
+      <p:sp>
+        <p:nvSpPr>
+          <p:cNvPr id="2" name="Title 1">
+            <a:extLst>
+              <a:ext uri="{FF2B5EF4-FFF2-40B4-BE49-F238E27FC236}">
+                <a16:creationId xmlns:a16="http://schemas.microsoft.com/office/drawing/2014/main" id="{5F247B6F-AE50-402B-8CAF-B24E3A62DF40}"/>
+              </a:ext>
+            </a:extLst>
+          </p:cNvPr>
+          <p:cNvSpPr>
+            <a:spLocks noGrp="1"/>
+          </p:cNvSpPr>
+          <p:nvPr>
+            <p:ph type="title"/>
+          </p:nvPr>
+        </p:nvSpPr>
+        <p:spPr>
+          <a:xfrm>
+            <a:off x="8057397" y="1113282"/>
+            <a:ext cx="3489569" cy="2396681"/>
+          </a:xfrm>
+        </p:spPr>
+        <p:txBody>
+          <a:bodyPr vert="horz" lIns="91440" tIns="45720" rIns="91440" bIns="45720" rtlCol="0" anchor="b">
+            <a:normAutofit/>
+          </a:bodyPr>
+          <a:lstStyle/>
+          <a:p>
+            <a:r>
+              <a:rPr lang="en-US" sz="4400" dirty="0">
+                <a:solidFill>
+                  <a:srgbClr val="FFC000"/>
+                </a:solidFill>
+              </a:rPr>
+              <a:t>Any Questions?</a:t>
+            </a:r>
+          </a:p>
+        </p:txBody>
+      </p:sp>
+      <p:sp>
+        <p:nvSpPr>
+          <p:cNvPr id="129" name="Round Diagonal Corner Rectangle 6">
+            <a:extLst>
+              <a:ext uri="{FF2B5EF4-FFF2-40B4-BE49-F238E27FC236}">
+                <a16:creationId xmlns:a16="http://schemas.microsoft.com/office/drawing/2014/main" id="{8B3F5CD4-CBC8-4A22-9DCC-0420CA28A09F}"/>
+              </a:ext>
+              <a:ext uri="{C183D7F6-B498-43B3-948B-1728B52AA6E4}">
+                <adec:decorative xmlns:adec="http://schemas.microsoft.com/office/drawing/2017/decorative" val="1"/>
+              </a:ext>
+            </a:extLst>
+          </p:cNvPr>
+          <p:cNvSpPr>
+            <a:spLocks noGrp="1" noRot="1" noChangeAspect="1" noMove="1" noResize="1" noEditPoints="1" noAdjustHandles="1" noChangeArrowheads="1" noChangeShapeType="1" noTextEdit="1"/>
+          </p:cNvSpPr>
+          <p:nvPr>
+            <p:extLst>
+              <p:ext uri="{386F3935-93C4-4BCD-93E2-E3B085C9AB24}">
+                <p16:designElem xmlns:p16="http://schemas.microsoft.com/office/powerpoint/2015/main" val="1"/>
+              </p:ext>
+            </p:extLst>
+          </p:nvPr>
+        </p:nvSpPr>
+        <p:spPr>
+          <a:xfrm>
+            <a:off x="798949" y="808057"/>
+            <a:ext cx="6752461" cy="5234394"/>
+          </a:xfrm>
+          <a:prstGeom prst="round2DiagRect">
+            <a:avLst>
+              <a:gd name="adj1" fmla="val 7418"/>
+              <a:gd name="adj2" fmla="val 0"/>
+            </a:avLst>
+          </a:prstGeom>
+          <a:solidFill>
+            <a:srgbClr val="FFFFFF"/>
+          </a:solidFill>
+          <a:ln w="19050" cap="sq">
+            <a:solidFill>
+              <a:schemeClr val="tx2">
+                <a:lumMod val="60000"/>
+                <a:lumOff val="40000"/>
+                <a:alpha val="60000"/>
+              </a:schemeClr>
+            </a:solidFill>
+            <a:miter lim="800000"/>
+          </a:ln>
+          <a:effectLst>
+            <a:outerShdw blurRad="88900" dist="38100" dir="5400000" algn="t" rotWithShape="0">
+              <a:prstClr val="black">
+                <a:alpha val="40000"/>
+              </a:prstClr>
+            </a:outerShdw>
+          </a:effectLst>
+        </p:spPr>
+        <p:style>
+          <a:lnRef idx="2">
+            <a:schemeClr val="accent1">
+              <a:shade val="50000"/>
+            </a:schemeClr>
+          </a:lnRef>
+          <a:fillRef idx="1">
+            <a:schemeClr val="accent1"/>
+          </a:fillRef>
+          <a:effectRef idx="0">
+            <a:schemeClr val="accent1"/>
+          </a:effectRef>
+          <a:fontRef idx="minor">
+            <a:schemeClr val="lt1"/>
+          </a:fontRef>
+        </p:style>
+        <p:txBody>
+          <a:bodyPr rtlCol="0" anchor="ctr"/>
+          <a:lstStyle/>
+          <a:p>
+            <a:pPr algn="ctr"/>
+            <a:endParaRPr lang="en-US"/>
+          </a:p>
+        </p:txBody>
+      </p:sp>
+      <p:pic>
+        <p:nvPicPr>
+          <p:cNvPr id="5122" name="Picture 2">
+            <a:extLst>
+              <a:ext uri="{FF2B5EF4-FFF2-40B4-BE49-F238E27FC236}">
+                <a16:creationId xmlns:a16="http://schemas.microsoft.com/office/drawing/2014/main" id="{B36F97B6-09D9-47A3-A0A5-ADA879CFA946}"/>
+              </a:ext>
+            </a:extLst>
+          </p:cNvPr>
+          <p:cNvPicPr>
+            <a:picLocks noChangeAspect="1" noChangeArrowheads="1"/>
+          </p:cNvPicPr>
+          <p:nvPr/>
+        </p:nvPicPr>
+        <p:blipFill rotWithShape="1">
+          <a:blip r:embed="rId4">
+            <a:extLst>
+              <a:ext uri="{28A0092B-C50C-407E-A947-70E740481C1C}">
+                <a14:useLocalDpi xmlns:a14="http://schemas.microsoft.com/office/drawing/2010/main" val="0"/>
+              </a:ext>
+            </a:extLst>
+          </a:blip>
+          <a:srcRect r="17208" b="1"/>
+          <a:stretch/>
+        </p:blipFill>
+        <p:spPr bwMode="auto">
+          <a:xfrm>
+            <a:off x="1118988" y="1136606"/>
+            <a:ext cx="6112382" cy="4577297"/>
+          </a:xfrm>
+          <a:prstGeom prst="rect">
+            <a:avLst/>
+          </a:prstGeom>
+          <a:noFill/>
+          <a:extLst>
+            <a:ext uri="{909E8E84-426E-40DD-AFC4-6F175D3DCCD1}">
+              <a14:hiddenFill xmlns:a14="http://schemas.microsoft.com/office/drawing/2010/main">
+                <a:solidFill>
+                  <a:srgbClr val="FFFFFF"/>
+                </a:solidFill>
+              </a14:hiddenFill>
+            </a:ext>
+          </a:extLst>
+        </p:spPr>
+      </p:pic>
+    </p:spTree>
+    <p:extLst>
+      <p:ext uri="{BB962C8B-B14F-4D97-AF65-F5344CB8AC3E}">
+        <p14:creationId xmlns:p14="http://schemas.microsoft.com/office/powerpoint/2010/main" val="3320673053"/>
       </p:ext>
     </p:extLst>
   </p:cSld>
